--- a/androidsec/안드로이드 SafetyNet.pptx
+++ b/androidsec/안드로이드 SafetyNet.pptx
@@ -15,6 +15,11 @@
     <p:sldId id="263" r:id="rId9"/>
     <p:sldId id="265" r:id="rId10"/>
     <p:sldId id="264" r:id="rId11"/>
+    <p:sldId id="266" r:id="rId12"/>
+    <p:sldId id="267" r:id="rId13"/>
+    <p:sldId id="268" r:id="rId14"/>
+    <p:sldId id="270" r:id="rId15"/>
+    <p:sldId id="269" r:id="rId16"/>
   </p:sldIdLst>
   <p:sldSz cx="12192000" cy="6858000"/>
   <p:notesSz cx="6858000" cy="9144000"/>
@@ -113,6 +118,11 @@
       </a:defRPr>
     </a:lvl9pPr>
   </p:defaultTextStyle>
+  <p:extLst>
+    <p:ext uri="{EFAFB233-063F-42B5-8137-9DF3F51BA10A}">
+      <p15:sldGuideLst xmlns:p15="http://schemas.microsoft.com/office/powerpoint/2012/main"/>
+    </p:ext>
+  </p:extLst>
 </p:presentation>
 </file>
 
@@ -265,7 +275,7 @@
           <a:p>
             <a:fld id="{A6C3F4AB-9573-4F11-B906-1A2A46363948}" type="datetimeFigureOut">
               <a:rPr lang="en-US" smtClean="0"/>
-              <a:t>2019-01-21</a:t>
+              <a:t>2019-01-22</a:t>
             </a:fld>
             <a:endParaRPr lang="en-US"/>
           </a:p>
@@ -465,7 +475,7 @@
           <a:p>
             <a:fld id="{A6C3F4AB-9573-4F11-B906-1A2A46363948}" type="datetimeFigureOut">
               <a:rPr lang="en-US" smtClean="0"/>
-              <a:t>2019-01-21</a:t>
+              <a:t>2019-01-22</a:t>
             </a:fld>
             <a:endParaRPr lang="en-US"/>
           </a:p>
@@ -675,7 +685,7 @@
           <a:p>
             <a:fld id="{A6C3F4AB-9573-4F11-B906-1A2A46363948}" type="datetimeFigureOut">
               <a:rPr lang="en-US" smtClean="0"/>
-              <a:t>2019-01-21</a:t>
+              <a:t>2019-01-22</a:t>
             </a:fld>
             <a:endParaRPr lang="en-US"/>
           </a:p>
@@ -875,7 +885,7 @@
           <a:p>
             <a:fld id="{A6C3F4AB-9573-4F11-B906-1A2A46363948}" type="datetimeFigureOut">
               <a:rPr lang="en-US" smtClean="0"/>
-              <a:t>2019-01-21</a:t>
+              <a:t>2019-01-22</a:t>
             </a:fld>
             <a:endParaRPr lang="en-US"/>
           </a:p>
@@ -1151,7 +1161,7 @@
           <a:p>
             <a:fld id="{A6C3F4AB-9573-4F11-B906-1A2A46363948}" type="datetimeFigureOut">
               <a:rPr lang="en-US" smtClean="0"/>
-              <a:t>2019-01-21</a:t>
+              <a:t>2019-01-22</a:t>
             </a:fld>
             <a:endParaRPr lang="en-US"/>
           </a:p>
@@ -1419,7 +1429,7 @@
           <a:p>
             <a:fld id="{A6C3F4AB-9573-4F11-B906-1A2A46363948}" type="datetimeFigureOut">
               <a:rPr lang="en-US" smtClean="0"/>
-              <a:t>2019-01-21</a:t>
+              <a:t>2019-01-22</a:t>
             </a:fld>
             <a:endParaRPr lang="en-US"/>
           </a:p>
@@ -1834,7 +1844,7 @@
           <a:p>
             <a:fld id="{A6C3F4AB-9573-4F11-B906-1A2A46363948}" type="datetimeFigureOut">
               <a:rPr lang="en-US" smtClean="0"/>
-              <a:t>2019-01-21</a:t>
+              <a:t>2019-01-22</a:t>
             </a:fld>
             <a:endParaRPr lang="en-US"/>
           </a:p>
@@ -1976,7 +1986,7 @@
           <a:p>
             <a:fld id="{A6C3F4AB-9573-4F11-B906-1A2A46363948}" type="datetimeFigureOut">
               <a:rPr lang="en-US" smtClean="0"/>
-              <a:t>2019-01-21</a:t>
+              <a:t>2019-01-22</a:t>
             </a:fld>
             <a:endParaRPr lang="en-US"/>
           </a:p>
@@ -2089,7 +2099,7 @@
           <a:p>
             <a:fld id="{A6C3F4AB-9573-4F11-B906-1A2A46363948}" type="datetimeFigureOut">
               <a:rPr lang="en-US" smtClean="0"/>
-              <a:t>2019-01-21</a:t>
+              <a:t>2019-01-22</a:t>
             </a:fld>
             <a:endParaRPr lang="en-US"/>
           </a:p>
@@ -2402,7 +2412,7 @@
           <a:p>
             <a:fld id="{A6C3F4AB-9573-4F11-B906-1A2A46363948}" type="datetimeFigureOut">
               <a:rPr lang="en-US" smtClean="0"/>
-              <a:t>2019-01-21</a:t>
+              <a:t>2019-01-22</a:t>
             </a:fld>
             <a:endParaRPr lang="en-US"/>
           </a:p>
@@ -2691,7 +2701,7 @@
           <a:p>
             <a:fld id="{A6C3F4AB-9573-4F11-B906-1A2A46363948}" type="datetimeFigureOut">
               <a:rPr lang="en-US" smtClean="0"/>
-              <a:t>2019-01-21</a:t>
+              <a:t>2019-01-22</a:t>
             </a:fld>
             <a:endParaRPr lang="en-US"/>
           </a:p>
@@ -2934,7 +2944,7 @@
           <a:p>
             <a:fld id="{A6C3F4AB-9573-4F11-B906-1A2A46363948}" type="datetimeFigureOut">
               <a:rPr lang="en-US" smtClean="0"/>
-              <a:t>2019-01-21</a:t>
+              <a:t>2019-01-22</a:t>
             </a:fld>
             <a:endParaRPr lang="en-US"/>
           </a:p>
@@ -4863,6 +4873,5783 @@
     <p:extLst>
       <p:ext uri="{BB962C8B-B14F-4D97-AF65-F5344CB8AC3E}">
         <p14:creationId xmlns:p14="http://schemas.microsoft.com/office/powerpoint/2010/main" val="373555743"/>
+      </p:ext>
+    </p:extLst>
+  </p:cSld>
+  <p:clrMapOvr>
+    <a:masterClrMapping/>
+  </p:clrMapOvr>
+</p:sld>
+</file>
+
+<file path=ppt/slides/slide11.xml><?xml version="1.0" encoding="utf-8"?>
+<p:sld xmlns:a="http://schemas.openxmlformats.org/drawingml/2006/main" xmlns:r="http://schemas.openxmlformats.org/officeDocument/2006/relationships" xmlns:p="http://schemas.openxmlformats.org/presentationml/2006/main">
+  <p:cSld>
+    <p:spTree>
+      <p:nvGrpSpPr>
+        <p:cNvPr id="1" name=""/>
+        <p:cNvGrpSpPr/>
+        <p:nvPr/>
+      </p:nvGrpSpPr>
+      <p:grpSpPr>
+        <a:xfrm>
+          <a:off x="0" y="0"/>
+          <a:ext cx="0" cy="0"/>
+          <a:chOff x="0" y="0"/>
+          <a:chExt cx="0" cy="0"/>
+        </a:xfrm>
+      </p:grpSpPr>
+      <p:sp>
+        <p:nvSpPr>
+          <p:cNvPr id="2" name="제목 1">
+            <a:extLst>
+              <a:ext uri="{FF2B5EF4-FFF2-40B4-BE49-F238E27FC236}">
+                <a16:creationId xmlns:a16="http://schemas.microsoft.com/office/drawing/2014/main" id="{9BBF6F01-8462-4028-A755-2EAF8DC16644}"/>
+              </a:ext>
+            </a:extLst>
+          </p:cNvPr>
+          <p:cNvSpPr>
+            <a:spLocks noGrp="1"/>
+          </p:cNvSpPr>
+          <p:nvPr>
+            <p:ph type="title"/>
+          </p:nvPr>
+        </p:nvSpPr>
+        <p:spPr/>
+        <p:txBody>
+          <a:bodyPr/>
+          <a:lstStyle/>
+          <a:p>
+            <a:r>
+              <a:rPr lang="en-US" dirty="0"/>
+              <a:t>Verify Apps API</a:t>
+            </a:r>
+          </a:p>
+        </p:txBody>
+      </p:sp>
+      <p:sp>
+        <p:nvSpPr>
+          <p:cNvPr id="3" name="내용 개체 틀 2">
+            <a:extLst>
+              <a:ext uri="{FF2B5EF4-FFF2-40B4-BE49-F238E27FC236}">
+                <a16:creationId xmlns:a16="http://schemas.microsoft.com/office/drawing/2014/main" id="{902EA0A6-DB46-4FF3-9EE1-0558343CB6AE}"/>
+              </a:ext>
+            </a:extLst>
+          </p:cNvPr>
+          <p:cNvSpPr>
+            <a:spLocks noGrp="1"/>
+          </p:cNvSpPr>
+          <p:nvPr>
+            <p:ph idx="1"/>
+          </p:nvPr>
+        </p:nvSpPr>
+        <p:spPr/>
+        <p:txBody>
+          <a:bodyPr>
+            <a:normAutofit/>
+          </a:bodyPr>
+          <a:lstStyle/>
+          <a:p>
+            <a:r>
+              <a:rPr lang="en-US" altLang="ko-KR" dirty="0"/>
+              <a:t>Verify</a:t>
+            </a:r>
+            <a:r>
+              <a:rPr lang="ko-KR" altLang="en-US" dirty="0"/>
+              <a:t> </a:t>
+            </a:r>
+            <a:r>
+              <a:rPr lang="en-US" altLang="ko-KR" dirty="0"/>
+              <a:t>Apps</a:t>
+            </a:r>
+            <a:r>
+              <a:rPr lang="ko-KR" altLang="en-US" dirty="0"/>
+              <a:t>가 동작하고 있는지 확인하거나 동작시키는 </a:t>
+            </a:r>
+            <a:r>
+              <a:rPr lang="en-US" altLang="ko-KR" dirty="0"/>
+              <a:t>API</a:t>
+            </a:r>
+          </a:p>
+          <a:p>
+            <a:pPr lvl="1"/>
+            <a:r>
+              <a:rPr lang="en-US" altLang="ko-KR" dirty="0" err="1"/>
+              <a:t>isVerifyAppsEnabled</a:t>
+            </a:r>
+            <a:r>
+              <a:rPr lang="en-US" altLang="ko-KR" dirty="0"/>
+              <a:t>() – </a:t>
+            </a:r>
+            <a:r>
+              <a:rPr lang="ko-KR" altLang="en-US" dirty="0"/>
+              <a:t>동작 여부 확인</a:t>
+            </a:r>
+            <a:endParaRPr lang="en-US" altLang="ko-KR" dirty="0"/>
+          </a:p>
+          <a:p>
+            <a:pPr lvl="1"/>
+            <a:r>
+              <a:rPr lang="en-US" altLang="ko-KR" dirty="0" err="1"/>
+              <a:t>enableVerifyApps</a:t>
+            </a:r>
+            <a:r>
+              <a:rPr lang="en-US" altLang="ko-KR" dirty="0"/>
+              <a:t>() – </a:t>
+            </a:r>
+            <a:r>
+              <a:rPr lang="ko-KR" altLang="en-US" dirty="0"/>
+              <a:t>동작 요청 다이얼로그 보이기</a:t>
+            </a:r>
+            <a:endParaRPr lang="en-US" altLang="ko-KR" dirty="0"/>
+          </a:p>
+          <a:p>
+            <a:r>
+              <a:rPr lang="en-US" altLang="ko-KR" dirty="0"/>
+              <a:t>Verify Apps</a:t>
+            </a:r>
+          </a:p>
+          <a:p>
+            <a:pPr lvl="1"/>
+            <a:r>
+              <a:rPr lang="ko-KR" altLang="en-US" dirty="0"/>
+              <a:t>잠재적으로 위험할 수 있는 앱이 설치되어 있는지 확인</a:t>
+            </a:r>
+            <a:endParaRPr lang="en-US" altLang="ko-KR" dirty="0"/>
+          </a:p>
+          <a:p>
+            <a:pPr lvl="1"/>
+            <a:r>
+              <a:rPr lang="ko-KR" altLang="en-US" dirty="0"/>
+              <a:t>확인 될 경우 사용자에게 삭제를 요청</a:t>
+            </a:r>
+            <a:r>
+              <a:rPr lang="en-US" altLang="ko-KR" dirty="0"/>
+              <a:t>, </a:t>
+            </a:r>
+            <a:r>
+              <a:rPr lang="ko-KR" altLang="en-US" dirty="0"/>
+              <a:t>사용자가 직접 삭제해야 함</a:t>
+            </a:r>
+            <a:endParaRPr lang="en-US" altLang="ko-KR" dirty="0"/>
+          </a:p>
+          <a:p>
+            <a:pPr lvl="1"/>
+            <a:r>
+              <a:rPr lang="en-US" altLang="ko-KR" dirty="0"/>
+              <a:t>Google</a:t>
+            </a:r>
+            <a:r>
+              <a:rPr lang="ko-KR" altLang="en-US" dirty="0"/>
+              <a:t>에서 앱들에 대한 모니터링을 통해 위험한 앱을 판단하고 정보를 제공하는 것</a:t>
+            </a:r>
+            <a:endParaRPr lang="en-US" altLang="ko-KR" dirty="0"/>
+          </a:p>
+          <a:p>
+            <a:r>
+              <a:rPr lang="ko-KR" altLang="en-US" dirty="0"/>
+              <a:t>민감한 정보나 금융 관련 앱</a:t>
+            </a:r>
+            <a:endParaRPr lang="en-US" altLang="ko-KR" dirty="0"/>
+          </a:p>
+          <a:p>
+            <a:pPr lvl="1"/>
+            <a:r>
+              <a:rPr lang="ko-KR" altLang="en-US" dirty="0"/>
+              <a:t>중요 정보를 다루기 전에 </a:t>
+            </a:r>
+            <a:r>
+              <a:rPr lang="en-US" altLang="ko-KR" dirty="0" err="1"/>
+              <a:t>Verfiy</a:t>
+            </a:r>
+            <a:r>
+              <a:rPr lang="en-US" altLang="ko-KR" dirty="0"/>
+              <a:t> Apps</a:t>
+            </a:r>
+            <a:r>
+              <a:rPr lang="ko-KR" altLang="en-US" dirty="0"/>
+              <a:t>가 동작 중인지 확인하기 위해 사용</a:t>
+            </a:r>
+            <a:endParaRPr lang="en-US" altLang="ko-KR" dirty="0"/>
+          </a:p>
+          <a:p>
+            <a:endParaRPr lang="en-US" altLang="ko-KR" dirty="0"/>
+          </a:p>
+        </p:txBody>
+      </p:sp>
+    </p:spTree>
+    <p:extLst>
+      <p:ext uri="{BB962C8B-B14F-4D97-AF65-F5344CB8AC3E}">
+        <p14:creationId xmlns:p14="http://schemas.microsoft.com/office/powerpoint/2010/main" val="3915057655"/>
+      </p:ext>
+    </p:extLst>
+  </p:cSld>
+  <p:clrMapOvr>
+    <a:masterClrMapping/>
+  </p:clrMapOvr>
+</p:sld>
+</file>
+
+<file path=ppt/slides/slide12.xml><?xml version="1.0" encoding="utf-8"?>
+<p:sld xmlns:a="http://schemas.openxmlformats.org/drawingml/2006/main" xmlns:r="http://schemas.openxmlformats.org/officeDocument/2006/relationships" xmlns:p="http://schemas.openxmlformats.org/presentationml/2006/main">
+  <p:cSld>
+    <p:spTree>
+      <p:nvGrpSpPr>
+        <p:cNvPr id="1" name=""/>
+        <p:cNvGrpSpPr/>
+        <p:nvPr/>
+      </p:nvGrpSpPr>
+      <p:grpSpPr>
+        <a:xfrm>
+          <a:off x="0" y="0"/>
+          <a:ext cx="0" cy="0"/>
+          <a:chOff x="0" y="0"/>
+          <a:chExt cx="0" cy="0"/>
+        </a:xfrm>
+      </p:grpSpPr>
+      <p:sp>
+        <p:nvSpPr>
+          <p:cNvPr id="2" name="제목 1">
+            <a:extLst>
+              <a:ext uri="{FF2B5EF4-FFF2-40B4-BE49-F238E27FC236}">
+                <a16:creationId xmlns:a16="http://schemas.microsoft.com/office/drawing/2014/main" id="{4CFC7679-2AE3-499D-8E4E-2A9B1DC9EB02}"/>
+              </a:ext>
+            </a:extLst>
+          </p:cNvPr>
+          <p:cNvSpPr>
+            <a:spLocks noGrp="1"/>
+          </p:cNvSpPr>
+          <p:nvPr>
+            <p:ph type="title"/>
+          </p:nvPr>
+        </p:nvSpPr>
+        <p:spPr/>
+        <p:txBody>
+          <a:bodyPr/>
+          <a:lstStyle/>
+          <a:p>
+            <a:r>
+              <a:rPr lang="en-US" dirty="0"/>
+              <a:t>Verify Apps </a:t>
+            </a:r>
+            <a:r>
+              <a:rPr lang="ko-KR" altLang="en-US" dirty="0"/>
+              <a:t>동작 중인지 확인</a:t>
+            </a:r>
+            <a:endParaRPr lang="en-US" dirty="0"/>
+          </a:p>
+        </p:txBody>
+      </p:sp>
+      <p:sp>
+        <p:nvSpPr>
+          <p:cNvPr id="3" name="내용 개체 틀 2">
+            <a:extLst>
+              <a:ext uri="{FF2B5EF4-FFF2-40B4-BE49-F238E27FC236}">
+                <a16:creationId xmlns:a16="http://schemas.microsoft.com/office/drawing/2014/main" id="{51324594-5264-4FCB-909F-A24B27DC12FA}"/>
+              </a:ext>
+            </a:extLst>
+          </p:cNvPr>
+          <p:cNvSpPr>
+            <a:spLocks noGrp="1"/>
+          </p:cNvSpPr>
+          <p:nvPr>
+            <p:ph idx="1"/>
+          </p:nvPr>
+        </p:nvSpPr>
+        <p:spPr/>
+        <p:txBody>
+          <a:bodyPr/>
+          <a:lstStyle/>
+          <a:p>
+            <a:r>
+              <a:rPr lang="en-US" altLang="en-US" dirty="0" err="1">
+                <a:solidFill>
+                  <a:srgbClr val="37474F"/>
+                </a:solidFill>
+                <a:latin typeface="D2Coding" panose="020B0609020101020101" pitchFamily="49" charset="-127"/>
+                <a:ea typeface="D2Coding" panose="020B0609020101020101" pitchFamily="49" charset="-127"/>
+              </a:rPr>
+              <a:t>isVerifyAppsEnabled</a:t>
+            </a:r>
+            <a:r>
+              <a:rPr lang="en-US" altLang="en-US" dirty="0">
+                <a:solidFill>
+                  <a:srgbClr val="37474F"/>
+                </a:solidFill>
+                <a:latin typeface="D2Coding" panose="020B0609020101020101" pitchFamily="49" charset="-127"/>
+                <a:ea typeface="D2Coding" panose="020B0609020101020101" pitchFamily="49" charset="-127"/>
+              </a:rPr>
+              <a:t>()</a:t>
+            </a:r>
+            <a:endParaRPr lang="en-US" dirty="0"/>
+          </a:p>
+        </p:txBody>
+      </p:sp>
+      <p:sp>
+        <p:nvSpPr>
+          <p:cNvPr id="5" name="Rectangle 2">
+            <a:extLst>
+              <a:ext uri="{FF2B5EF4-FFF2-40B4-BE49-F238E27FC236}">
+                <a16:creationId xmlns:a16="http://schemas.microsoft.com/office/drawing/2014/main" id="{3E784E63-CDD4-4D54-BC15-82D5729389D2}"/>
+              </a:ext>
+            </a:extLst>
+          </p:cNvPr>
+          <p:cNvSpPr>
+            <a:spLocks noChangeArrowheads="1"/>
+          </p:cNvSpPr>
+          <p:nvPr/>
+        </p:nvSpPr>
+        <p:spPr bwMode="auto">
+          <a:xfrm>
+            <a:off x="1838960" y="2465560"/>
+            <a:ext cx="7843520" cy="3572801"/>
+          </a:xfrm>
+          <a:prstGeom prst="rect">
+            <a:avLst/>
+          </a:prstGeom>
+          <a:noFill/>
+          <a:ln>
+            <a:noFill/>
+          </a:ln>
+          <a:effectLst/>
+        </p:spPr>
+        <p:txBody>
+          <a:bodyPr vert="horz" wrap="square" lIns="-44436" tIns="-44436" rIns="-44436" bIns="-44436" numCol="1" anchor="ctr" anchorCtr="0" compatLnSpc="1">
+            <a:prstTxWarp prst="textNoShape">
+              <a:avLst/>
+            </a:prstTxWarp>
+            <a:spAutoFit/>
+          </a:bodyPr>
+          <a:lstStyle/>
+          <a:p>
+            <a:pPr marL="0" marR="0" lvl="0" indent="0" algn="l" defTabSz="914400" rtl="0" eaLnBrk="0" fontAlgn="base" latinLnBrk="0" hangingPunct="0">
+              <a:lnSpc>
+                <a:spcPct val="100000"/>
+              </a:lnSpc>
+              <a:spcBef>
+                <a:spcPct val="0"/>
+              </a:spcBef>
+              <a:spcAft>
+                <a:spcPct val="0"/>
+              </a:spcAft>
+              <a:buClrTx/>
+              <a:buSzTx/>
+              <a:buFontTx/>
+              <a:buNone/>
+              <a:tabLst/>
+            </a:pPr>
+            <a:r>
+              <a:rPr kumimoji="0" lang="en-US" altLang="en-US" sz="1400" b="0" i="0" u="none" strike="noStrike" cap="none" normalizeH="0" baseline="0" dirty="0" err="1">
+                <a:ln>
+                  <a:noFill/>
+                </a:ln>
+                <a:solidFill>
+                  <a:srgbClr val="9C27B0"/>
+                </a:solidFill>
+                <a:effectLst/>
+                <a:latin typeface="D2Coding" panose="020B0609020101020101" pitchFamily="49" charset="-127"/>
+                <a:ea typeface="D2Coding" panose="020B0609020101020101" pitchFamily="49" charset="-127"/>
+              </a:rPr>
+              <a:t>SafetyNet</a:t>
+            </a:r>
+            <a:r>
+              <a:rPr kumimoji="0" lang="en-US" altLang="en-US" sz="1400" b="0" i="0" u="none" strike="noStrike" cap="none" normalizeH="0" baseline="0" dirty="0" err="1">
+                <a:ln>
+                  <a:noFill/>
+                </a:ln>
+                <a:solidFill>
+                  <a:srgbClr val="37474F"/>
+                </a:solidFill>
+                <a:effectLst/>
+                <a:latin typeface="D2Coding" panose="020B0609020101020101" pitchFamily="49" charset="-127"/>
+                <a:ea typeface="D2Coding" panose="020B0609020101020101" pitchFamily="49" charset="-127"/>
+              </a:rPr>
+              <a:t>.getClient</a:t>
+            </a:r>
+            <a:r>
+              <a:rPr kumimoji="0" lang="en-US" altLang="en-US" sz="1400" b="0" i="0" u="none" strike="noStrike" cap="none" normalizeH="0" baseline="0" dirty="0">
+                <a:ln>
+                  <a:noFill/>
+                </a:ln>
+                <a:solidFill>
+                  <a:srgbClr val="37474F"/>
+                </a:solidFill>
+                <a:effectLst/>
+                <a:latin typeface="D2Coding" panose="020B0609020101020101" pitchFamily="49" charset="-127"/>
+                <a:ea typeface="D2Coding" panose="020B0609020101020101" pitchFamily="49" charset="-127"/>
+              </a:rPr>
+              <a:t>(</a:t>
+            </a:r>
+            <a:r>
+              <a:rPr kumimoji="0" lang="en-US" altLang="en-US" sz="1400" b="0" i="0" u="none" strike="noStrike" cap="none" normalizeH="0" baseline="0" dirty="0">
+                <a:ln>
+                  <a:noFill/>
+                </a:ln>
+                <a:solidFill>
+                  <a:srgbClr val="3B78E7"/>
+                </a:solidFill>
+                <a:effectLst/>
+                <a:latin typeface="D2Coding" panose="020B0609020101020101" pitchFamily="49" charset="-127"/>
+                <a:ea typeface="D2Coding" panose="020B0609020101020101" pitchFamily="49" charset="-127"/>
+              </a:rPr>
+              <a:t>this</a:t>
+            </a:r>
+            <a:r>
+              <a:rPr kumimoji="0" lang="en-US" altLang="en-US" sz="1400" b="0" i="0" u="none" strike="noStrike" cap="none" normalizeH="0" baseline="0" dirty="0">
+                <a:ln>
+                  <a:noFill/>
+                </a:ln>
+                <a:solidFill>
+                  <a:srgbClr val="37474F"/>
+                </a:solidFill>
+                <a:effectLst/>
+                <a:latin typeface="D2Coding" panose="020B0609020101020101" pitchFamily="49" charset="-127"/>
+                <a:ea typeface="D2Coding" panose="020B0609020101020101" pitchFamily="49" charset="-127"/>
+              </a:rPr>
+              <a:t>)</a:t>
+            </a:r>
+            <a:br>
+              <a:rPr kumimoji="0" lang="en-US" altLang="en-US" sz="1400" b="0" i="0" u="none" strike="noStrike" cap="none" normalizeH="0" baseline="0" dirty="0">
+                <a:ln>
+                  <a:noFill/>
+                </a:ln>
+                <a:solidFill>
+                  <a:srgbClr val="37474F"/>
+                </a:solidFill>
+                <a:effectLst/>
+                <a:latin typeface="D2Coding" panose="020B0609020101020101" pitchFamily="49" charset="-127"/>
+                <a:ea typeface="D2Coding" panose="020B0609020101020101" pitchFamily="49" charset="-127"/>
+              </a:rPr>
+            </a:br>
+            <a:r>
+              <a:rPr kumimoji="0" lang="en-US" altLang="en-US" sz="1400" b="0" i="0" u="none" strike="noStrike" cap="none" normalizeH="0" baseline="0" dirty="0">
+                <a:ln>
+                  <a:noFill/>
+                </a:ln>
+                <a:solidFill>
+                  <a:srgbClr val="37474F"/>
+                </a:solidFill>
+                <a:effectLst/>
+                <a:latin typeface="D2Coding" panose="020B0609020101020101" pitchFamily="49" charset="-127"/>
+                <a:ea typeface="D2Coding" panose="020B0609020101020101" pitchFamily="49" charset="-127"/>
+              </a:rPr>
+              <a:t>    .</a:t>
+            </a:r>
+            <a:r>
+              <a:rPr kumimoji="0" lang="en-US" altLang="en-US" sz="1400" b="0" i="0" u="none" strike="noStrike" cap="none" normalizeH="0" baseline="0" dirty="0" err="1">
+                <a:ln>
+                  <a:noFill/>
+                </a:ln>
+                <a:solidFill>
+                  <a:srgbClr val="37474F"/>
+                </a:solidFill>
+                <a:effectLst/>
+                <a:latin typeface="D2Coding" panose="020B0609020101020101" pitchFamily="49" charset="-127"/>
+                <a:ea typeface="D2Coding" panose="020B0609020101020101" pitchFamily="49" charset="-127"/>
+              </a:rPr>
+              <a:t>isVerifyAppsEnabled</a:t>
+            </a:r>
+            <a:r>
+              <a:rPr kumimoji="0" lang="en-US" altLang="en-US" sz="1400" b="0" i="0" u="none" strike="noStrike" cap="none" normalizeH="0" baseline="0" dirty="0">
+                <a:ln>
+                  <a:noFill/>
+                </a:ln>
+                <a:solidFill>
+                  <a:srgbClr val="37474F"/>
+                </a:solidFill>
+                <a:effectLst/>
+                <a:latin typeface="D2Coding" panose="020B0609020101020101" pitchFamily="49" charset="-127"/>
+                <a:ea typeface="D2Coding" panose="020B0609020101020101" pitchFamily="49" charset="-127"/>
+              </a:rPr>
+              <a:t>()</a:t>
+            </a:r>
+            <a:br>
+              <a:rPr kumimoji="0" lang="en-US" altLang="en-US" sz="1400" b="0" i="0" u="none" strike="noStrike" cap="none" normalizeH="0" baseline="0" dirty="0">
+                <a:ln>
+                  <a:noFill/>
+                </a:ln>
+                <a:solidFill>
+                  <a:srgbClr val="37474F"/>
+                </a:solidFill>
+                <a:effectLst/>
+                <a:latin typeface="D2Coding" panose="020B0609020101020101" pitchFamily="49" charset="-127"/>
+                <a:ea typeface="D2Coding" panose="020B0609020101020101" pitchFamily="49" charset="-127"/>
+              </a:rPr>
+            </a:br>
+            <a:r>
+              <a:rPr kumimoji="0" lang="en-US" altLang="en-US" sz="1400" b="0" i="0" u="none" strike="noStrike" cap="none" normalizeH="0" baseline="0" dirty="0">
+                <a:ln>
+                  <a:noFill/>
+                </a:ln>
+                <a:solidFill>
+                  <a:srgbClr val="37474F"/>
+                </a:solidFill>
+                <a:effectLst/>
+                <a:latin typeface="D2Coding" panose="020B0609020101020101" pitchFamily="49" charset="-127"/>
+                <a:ea typeface="D2Coding" panose="020B0609020101020101" pitchFamily="49" charset="-127"/>
+              </a:rPr>
+              <a:t>    .</a:t>
+            </a:r>
+            <a:r>
+              <a:rPr kumimoji="0" lang="en-US" altLang="en-US" sz="1400" b="0" i="0" u="none" strike="noStrike" cap="none" normalizeH="0" baseline="0" dirty="0" err="1">
+                <a:ln>
+                  <a:noFill/>
+                </a:ln>
+                <a:solidFill>
+                  <a:srgbClr val="37474F"/>
+                </a:solidFill>
+                <a:effectLst/>
+                <a:latin typeface="D2Coding" panose="020B0609020101020101" pitchFamily="49" charset="-127"/>
+                <a:ea typeface="D2Coding" panose="020B0609020101020101" pitchFamily="49" charset="-127"/>
+              </a:rPr>
+              <a:t>addOnCompleteListener</a:t>
+            </a:r>
+            <a:r>
+              <a:rPr kumimoji="0" lang="en-US" altLang="en-US" sz="1400" b="0" i="0" u="none" strike="noStrike" cap="none" normalizeH="0" baseline="0" dirty="0">
+                <a:ln>
+                  <a:noFill/>
+                </a:ln>
+                <a:solidFill>
+                  <a:srgbClr val="37474F"/>
+                </a:solidFill>
+                <a:effectLst/>
+                <a:latin typeface="D2Coding" panose="020B0609020101020101" pitchFamily="49" charset="-127"/>
+                <a:ea typeface="D2Coding" panose="020B0609020101020101" pitchFamily="49" charset="-127"/>
+              </a:rPr>
+              <a:t>(</a:t>
+            </a:r>
+            <a:r>
+              <a:rPr kumimoji="0" lang="en-US" altLang="en-US" sz="1400" b="0" i="0" u="none" strike="noStrike" cap="none" normalizeH="0" baseline="0" dirty="0">
+                <a:ln>
+                  <a:noFill/>
+                </a:ln>
+                <a:solidFill>
+                  <a:srgbClr val="3B78E7"/>
+                </a:solidFill>
+                <a:effectLst/>
+                <a:latin typeface="D2Coding" panose="020B0609020101020101" pitchFamily="49" charset="-127"/>
+                <a:ea typeface="D2Coding" panose="020B0609020101020101" pitchFamily="49" charset="-127"/>
+              </a:rPr>
+              <a:t>new</a:t>
+            </a:r>
+            <a:r>
+              <a:rPr kumimoji="0" lang="en-US" altLang="en-US" sz="1400" b="0" i="0" u="none" strike="noStrike" cap="none" normalizeH="0" baseline="0" dirty="0">
+                <a:ln>
+                  <a:noFill/>
+                </a:ln>
+                <a:solidFill>
+                  <a:srgbClr val="37474F"/>
+                </a:solidFill>
+                <a:effectLst/>
+                <a:latin typeface="D2Coding" panose="020B0609020101020101" pitchFamily="49" charset="-127"/>
+                <a:ea typeface="D2Coding" panose="020B0609020101020101" pitchFamily="49" charset="-127"/>
+              </a:rPr>
+              <a:t> </a:t>
+            </a:r>
+            <a:r>
+              <a:rPr kumimoji="0" lang="en-US" altLang="en-US" sz="1400" b="0" i="0" u="none" strike="noStrike" cap="none" normalizeH="0" baseline="0" dirty="0" err="1">
+                <a:ln>
+                  <a:noFill/>
+                </a:ln>
+                <a:solidFill>
+                  <a:srgbClr val="9C27B0"/>
+                </a:solidFill>
+                <a:effectLst/>
+                <a:latin typeface="D2Coding" panose="020B0609020101020101" pitchFamily="49" charset="-127"/>
+                <a:ea typeface="D2Coding" panose="020B0609020101020101" pitchFamily="49" charset="-127"/>
+              </a:rPr>
+              <a:t>OnCompleteListener</a:t>
+            </a:r>
+            <a:r>
+              <a:rPr kumimoji="0" lang="en-US" altLang="en-US" sz="1400" b="0" i="0" u="none" strike="noStrike" cap="none" normalizeH="0" baseline="0" dirty="0">
+                <a:ln>
+                  <a:noFill/>
+                </a:ln>
+                <a:solidFill>
+                  <a:srgbClr val="37474F"/>
+                </a:solidFill>
+                <a:effectLst/>
+                <a:latin typeface="D2Coding" panose="020B0609020101020101" pitchFamily="49" charset="-127"/>
+                <a:ea typeface="D2Coding" panose="020B0609020101020101" pitchFamily="49" charset="-127"/>
+              </a:rPr>
+              <a:t>&lt;</a:t>
+            </a:r>
+            <a:r>
+              <a:rPr kumimoji="0" lang="en-US" altLang="en-US" sz="1400" b="0" i="0" u="none" strike="noStrike" cap="none" normalizeH="0" baseline="0" dirty="0" err="1">
+                <a:ln>
+                  <a:noFill/>
+                </a:ln>
+                <a:solidFill>
+                  <a:srgbClr val="9C27B0"/>
+                </a:solidFill>
+                <a:effectLst/>
+                <a:latin typeface="D2Coding" panose="020B0609020101020101" pitchFamily="49" charset="-127"/>
+                <a:ea typeface="D2Coding" panose="020B0609020101020101" pitchFamily="49" charset="-127"/>
+              </a:rPr>
+              <a:t>VerifyAppsUserResponse</a:t>
+            </a:r>
+            <a:r>
+              <a:rPr kumimoji="0" lang="en-US" altLang="en-US" sz="1400" b="0" i="0" u="none" strike="noStrike" cap="none" normalizeH="0" baseline="0" dirty="0">
+                <a:ln>
+                  <a:noFill/>
+                </a:ln>
+                <a:solidFill>
+                  <a:srgbClr val="37474F"/>
+                </a:solidFill>
+                <a:effectLst/>
+                <a:latin typeface="D2Coding" panose="020B0609020101020101" pitchFamily="49" charset="-127"/>
+                <a:ea typeface="D2Coding" panose="020B0609020101020101" pitchFamily="49" charset="-127"/>
+              </a:rPr>
+              <a:t>&gt;() {</a:t>
+            </a:r>
+            <a:br>
+              <a:rPr kumimoji="0" lang="en-US" altLang="en-US" sz="1400" b="0" i="0" u="none" strike="noStrike" cap="none" normalizeH="0" baseline="0" dirty="0">
+                <a:ln>
+                  <a:noFill/>
+                </a:ln>
+                <a:solidFill>
+                  <a:srgbClr val="37474F"/>
+                </a:solidFill>
+                <a:effectLst/>
+                <a:latin typeface="D2Coding" panose="020B0609020101020101" pitchFamily="49" charset="-127"/>
+                <a:ea typeface="D2Coding" panose="020B0609020101020101" pitchFamily="49" charset="-127"/>
+              </a:rPr>
+            </a:br>
+            <a:r>
+              <a:rPr kumimoji="0" lang="en-US" altLang="en-US" sz="1400" b="0" i="0" u="none" strike="noStrike" cap="none" normalizeH="0" baseline="0" dirty="0">
+                <a:ln>
+                  <a:noFill/>
+                </a:ln>
+                <a:solidFill>
+                  <a:srgbClr val="37474F"/>
+                </a:solidFill>
+                <a:effectLst/>
+                <a:latin typeface="D2Coding" panose="020B0609020101020101" pitchFamily="49" charset="-127"/>
+                <a:ea typeface="D2Coding" panose="020B0609020101020101" pitchFamily="49" charset="-127"/>
+              </a:rPr>
+              <a:t>        </a:t>
+            </a:r>
+            <a:r>
+              <a:rPr kumimoji="0" lang="en-US" altLang="en-US" sz="1400" b="0" i="0" u="none" strike="noStrike" cap="none" normalizeH="0" baseline="0" dirty="0">
+                <a:ln>
+                  <a:noFill/>
+                </a:ln>
+                <a:solidFill>
+                  <a:srgbClr val="C53929"/>
+                </a:solidFill>
+                <a:effectLst/>
+                <a:latin typeface="D2Coding" panose="020B0609020101020101" pitchFamily="49" charset="-127"/>
+                <a:ea typeface="D2Coding" panose="020B0609020101020101" pitchFamily="49" charset="-127"/>
+              </a:rPr>
+              <a:t>@Override</a:t>
+            </a:r>
+            <a:br>
+              <a:rPr kumimoji="0" lang="en-US" altLang="en-US" sz="1400" b="0" i="0" u="none" strike="noStrike" cap="none" normalizeH="0" baseline="0" dirty="0">
+                <a:ln>
+                  <a:noFill/>
+                </a:ln>
+                <a:solidFill>
+                  <a:srgbClr val="37474F"/>
+                </a:solidFill>
+                <a:effectLst/>
+                <a:latin typeface="D2Coding" panose="020B0609020101020101" pitchFamily="49" charset="-127"/>
+                <a:ea typeface="D2Coding" panose="020B0609020101020101" pitchFamily="49" charset="-127"/>
+              </a:rPr>
+            </a:br>
+            <a:r>
+              <a:rPr kumimoji="0" lang="en-US" altLang="en-US" sz="1400" b="0" i="0" u="none" strike="noStrike" cap="none" normalizeH="0" baseline="0" dirty="0">
+                <a:ln>
+                  <a:noFill/>
+                </a:ln>
+                <a:solidFill>
+                  <a:srgbClr val="37474F"/>
+                </a:solidFill>
+                <a:effectLst/>
+                <a:latin typeface="D2Coding" panose="020B0609020101020101" pitchFamily="49" charset="-127"/>
+                <a:ea typeface="D2Coding" panose="020B0609020101020101" pitchFamily="49" charset="-127"/>
+              </a:rPr>
+              <a:t>        </a:t>
+            </a:r>
+            <a:r>
+              <a:rPr kumimoji="0" lang="en-US" altLang="en-US" sz="1400" b="0" i="0" u="none" strike="noStrike" cap="none" normalizeH="0" baseline="0" dirty="0">
+                <a:ln>
+                  <a:noFill/>
+                </a:ln>
+                <a:solidFill>
+                  <a:srgbClr val="3B78E7"/>
+                </a:solidFill>
+                <a:effectLst/>
+                <a:latin typeface="D2Coding" panose="020B0609020101020101" pitchFamily="49" charset="-127"/>
+                <a:ea typeface="D2Coding" panose="020B0609020101020101" pitchFamily="49" charset="-127"/>
+              </a:rPr>
+              <a:t>public</a:t>
+            </a:r>
+            <a:r>
+              <a:rPr kumimoji="0" lang="en-US" altLang="en-US" sz="1400" b="0" i="0" u="none" strike="noStrike" cap="none" normalizeH="0" baseline="0" dirty="0">
+                <a:ln>
+                  <a:noFill/>
+                </a:ln>
+                <a:solidFill>
+                  <a:srgbClr val="37474F"/>
+                </a:solidFill>
+                <a:effectLst/>
+                <a:latin typeface="D2Coding" panose="020B0609020101020101" pitchFamily="49" charset="-127"/>
+                <a:ea typeface="D2Coding" panose="020B0609020101020101" pitchFamily="49" charset="-127"/>
+              </a:rPr>
+              <a:t> </a:t>
+            </a:r>
+            <a:r>
+              <a:rPr kumimoji="0" lang="en-US" altLang="en-US" sz="1400" b="0" i="0" u="none" strike="noStrike" cap="none" normalizeH="0" baseline="0" dirty="0">
+                <a:ln>
+                  <a:noFill/>
+                </a:ln>
+                <a:solidFill>
+                  <a:srgbClr val="3B78E7"/>
+                </a:solidFill>
+                <a:effectLst/>
+                <a:latin typeface="D2Coding" panose="020B0609020101020101" pitchFamily="49" charset="-127"/>
+                <a:ea typeface="D2Coding" panose="020B0609020101020101" pitchFamily="49" charset="-127"/>
+              </a:rPr>
+              <a:t>void</a:t>
+            </a:r>
+            <a:r>
+              <a:rPr kumimoji="0" lang="en-US" altLang="en-US" sz="1400" b="0" i="0" u="none" strike="noStrike" cap="none" normalizeH="0" baseline="0" dirty="0">
+                <a:ln>
+                  <a:noFill/>
+                </a:ln>
+                <a:solidFill>
+                  <a:srgbClr val="37474F"/>
+                </a:solidFill>
+                <a:effectLst/>
+                <a:latin typeface="D2Coding" panose="020B0609020101020101" pitchFamily="49" charset="-127"/>
+                <a:ea typeface="D2Coding" panose="020B0609020101020101" pitchFamily="49" charset="-127"/>
+              </a:rPr>
+              <a:t> </a:t>
+            </a:r>
+            <a:r>
+              <a:rPr kumimoji="0" lang="en-US" altLang="en-US" sz="1400" b="0" i="0" u="none" strike="noStrike" cap="none" normalizeH="0" baseline="0" dirty="0" err="1">
+                <a:ln>
+                  <a:noFill/>
+                </a:ln>
+                <a:solidFill>
+                  <a:srgbClr val="37474F"/>
+                </a:solidFill>
+                <a:effectLst/>
+                <a:latin typeface="D2Coding" panose="020B0609020101020101" pitchFamily="49" charset="-127"/>
+                <a:ea typeface="D2Coding" panose="020B0609020101020101" pitchFamily="49" charset="-127"/>
+              </a:rPr>
+              <a:t>onComplete</a:t>
+            </a:r>
+            <a:r>
+              <a:rPr kumimoji="0" lang="en-US" altLang="en-US" sz="1400" b="0" i="0" u="none" strike="noStrike" cap="none" normalizeH="0" baseline="0" dirty="0">
+                <a:ln>
+                  <a:noFill/>
+                </a:ln>
+                <a:solidFill>
+                  <a:srgbClr val="37474F"/>
+                </a:solidFill>
+                <a:effectLst/>
+                <a:latin typeface="D2Coding" panose="020B0609020101020101" pitchFamily="49" charset="-127"/>
+                <a:ea typeface="D2Coding" panose="020B0609020101020101" pitchFamily="49" charset="-127"/>
+              </a:rPr>
+              <a:t>(</a:t>
+            </a:r>
+            <a:r>
+              <a:rPr kumimoji="0" lang="en-US" altLang="en-US" sz="1400" b="0" i="0" u="none" strike="noStrike" cap="none" normalizeH="0" baseline="0" dirty="0">
+                <a:ln>
+                  <a:noFill/>
+                </a:ln>
+                <a:solidFill>
+                  <a:srgbClr val="9C27B0"/>
+                </a:solidFill>
+                <a:effectLst/>
+                <a:latin typeface="D2Coding" panose="020B0609020101020101" pitchFamily="49" charset="-127"/>
+                <a:ea typeface="D2Coding" panose="020B0609020101020101" pitchFamily="49" charset="-127"/>
+              </a:rPr>
+              <a:t>Task</a:t>
+            </a:r>
+            <a:r>
+              <a:rPr kumimoji="0" lang="en-US" altLang="en-US" sz="1400" b="0" i="0" u="none" strike="noStrike" cap="none" normalizeH="0" baseline="0" dirty="0">
+                <a:ln>
+                  <a:noFill/>
+                </a:ln>
+                <a:solidFill>
+                  <a:srgbClr val="37474F"/>
+                </a:solidFill>
+                <a:effectLst/>
+                <a:latin typeface="D2Coding" panose="020B0609020101020101" pitchFamily="49" charset="-127"/>
+                <a:ea typeface="D2Coding" panose="020B0609020101020101" pitchFamily="49" charset="-127"/>
+              </a:rPr>
+              <a:t>&lt;</a:t>
+            </a:r>
+            <a:r>
+              <a:rPr kumimoji="0" lang="en-US" altLang="en-US" sz="1400" b="0" i="0" u="none" strike="noStrike" cap="none" normalizeH="0" baseline="0" dirty="0" err="1">
+                <a:ln>
+                  <a:noFill/>
+                </a:ln>
+                <a:solidFill>
+                  <a:srgbClr val="9C27B0"/>
+                </a:solidFill>
+                <a:effectLst/>
+                <a:latin typeface="D2Coding" panose="020B0609020101020101" pitchFamily="49" charset="-127"/>
+                <a:ea typeface="D2Coding" panose="020B0609020101020101" pitchFamily="49" charset="-127"/>
+              </a:rPr>
+              <a:t>VerifyAppsUserResponse</a:t>
+            </a:r>
+            <a:r>
+              <a:rPr kumimoji="0" lang="en-US" altLang="en-US" sz="1400" b="0" i="0" u="none" strike="noStrike" cap="none" normalizeH="0" baseline="0" dirty="0">
+                <a:ln>
+                  <a:noFill/>
+                </a:ln>
+                <a:solidFill>
+                  <a:srgbClr val="37474F"/>
+                </a:solidFill>
+                <a:effectLst/>
+                <a:latin typeface="D2Coding" panose="020B0609020101020101" pitchFamily="49" charset="-127"/>
+                <a:ea typeface="D2Coding" panose="020B0609020101020101" pitchFamily="49" charset="-127"/>
+              </a:rPr>
+              <a:t>&gt; task) {</a:t>
+            </a:r>
+            <a:br>
+              <a:rPr kumimoji="0" lang="en-US" altLang="en-US" sz="1400" b="0" i="0" u="none" strike="noStrike" cap="none" normalizeH="0" baseline="0" dirty="0">
+                <a:ln>
+                  <a:noFill/>
+                </a:ln>
+                <a:solidFill>
+                  <a:srgbClr val="37474F"/>
+                </a:solidFill>
+                <a:effectLst/>
+                <a:latin typeface="D2Coding" panose="020B0609020101020101" pitchFamily="49" charset="-127"/>
+                <a:ea typeface="D2Coding" panose="020B0609020101020101" pitchFamily="49" charset="-127"/>
+              </a:rPr>
+            </a:br>
+            <a:r>
+              <a:rPr kumimoji="0" lang="en-US" altLang="en-US" sz="1400" b="0" i="0" u="none" strike="noStrike" cap="none" normalizeH="0" baseline="0" dirty="0">
+                <a:ln>
+                  <a:noFill/>
+                </a:ln>
+                <a:solidFill>
+                  <a:srgbClr val="37474F"/>
+                </a:solidFill>
+                <a:effectLst/>
+                <a:latin typeface="D2Coding" panose="020B0609020101020101" pitchFamily="49" charset="-127"/>
+                <a:ea typeface="D2Coding" panose="020B0609020101020101" pitchFamily="49" charset="-127"/>
+              </a:rPr>
+              <a:t>            </a:t>
+            </a:r>
+            <a:r>
+              <a:rPr kumimoji="0" lang="en-US" altLang="en-US" sz="1400" b="0" i="0" u="none" strike="noStrike" cap="none" normalizeH="0" baseline="0" dirty="0">
+                <a:ln>
+                  <a:noFill/>
+                </a:ln>
+                <a:solidFill>
+                  <a:srgbClr val="3B78E7"/>
+                </a:solidFill>
+                <a:effectLst/>
+                <a:latin typeface="D2Coding" panose="020B0609020101020101" pitchFamily="49" charset="-127"/>
+                <a:ea typeface="D2Coding" panose="020B0609020101020101" pitchFamily="49" charset="-127"/>
+              </a:rPr>
+              <a:t>if</a:t>
+            </a:r>
+            <a:r>
+              <a:rPr kumimoji="0" lang="en-US" altLang="en-US" sz="1400" b="0" i="0" u="none" strike="noStrike" cap="none" normalizeH="0" baseline="0" dirty="0">
+                <a:ln>
+                  <a:noFill/>
+                </a:ln>
+                <a:solidFill>
+                  <a:srgbClr val="37474F"/>
+                </a:solidFill>
+                <a:effectLst/>
+                <a:latin typeface="D2Coding" panose="020B0609020101020101" pitchFamily="49" charset="-127"/>
+                <a:ea typeface="D2Coding" panose="020B0609020101020101" pitchFamily="49" charset="-127"/>
+              </a:rPr>
+              <a:t> (</a:t>
+            </a:r>
+            <a:r>
+              <a:rPr kumimoji="0" lang="en-US" altLang="en-US" sz="1400" b="0" i="0" u="none" strike="noStrike" cap="none" normalizeH="0" baseline="0" dirty="0" err="1">
+                <a:ln>
+                  <a:noFill/>
+                </a:ln>
+                <a:solidFill>
+                  <a:srgbClr val="37474F"/>
+                </a:solidFill>
+                <a:effectLst/>
+                <a:latin typeface="D2Coding" panose="020B0609020101020101" pitchFamily="49" charset="-127"/>
+                <a:ea typeface="D2Coding" panose="020B0609020101020101" pitchFamily="49" charset="-127"/>
+              </a:rPr>
+              <a:t>task.isSuccessful</a:t>
+            </a:r>
+            <a:r>
+              <a:rPr kumimoji="0" lang="en-US" altLang="en-US" sz="1400" b="0" i="0" u="none" strike="noStrike" cap="none" normalizeH="0" baseline="0" dirty="0">
+                <a:ln>
+                  <a:noFill/>
+                </a:ln>
+                <a:solidFill>
+                  <a:srgbClr val="37474F"/>
+                </a:solidFill>
+                <a:effectLst/>
+                <a:latin typeface="D2Coding" panose="020B0609020101020101" pitchFamily="49" charset="-127"/>
+                <a:ea typeface="D2Coding" panose="020B0609020101020101" pitchFamily="49" charset="-127"/>
+              </a:rPr>
+              <a:t>()) {</a:t>
+            </a:r>
+            <a:br>
+              <a:rPr kumimoji="0" lang="en-US" altLang="en-US" sz="1400" b="0" i="0" u="none" strike="noStrike" cap="none" normalizeH="0" baseline="0" dirty="0">
+                <a:ln>
+                  <a:noFill/>
+                </a:ln>
+                <a:solidFill>
+                  <a:srgbClr val="37474F"/>
+                </a:solidFill>
+                <a:effectLst/>
+                <a:latin typeface="D2Coding" panose="020B0609020101020101" pitchFamily="49" charset="-127"/>
+                <a:ea typeface="D2Coding" panose="020B0609020101020101" pitchFamily="49" charset="-127"/>
+              </a:rPr>
+            </a:br>
+            <a:r>
+              <a:rPr kumimoji="0" lang="en-US" altLang="en-US" sz="1400" b="0" i="0" u="none" strike="noStrike" cap="none" normalizeH="0" baseline="0" dirty="0">
+                <a:ln>
+                  <a:noFill/>
+                </a:ln>
+                <a:solidFill>
+                  <a:srgbClr val="37474F"/>
+                </a:solidFill>
+                <a:effectLst/>
+                <a:latin typeface="D2Coding" panose="020B0609020101020101" pitchFamily="49" charset="-127"/>
+                <a:ea typeface="D2Coding" panose="020B0609020101020101" pitchFamily="49" charset="-127"/>
+              </a:rPr>
+              <a:t>                </a:t>
+            </a:r>
+            <a:r>
+              <a:rPr kumimoji="0" lang="en-US" altLang="en-US" sz="1400" b="0" i="0" u="none" strike="noStrike" cap="none" normalizeH="0" baseline="0" dirty="0" err="1">
+                <a:ln>
+                  <a:noFill/>
+                </a:ln>
+                <a:solidFill>
+                  <a:srgbClr val="9C27B0"/>
+                </a:solidFill>
+                <a:effectLst/>
+                <a:latin typeface="D2Coding" panose="020B0609020101020101" pitchFamily="49" charset="-127"/>
+                <a:ea typeface="D2Coding" panose="020B0609020101020101" pitchFamily="49" charset="-127"/>
+              </a:rPr>
+              <a:t>VerifyAppsUserResponse</a:t>
+            </a:r>
+            <a:r>
+              <a:rPr kumimoji="0" lang="en-US" altLang="en-US" sz="1400" b="0" i="0" u="none" strike="noStrike" cap="none" normalizeH="0" baseline="0" dirty="0">
+                <a:ln>
+                  <a:noFill/>
+                </a:ln>
+                <a:solidFill>
+                  <a:srgbClr val="37474F"/>
+                </a:solidFill>
+                <a:effectLst/>
+                <a:latin typeface="D2Coding" panose="020B0609020101020101" pitchFamily="49" charset="-127"/>
+                <a:ea typeface="D2Coding" panose="020B0609020101020101" pitchFamily="49" charset="-127"/>
+              </a:rPr>
+              <a:t> result = </a:t>
+            </a:r>
+            <a:r>
+              <a:rPr kumimoji="0" lang="en-US" altLang="en-US" sz="1400" b="0" i="0" u="none" strike="noStrike" cap="none" normalizeH="0" baseline="0" dirty="0" err="1">
+                <a:ln>
+                  <a:noFill/>
+                </a:ln>
+                <a:solidFill>
+                  <a:srgbClr val="37474F"/>
+                </a:solidFill>
+                <a:effectLst/>
+                <a:latin typeface="D2Coding" panose="020B0609020101020101" pitchFamily="49" charset="-127"/>
+                <a:ea typeface="D2Coding" panose="020B0609020101020101" pitchFamily="49" charset="-127"/>
+              </a:rPr>
+              <a:t>task.getResult</a:t>
+            </a:r>
+            <a:r>
+              <a:rPr kumimoji="0" lang="en-US" altLang="en-US" sz="1400" b="0" i="0" u="none" strike="noStrike" cap="none" normalizeH="0" baseline="0" dirty="0">
+                <a:ln>
+                  <a:noFill/>
+                </a:ln>
+                <a:solidFill>
+                  <a:srgbClr val="37474F"/>
+                </a:solidFill>
+                <a:effectLst/>
+                <a:latin typeface="D2Coding" panose="020B0609020101020101" pitchFamily="49" charset="-127"/>
+                <a:ea typeface="D2Coding" panose="020B0609020101020101" pitchFamily="49" charset="-127"/>
+              </a:rPr>
+              <a:t>();</a:t>
+            </a:r>
+            <a:br>
+              <a:rPr kumimoji="0" lang="en-US" altLang="en-US" sz="1400" b="0" i="0" u="none" strike="noStrike" cap="none" normalizeH="0" baseline="0" dirty="0">
+                <a:ln>
+                  <a:noFill/>
+                </a:ln>
+                <a:solidFill>
+                  <a:srgbClr val="37474F"/>
+                </a:solidFill>
+                <a:effectLst/>
+                <a:latin typeface="D2Coding" panose="020B0609020101020101" pitchFamily="49" charset="-127"/>
+                <a:ea typeface="D2Coding" panose="020B0609020101020101" pitchFamily="49" charset="-127"/>
+              </a:rPr>
+            </a:br>
+            <a:r>
+              <a:rPr kumimoji="0" lang="en-US" altLang="en-US" sz="1400" b="0" i="0" u="none" strike="noStrike" cap="none" normalizeH="0" baseline="0" dirty="0">
+                <a:ln>
+                  <a:noFill/>
+                </a:ln>
+                <a:solidFill>
+                  <a:srgbClr val="37474F"/>
+                </a:solidFill>
+                <a:effectLst/>
+                <a:latin typeface="D2Coding" panose="020B0609020101020101" pitchFamily="49" charset="-127"/>
+                <a:ea typeface="D2Coding" panose="020B0609020101020101" pitchFamily="49" charset="-127"/>
+              </a:rPr>
+              <a:t>                </a:t>
+            </a:r>
+            <a:r>
+              <a:rPr kumimoji="0" lang="en-US" altLang="en-US" sz="1400" b="0" i="0" u="none" strike="noStrike" cap="none" normalizeH="0" baseline="0" dirty="0">
+                <a:ln>
+                  <a:noFill/>
+                </a:ln>
+                <a:solidFill>
+                  <a:srgbClr val="3B78E7"/>
+                </a:solidFill>
+                <a:effectLst/>
+                <a:latin typeface="D2Coding" panose="020B0609020101020101" pitchFamily="49" charset="-127"/>
+                <a:ea typeface="D2Coding" panose="020B0609020101020101" pitchFamily="49" charset="-127"/>
+              </a:rPr>
+              <a:t>if</a:t>
+            </a:r>
+            <a:r>
+              <a:rPr kumimoji="0" lang="en-US" altLang="en-US" sz="1400" b="0" i="0" u="none" strike="noStrike" cap="none" normalizeH="0" baseline="0" dirty="0">
+                <a:ln>
+                  <a:noFill/>
+                </a:ln>
+                <a:solidFill>
+                  <a:srgbClr val="37474F"/>
+                </a:solidFill>
+                <a:effectLst/>
+                <a:latin typeface="D2Coding" panose="020B0609020101020101" pitchFamily="49" charset="-127"/>
+                <a:ea typeface="D2Coding" panose="020B0609020101020101" pitchFamily="49" charset="-127"/>
+              </a:rPr>
+              <a:t> (</a:t>
+            </a:r>
+            <a:r>
+              <a:rPr kumimoji="0" lang="en-US" altLang="en-US" sz="1400" b="0" i="0" u="none" strike="noStrike" cap="none" normalizeH="0" baseline="0" dirty="0" err="1">
+                <a:ln>
+                  <a:noFill/>
+                </a:ln>
+                <a:solidFill>
+                  <a:srgbClr val="37474F"/>
+                </a:solidFill>
+                <a:effectLst/>
+                <a:latin typeface="D2Coding" panose="020B0609020101020101" pitchFamily="49" charset="-127"/>
+                <a:ea typeface="D2Coding" panose="020B0609020101020101" pitchFamily="49" charset="-127"/>
+              </a:rPr>
+              <a:t>result.isVerifyAppsEnabled</a:t>
+            </a:r>
+            <a:r>
+              <a:rPr kumimoji="0" lang="en-US" altLang="en-US" sz="1400" b="0" i="0" u="none" strike="noStrike" cap="none" normalizeH="0" baseline="0" dirty="0">
+                <a:ln>
+                  <a:noFill/>
+                </a:ln>
+                <a:solidFill>
+                  <a:srgbClr val="37474F"/>
+                </a:solidFill>
+                <a:effectLst/>
+                <a:latin typeface="D2Coding" panose="020B0609020101020101" pitchFamily="49" charset="-127"/>
+                <a:ea typeface="D2Coding" panose="020B0609020101020101" pitchFamily="49" charset="-127"/>
+              </a:rPr>
+              <a:t>()) {</a:t>
+            </a:r>
+            <a:br>
+              <a:rPr kumimoji="0" lang="en-US" altLang="en-US" sz="1400" b="0" i="0" u="none" strike="noStrike" cap="none" normalizeH="0" baseline="0" dirty="0">
+                <a:ln>
+                  <a:noFill/>
+                </a:ln>
+                <a:solidFill>
+                  <a:srgbClr val="37474F"/>
+                </a:solidFill>
+                <a:effectLst/>
+                <a:latin typeface="D2Coding" panose="020B0609020101020101" pitchFamily="49" charset="-127"/>
+                <a:ea typeface="D2Coding" panose="020B0609020101020101" pitchFamily="49" charset="-127"/>
+              </a:rPr>
+            </a:br>
+            <a:r>
+              <a:rPr kumimoji="0" lang="en-US" altLang="en-US" sz="1400" b="0" i="0" u="none" strike="noStrike" cap="none" normalizeH="0" baseline="0" dirty="0">
+                <a:ln>
+                  <a:noFill/>
+                </a:ln>
+                <a:solidFill>
+                  <a:srgbClr val="37474F"/>
+                </a:solidFill>
+                <a:effectLst/>
+                <a:latin typeface="D2Coding" panose="020B0609020101020101" pitchFamily="49" charset="-127"/>
+                <a:ea typeface="D2Coding" panose="020B0609020101020101" pitchFamily="49" charset="-127"/>
+              </a:rPr>
+              <a:t>                    </a:t>
+            </a:r>
+            <a:r>
+              <a:rPr kumimoji="0" lang="en-US" altLang="en-US" sz="1400" b="0" i="0" u="none" strike="noStrike" cap="none" normalizeH="0" baseline="0" dirty="0" err="1">
+                <a:ln>
+                  <a:noFill/>
+                </a:ln>
+                <a:solidFill>
+                  <a:srgbClr val="9C27B0"/>
+                </a:solidFill>
+                <a:effectLst/>
+                <a:latin typeface="D2Coding" panose="020B0609020101020101" pitchFamily="49" charset="-127"/>
+                <a:ea typeface="D2Coding" panose="020B0609020101020101" pitchFamily="49" charset="-127"/>
+              </a:rPr>
+              <a:t>Log</a:t>
+            </a:r>
+            <a:r>
+              <a:rPr kumimoji="0" lang="en-US" altLang="en-US" sz="1400" b="0" i="0" u="none" strike="noStrike" cap="none" normalizeH="0" baseline="0" dirty="0" err="1">
+                <a:ln>
+                  <a:noFill/>
+                </a:ln>
+                <a:solidFill>
+                  <a:srgbClr val="37474F"/>
+                </a:solidFill>
+                <a:effectLst/>
+                <a:latin typeface="D2Coding" panose="020B0609020101020101" pitchFamily="49" charset="-127"/>
+                <a:ea typeface="D2Coding" panose="020B0609020101020101" pitchFamily="49" charset="-127"/>
+              </a:rPr>
+              <a:t>.d</a:t>
+            </a:r>
+            <a:r>
+              <a:rPr kumimoji="0" lang="en-US" altLang="en-US" sz="1400" b="0" i="0" u="none" strike="noStrike" cap="none" normalizeH="0" baseline="0" dirty="0">
+                <a:ln>
+                  <a:noFill/>
+                </a:ln>
+                <a:solidFill>
+                  <a:srgbClr val="37474F"/>
+                </a:solidFill>
+                <a:effectLst/>
+                <a:latin typeface="D2Coding" panose="020B0609020101020101" pitchFamily="49" charset="-127"/>
+                <a:ea typeface="D2Coding" panose="020B0609020101020101" pitchFamily="49" charset="-127"/>
+              </a:rPr>
+              <a:t>(</a:t>
+            </a:r>
+            <a:r>
+              <a:rPr kumimoji="0" lang="en-US" altLang="en-US" sz="1400" b="0" i="0" u="none" strike="noStrike" cap="none" normalizeH="0" baseline="0" dirty="0">
+                <a:ln>
+                  <a:noFill/>
+                </a:ln>
+                <a:solidFill>
+                  <a:srgbClr val="0D904F"/>
+                </a:solidFill>
+                <a:effectLst/>
+                <a:latin typeface="D2Coding" panose="020B0609020101020101" pitchFamily="49" charset="-127"/>
+                <a:ea typeface="D2Coding" panose="020B0609020101020101" pitchFamily="49" charset="-127"/>
+              </a:rPr>
+              <a:t>"MY_APP_TAG"</a:t>
+            </a:r>
+            <a:r>
+              <a:rPr kumimoji="0" lang="en-US" altLang="en-US" sz="1400" b="0" i="0" u="none" strike="noStrike" cap="none" normalizeH="0" baseline="0" dirty="0">
+                <a:ln>
+                  <a:noFill/>
+                </a:ln>
+                <a:solidFill>
+                  <a:srgbClr val="37474F"/>
+                </a:solidFill>
+                <a:effectLst/>
+                <a:latin typeface="D2Coding" panose="020B0609020101020101" pitchFamily="49" charset="-127"/>
+                <a:ea typeface="D2Coding" panose="020B0609020101020101" pitchFamily="49" charset="-127"/>
+              </a:rPr>
+              <a:t>, </a:t>
+            </a:r>
+            <a:r>
+              <a:rPr kumimoji="0" lang="en-US" altLang="en-US" sz="1400" b="0" i="0" u="none" strike="noStrike" cap="none" normalizeH="0" baseline="0" dirty="0">
+                <a:ln>
+                  <a:noFill/>
+                </a:ln>
+                <a:solidFill>
+                  <a:srgbClr val="0D904F"/>
+                </a:solidFill>
+                <a:effectLst/>
+                <a:latin typeface="D2Coding" panose="020B0609020101020101" pitchFamily="49" charset="-127"/>
+                <a:ea typeface="D2Coding" panose="020B0609020101020101" pitchFamily="49" charset="-127"/>
+              </a:rPr>
+              <a:t>"The Verify Apps feature is enabled."</a:t>
+            </a:r>
+            <a:r>
+              <a:rPr kumimoji="0" lang="en-US" altLang="en-US" sz="1400" b="0" i="0" u="none" strike="noStrike" cap="none" normalizeH="0" baseline="0" dirty="0">
+                <a:ln>
+                  <a:noFill/>
+                </a:ln>
+                <a:solidFill>
+                  <a:srgbClr val="37474F"/>
+                </a:solidFill>
+                <a:effectLst/>
+                <a:latin typeface="D2Coding" panose="020B0609020101020101" pitchFamily="49" charset="-127"/>
+                <a:ea typeface="D2Coding" panose="020B0609020101020101" pitchFamily="49" charset="-127"/>
+              </a:rPr>
+              <a:t>);</a:t>
+            </a:r>
+            <a:br>
+              <a:rPr kumimoji="0" lang="en-US" altLang="en-US" sz="1400" b="0" i="0" u="none" strike="noStrike" cap="none" normalizeH="0" baseline="0" dirty="0">
+                <a:ln>
+                  <a:noFill/>
+                </a:ln>
+                <a:solidFill>
+                  <a:srgbClr val="37474F"/>
+                </a:solidFill>
+                <a:effectLst/>
+                <a:latin typeface="D2Coding" panose="020B0609020101020101" pitchFamily="49" charset="-127"/>
+                <a:ea typeface="D2Coding" panose="020B0609020101020101" pitchFamily="49" charset="-127"/>
+              </a:rPr>
+            </a:br>
+            <a:r>
+              <a:rPr kumimoji="0" lang="en-US" altLang="en-US" sz="1400" b="0" i="0" u="none" strike="noStrike" cap="none" normalizeH="0" baseline="0" dirty="0">
+                <a:ln>
+                  <a:noFill/>
+                </a:ln>
+                <a:solidFill>
+                  <a:srgbClr val="37474F"/>
+                </a:solidFill>
+                <a:effectLst/>
+                <a:latin typeface="D2Coding" panose="020B0609020101020101" pitchFamily="49" charset="-127"/>
+                <a:ea typeface="D2Coding" panose="020B0609020101020101" pitchFamily="49" charset="-127"/>
+              </a:rPr>
+              <a:t>                } </a:t>
+            </a:r>
+            <a:r>
+              <a:rPr kumimoji="0" lang="en-US" altLang="en-US" sz="1400" b="0" i="0" u="none" strike="noStrike" cap="none" normalizeH="0" baseline="0" dirty="0">
+                <a:ln>
+                  <a:noFill/>
+                </a:ln>
+                <a:solidFill>
+                  <a:srgbClr val="3B78E7"/>
+                </a:solidFill>
+                <a:effectLst/>
+                <a:latin typeface="D2Coding" panose="020B0609020101020101" pitchFamily="49" charset="-127"/>
+                <a:ea typeface="D2Coding" panose="020B0609020101020101" pitchFamily="49" charset="-127"/>
+              </a:rPr>
+              <a:t>else</a:t>
+            </a:r>
+            <a:r>
+              <a:rPr kumimoji="0" lang="en-US" altLang="en-US" sz="1400" b="0" i="0" u="none" strike="noStrike" cap="none" normalizeH="0" baseline="0" dirty="0">
+                <a:ln>
+                  <a:noFill/>
+                </a:ln>
+                <a:solidFill>
+                  <a:srgbClr val="37474F"/>
+                </a:solidFill>
+                <a:effectLst/>
+                <a:latin typeface="D2Coding" panose="020B0609020101020101" pitchFamily="49" charset="-127"/>
+                <a:ea typeface="D2Coding" panose="020B0609020101020101" pitchFamily="49" charset="-127"/>
+              </a:rPr>
+              <a:t> {</a:t>
+            </a:r>
+            <a:br>
+              <a:rPr kumimoji="0" lang="en-US" altLang="en-US" sz="1400" b="0" i="0" u="none" strike="noStrike" cap="none" normalizeH="0" baseline="0" dirty="0">
+                <a:ln>
+                  <a:noFill/>
+                </a:ln>
+                <a:solidFill>
+                  <a:srgbClr val="37474F"/>
+                </a:solidFill>
+                <a:effectLst/>
+                <a:latin typeface="D2Coding" panose="020B0609020101020101" pitchFamily="49" charset="-127"/>
+                <a:ea typeface="D2Coding" panose="020B0609020101020101" pitchFamily="49" charset="-127"/>
+              </a:rPr>
+            </a:br>
+            <a:r>
+              <a:rPr kumimoji="0" lang="en-US" altLang="en-US" sz="1400" b="0" i="0" u="none" strike="noStrike" cap="none" normalizeH="0" baseline="0" dirty="0">
+                <a:ln>
+                  <a:noFill/>
+                </a:ln>
+                <a:solidFill>
+                  <a:srgbClr val="37474F"/>
+                </a:solidFill>
+                <a:effectLst/>
+                <a:latin typeface="D2Coding" panose="020B0609020101020101" pitchFamily="49" charset="-127"/>
+                <a:ea typeface="D2Coding" panose="020B0609020101020101" pitchFamily="49" charset="-127"/>
+              </a:rPr>
+              <a:t>                    </a:t>
+            </a:r>
+            <a:r>
+              <a:rPr kumimoji="0" lang="en-US" altLang="en-US" sz="1400" b="0" i="0" u="none" strike="noStrike" cap="none" normalizeH="0" baseline="0" dirty="0" err="1">
+                <a:ln>
+                  <a:noFill/>
+                </a:ln>
+                <a:solidFill>
+                  <a:srgbClr val="9C27B0"/>
+                </a:solidFill>
+                <a:effectLst/>
+                <a:latin typeface="D2Coding" panose="020B0609020101020101" pitchFamily="49" charset="-127"/>
+                <a:ea typeface="D2Coding" panose="020B0609020101020101" pitchFamily="49" charset="-127"/>
+              </a:rPr>
+              <a:t>Log</a:t>
+            </a:r>
+            <a:r>
+              <a:rPr kumimoji="0" lang="en-US" altLang="en-US" sz="1400" b="0" i="0" u="none" strike="noStrike" cap="none" normalizeH="0" baseline="0" dirty="0" err="1">
+                <a:ln>
+                  <a:noFill/>
+                </a:ln>
+                <a:solidFill>
+                  <a:srgbClr val="37474F"/>
+                </a:solidFill>
+                <a:effectLst/>
+                <a:latin typeface="D2Coding" panose="020B0609020101020101" pitchFamily="49" charset="-127"/>
+                <a:ea typeface="D2Coding" panose="020B0609020101020101" pitchFamily="49" charset="-127"/>
+              </a:rPr>
+              <a:t>.d</a:t>
+            </a:r>
+            <a:r>
+              <a:rPr kumimoji="0" lang="en-US" altLang="en-US" sz="1400" b="0" i="0" u="none" strike="noStrike" cap="none" normalizeH="0" baseline="0" dirty="0">
+                <a:ln>
+                  <a:noFill/>
+                </a:ln>
+                <a:solidFill>
+                  <a:srgbClr val="37474F"/>
+                </a:solidFill>
+                <a:effectLst/>
+                <a:latin typeface="D2Coding" panose="020B0609020101020101" pitchFamily="49" charset="-127"/>
+                <a:ea typeface="D2Coding" panose="020B0609020101020101" pitchFamily="49" charset="-127"/>
+              </a:rPr>
+              <a:t>(</a:t>
+            </a:r>
+            <a:r>
+              <a:rPr kumimoji="0" lang="en-US" altLang="en-US" sz="1400" b="0" i="0" u="none" strike="noStrike" cap="none" normalizeH="0" baseline="0" dirty="0">
+                <a:ln>
+                  <a:noFill/>
+                </a:ln>
+                <a:solidFill>
+                  <a:srgbClr val="0D904F"/>
+                </a:solidFill>
+                <a:effectLst/>
+                <a:latin typeface="D2Coding" panose="020B0609020101020101" pitchFamily="49" charset="-127"/>
+                <a:ea typeface="D2Coding" panose="020B0609020101020101" pitchFamily="49" charset="-127"/>
+              </a:rPr>
+              <a:t>"MY_APP_TAG"</a:t>
+            </a:r>
+            <a:r>
+              <a:rPr kumimoji="0" lang="en-US" altLang="en-US" sz="1400" b="0" i="0" u="none" strike="noStrike" cap="none" normalizeH="0" baseline="0" dirty="0">
+                <a:ln>
+                  <a:noFill/>
+                </a:ln>
+                <a:solidFill>
+                  <a:srgbClr val="37474F"/>
+                </a:solidFill>
+                <a:effectLst/>
+                <a:latin typeface="D2Coding" panose="020B0609020101020101" pitchFamily="49" charset="-127"/>
+                <a:ea typeface="D2Coding" panose="020B0609020101020101" pitchFamily="49" charset="-127"/>
+              </a:rPr>
+              <a:t>, </a:t>
+            </a:r>
+            <a:r>
+              <a:rPr kumimoji="0" lang="en-US" altLang="en-US" sz="1400" b="0" i="0" u="none" strike="noStrike" cap="none" normalizeH="0" baseline="0" dirty="0">
+                <a:ln>
+                  <a:noFill/>
+                </a:ln>
+                <a:solidFill>
+                  <a:srgbClr val="0D904F"/>
+                </a:solidFill>
+                <a:effectLst/>
+                <a:latin typeface="D2Coding" panose="020B0609020101020101" pitchFamily="49" charset="-127"/>
+                <a:ea typeface="D2Coding" panose="020B0609020101020101" pitchFamily="49" charset="-127"/>
+              </a:rPr>
+              <a:t>"The Verify Apps feature is disabled."</a:t>
+            </a:r>
+            <a:r>
+              <a:rPr kumimoji="0" lang="en-US" altLang="en-US" sz="1400" b="0" i="0" u="none" strike="noStrike" cap="none" normalizeH="0" baseline="0" dirty="0">
+                <a:ln>
+                  <a:noFill/>
+                </a:ln>
+                <a:solidFill>
+                  <a:srgbClr val="37474F"/>
+                </a:solidFill>
+                <a:effectLst/>
+                <a:latin typeface="D2Coding" panose="020B0609020101020101" pitchFamily="49" charset="-127"/>
+                <a:ea typeface="D2Coding" panose="020B0609020101020101" pitchFamily="49" charset="-127"/>
+              </a:rPr>
+              <a:t>);</a:t>
+            </a:r>
+            <a:br>
+              <a:rPr kumimoji="0" lang="en-US" altLang="en-US" sz="1400" b="0" i="0" u="none" strike="noStrike" cap="none" normalizeH="0" baseline="0" dirty="0">
+                <a:ln>
+                  <a:noFill/>
+                </a:ln>
+                <a:solidFill>
+                  <a:srgbClr val="37474F"/>
+                </a:solidFill>
+                <a:effectLst/>
+                <a:latin typeface="D2Coding" panose="020B0609020101020101" pitchFamily="49" charset="-127"/>
+                <a:ea typeface="D2Coding" panose="020B0609020101020101" pitchFamily="49" charset="-127"/>
+              </a:rPr>
+            </a:br>
+            <a:r>
+              <a:rPr kumimoji="0" lang="en-US" altLang="en-US" sz="1400" b="0" i="0" u="none" strike="noStrike" cap="none" normalizeH="0" baseline="0" dirty="0">
+                <a:ln>
+                  <a:noFill/>
+                </a:ln>
+                <a:solidFill>
+                  <a:srgbClr val="37474F"/>
+                </a:solidFill>
+                <a:effectLst/>
+                <a:latin typeface="D2Coding" panose="020B0609020101020101" pitchFamily="49" charset="-127"/>
+                <a:ea typeface="D2Coding" panose="020B0609020101020101" pitchFamily="49" charset="-127"/>
+              </a:rPr>
+              <a:t>                }</a:t>
+            </a:r>
+            <a:br>
+              <a:rPr kumimoji="0" lang="en-US" altLang="en-US" sz="1400" b="0" i="0" u="none" strike="noStrike" cap="none" normalizeH="0" baseline="0" dirty="0">
+                <a:ln>
+                  <a:noFill/>
+                </a:ln>
+                <a:solidFill>
+                  <a:srgbClr val="37474F"/>
+                </a:solidFill>
+                <a:effectLst/>
+                <a:latin typeface="D2Coding" panose="020B0609020101020101" pitchFamily="49" charset="-127"/>
+                <a:ea typeface="D2Coding" panose="020B0609020101020101" pitchFamily="49" charset="-127"/>
+              </a:rPr>
+            </a:br>
+            <a:r>
+              <a:rPr kumimoji="0" lang="en-US" altLang="en-US" sz="1400" b="0" i="0" u="none" strike="noStrike" cap="none" normalizeH="0" baseline="0" dirty="0">
+                <a:ln>
+                  <a:noFill/>
+                </a:ln>
+                <a:solidFill>
+                  <a:srgbClr val="37474F"/>
+                </a:solidFill>
+                <a:effectLst/>
+                <a:latin typeface="D2Coding" panose="020B0609020101020101" pitchFamily="49" charset="-127"/>
+                <a:ea typeface="D2Coding" panose="020B0609020101020101" pitchFamily="49" charset="-127"/>
+              </a:rPr>
+              <a:t>            } </a:t>
+            </a:r>
+            <a:r>
+              <a:rPr kumimoji="0" lang="en-US" altLang="en-US" sz="1400" b="0" i="0" u="none" strike="noStrike" cap="none" normalizeH="0" baseline="0" dirty="0">
+                <a:ln>
+                  <a:noFill/>
+                </a:ln>
+                <a:solidFill>
+                  <a:srgbClr val="3B78E7"/>
+                </a:solidFill>
+                <a:effectLst/>
+                <a:latin typeface="D2Coding" panose="020B0609020101020101" pitchFamily="49" charset="-127"/>
+                <a:ea typeface="D2Coding" panose="020B0609020101020101" pitchFamily="49" charset="-127"/>
+              </a:rPr>
+              <a:t>else</a:t>
+            </a:r>
+            <a:r>
+              <a:rPr kumimoji="0" lang="en-US" altLang="en-US" sz="1400" b="0" i="0" u="none" strike="noStrike" cap="none" normalizeH="0" baseline="0" dirty="0">
+                <a:ln>
+                  <a:noFill/>
+                </a:ln>
+                <a:solidFill>
+                  <a:srgbClr val="37474F"/>
+                </a:solidFill>
+                <a:effectLst/>
+                <a:latin typeface="D2Coding" panose="020B0609020101020101" pitchFamily="49" charset="-127"/>
+                <a:ea typeface="D2Coding" panose="020B0609020101020101" pitchFamily="49" charset="-127"/>
+              </a:rPr>
+              <a:t> {</a:t>
+            </a:r>
+            <a:br>
+              <a:rPr kumimoji="0" lang="en-US" altLang="en-US" sz="1400" b="0" i="0" u="none" strike="noStrike" cap="none" normalizeH="0" baseline="0" dirty="0">
+                <a:ln>
+                  <a:noFill/>
+                </a:ln>
+                <a:solidFill>
+                  <a:srgbClr val="37474F"/>
+                </a:solidFill>
+                <a:effectLst/>
+                <a:latin typeface="D2Coding" panose="020B0609020101020101" pitchFamily="49" charset="-127"/>
+                <a:ea typeface="D2Coding" panose="020B0609020101020101" pitchFamily="49" charset="-127"/>
+              </a:rPr>
+            </a:br>
+            <a:r>
+              <a:rPr kumimoji="0" lang="en-US" altLang="en-US" sz="1400" b="0" i="0" u="none" strike="noStrike" cap="none" normalizeH="0" baseline="0" dirty="0">
+                <a:ln>
+                  <a:noFill/>
+                </a:ln>
+                <a:solidFill>
+                  <a:srgbClr val="37474F"/>
+                </a:solidFill>
+                <a:effectLst/>
+                <a:latin typeface="D2Coding" panose="020B0609020101020101" pitchFamily="49" charset="-127"/>
+                <a:ea typeface="D2Coding" panose="020B0609020101020101" pitchFamily="49" charset="-127"/>
+              </a:rPr>
+              <a:t>                </a:t>
+            </a:r>
+            <a:r>
+              <a:rPr kumimoji="0" lang="en-US" altLang="en-US" sz="1400" b="0" i="0" u="none" strike="noStrike" cap="none" normalizeH="0" baseline="0" dirty="0" err="1">
+                <a:ln>
+                  <a:noFill/>
+                </a:ln>
+                <a:solidFill>
+                  <a:srgbClr val="9C27B0"/>
+                </a:solidFill>
+                <a:effectLst/>
+                <a:latin typeface="D2Coding" panose="020B0609020101020101" pitchFamily="49" charset="-127"/>
+                <a:ea typeface="D2Coding" panose="020B0609020101020101" pitchFamily="49" charset="-127"/>
+              </a:rPr>
+              <a:t>Log</a:t>
+            </a:r>
+            <a:r>
+              <a:rPr kumimoji="0" lang="en-US" altLang="en-US" sz="1400" b="0" i="0" u="none" strike="noStrike" cap="none" normalizeH="0" baseline="0" dirty="0" err="1">
+                <a:ln>
+                  <a:noFill/>
+                </a:ln>
+                <a:solidFill>
+                  <a:srgbClr val="37474F"/>
+                </a:solidFill>
+                <a:effectLst/>
+                <a:latin typeface="D2Coding" panose="020B0609020101020101" pitchFamily="49" charset="-127"/>
+                <a:ea typeface="D2Coding" panose="020B0609020101020101" pitchFamily="49" charset="-127"/>
+              </a:rPr>
+              <a:t>.e</a:t>
+            </a:r>
+            <a:r>
+              <a:rPr kumimoji="0" lang="en-US" altLang="en-US" sz="1400" b="0" i="0" u="none" strike="noStrike" cap="none" normalizeH="0" baseline="0" dirty="0">
+                <a:ln>
+                  <a:noFill/>
+                </a:ln>
+                <a:solidFill>
+                  <a:srgbClr val="37474F"/>
+                </a:solidFill>
+                <a:effectLst/>
+                <a:latin typeface="D2Coding" panose="020B0609020101020101" pitchFamily="49" charset="-127"/>
+                <a:ea typeface="D2Coding" panose="020B0609020101020101" pitchFamily="49" charset="-127"/>
+              </a:rPr>
+              <a:t>(</a:t>
+            </a:r>
+            <a:r>
+              <a:rPr kumimoji="0" lang="en-US" altLang="en-US" sz="1400" b="0" i="0" u="none" strike="noStrike" cap="none" normalizeH="0" baseline="0" dirty="0">
+                <a:ln>
+                  <a:noFill/>
+                </a:ln>
+                <a:solidFill>
+                  <a:srgbClr val="0D904F"/>
+                </a:solidFill>
+                <a:effectLst/>
+                <a:latin typeface="D2Coding" panose="020B0609020101020101" pitchFamily="49" charset="-127"/>
+                <a:ea typeface="D2Coding" panose="020B0609020101020101" pitchFamily="49" charset="-127"/>
+              </a:rPr>
+              <a:t>"MY_APP_TAG"</a:t>
+            </a:r>
+            <a:r>
+              <a:rPr kumimoji="0" lang="en-US" altLang="en-US" sz="1400" b="0" i="0" u="none" strike="noStrike" cap="none" normalizeH="0" baseline="0" dirty="0">
+                <a:ln>
+                  <a:noFill/>
+                </a:ln>
+                <a:solidFill>
+                  <a:srgbClr val="37474F"/>
+                </a:solidFill>
+                <a:effectLst/>
+                <a:latin typeface="D2Coding" panose="020B0609020101020101" pitchFamily="49" charset="-127"/>
+                <a:ea typeface="D2Coding" panose="020B0609020101020101" pitchFamily="49" charset="-127"/>
+              </a:rPr>
+              <a:t>, </a:t>
+            </a:r>
+            <a:r>
+              <a:rPr kumimoji="0" lang="en-US" altLang="en-US" sz="1400" b="0" i="0" u="none" strike="noStrike" cap="none" normalizeH="0" baseline="0" dirty="0">
+                <a:ln>
+                  <a:noFill/>
+                </a:ln>
+                <a:solidFill>
+                  <a:srgbClr val="0D904F"/>
+                </a:solidFill>
+                <a:effectLst/>
+                <a:latin typeface="D2Coding" panose="020B0609020101020101" pitchFamily="49" charset="-127"/>
+                <a:ea typeface="D2Coding" panose="020B0609020101020101" pitchFamily="49" charset="-127"/>
+              </a:rPr>
+              <a:t>"A general error occurred."</a:t>
+            </a:r>
+            <a:r>
+              <a:rPr kumimoji="0" lang="en-US" altLang="en-US" sz="1400" b="0" i="0" u="none" strike="noStrike" cap="none" normalizeH="0" baseline="0" dirty="0">
+                <a:ln>
+                  <a:noFill/>
+                </a:ln>
+                <a:solidFill>
+                  <a:srgbClr val="37474F"/>
+                </a:solidFill>
+                <a:effectLst/>
+                <a:latin typeface="D2Coding" panose="020B0609020101020101" pitchFamily="49" charset="-127"/>
+                <a:ea typeface="D2Coding" panose="020B0609020101020101" pitchFamily="49" charset="-127"/>
+              </a:rPr>
+              <a:t>);</a:t>
+            </a:r>
+            <a:br>
+              <a:rPr kumimoji="0" lang="en-US" altLang="en-US" sz="1400" b="0" i="0" u="none" strike="noStrike" cap="none" normalizeH="0" baseline="0" dirty="0">
+                <a:ln>
+                  <a:noFill/>
+                </a:ln>
+                <a:solidFill>
+                  <a:srgbClr val="37474F"/>
+                </a:solidFill>
+                <a:effectLst/>
+                <a:latin typeface="D2Coding" panose="020B0609020101020101" pitchFamily="49" charset="-127"/>
+                <a:ea typeface="D2Coding" panose="020B0609020101020101" pitchFamily="49" charset="-127"/>
+              </a:rPr>
+            </a:br>
+            <a:r>
+              <a:rPr kumimoji="0" lang="en-US" altLang="en-US" sz="1400" b="0" i="0" u="none" strike="noStrike" cap="none" normalizeH="0" baseline="0" dirty="0">
+                <a:ln>
+                  <a:noFill/>
+                </a:ln>
+                <a:solidFill>
+                  <a:srgbClr val="37474F"/>
+                </a:solidFill>
+                <a:effectLst/>
+                <a:latin typeface="D2Coding" panose="020B0609020101020101" pitchFamily="49" charset="-127"/>
+                <a:ea typeface="D2Coding" panose="020B0609020101020101" pitchFamily="49" charset="-127"/>
+              </a:rPr>
+              <a:t>            }</a:t>
+            </a:r>
+            <a:br>
+              <a:rPr kumimoji="0" lang="en-US" altLang="en-US" sz="1400" b="0" i="0" u="none" strike="noStrike" cap="none" normalizeH="0" baseline="0" dirty="0">
+                <a:ln>
+                  <a:noFill/>
+                </a:ln>
+                <a:solidFill>
+                  <a:srgbClr val="37474F"/>
+                </a:solidFill>
+                <a:effectLst/>
+                <a:latin typeface="D2Coding" panose="020B0609020101020101" pitchFamily="49" charset="-127"/>
+                <a:ea typeface="D2Coding" panose="020B0609020101020101" pitchFamily="49" charset="-127"/>
+              </a:rPr>
+            </a:br>
+            <a:r>
+              <a:rPr kumimoji="0" lang="en-US" altLang="en-US" sz="1400" b="0" i="0" u="none" strike="noStrike" cap="none" normalizeH="0" baseline="0" dirty="0">
+                <a:ln>
+                  <a:noFill/>
+                </a:ln>
+                <a:solidFill>
+                  <a:srgbClr val="37474F"/>
+                </a:solidFill>
+                <a:effectLst/>
+                <a:latin typeface="D2Coding" panose="020B0609020101020101" pitchFamily="49" charset="-127"/>
+                <a:ea typeface="D2Coding" panose="020B0609020101020101" pitchFamily="49" charset="-127"/>
+              </a:rPr>
+              <a:t>        }</a:t>
+            </a:r>
+            <a:br>
+              <a:rPr kumimoji="0" lang="en-US" altLang="en-US" sz="1400" b="0" i="0" u="none" strike="noStrike" cap="none" normalizeH="0" baseline="0" dirty="0">
+                <a:ln>
+                  <a:noFill/>
+                </a:ln>
+                <a:solidFill>
+                  <a:srgbClr val="37474F"/>
+                </a:solidFill>
+                <a:effectLst/>
+                <a:latin typeface="D2Coding" panose="020B0609020101020101" pitchFamily="49" charset="-127"/>
+                <a:ea typeface="D2Coding" panose="020B0609020101020101" pitchFamily="49" charset="-127"/>
+              </a:rPr>
+            </a:br>
+            <a:r>
+              <a:rPr kumimoji="0" lang="en-US" altLang="en-US" sz="1400" b="0" i="0" u="none" strike="noStrike" cap="none" normalizeH="0" baseline="0" dirty="0">
+                <a:ln>
+                  <a:noFill/>
+                </a:ln>
+                <a:solidFill>
+                  <a:srgbClr val="37474F"/>
+                </a:solidFill>
+                <a:effectLst/>
+                <a:latin typeface="D2Coding" panose="020B0609020101020101" pitchFamily="49" charset="-127"/>
+                <a:ea typeface="D2Coding" panose="020B0609020101020101" pitchFamily="49" charset="-127"/>
+              </a:rPr>
+              <a:t>    });</a:t>
+            </a:r>
+            <a:r>
+              <a:rPr kumimoji="0" lang="en-US" altLang="en-US" sz="1400" b="0" i="0" u="none" strike="noStrike" cap="none" normalizeH="0" baseline="0" dirty="0">
+                <a:ln>
+                  <a:noFill/>
+                </a:ln>
+                <a:solidFill>
+                  <a:schemeClr val="tx1"/>
+                </a:solidFill>
+                <a:effectLst/>
+                <a:latin typeface="D2Coding" panose="020B0609020101020101" pitchFamily="49" charset="-127"/>
+                <a:ea typeface="D2Coding" panose="020B0609020101020101" pitchFamily="49" charset="-127"/>
+              </a:rPr>
+              <a:t> </a:t>
+            </a:r>
+          </a:p>
+        </p:txBody>
+      </p:sp>
+      <p:sp>
+        <p:nvSpPr>
+          <p:cNvPr id="7" name="직사각형 6">
+            <a:extLst>
+              <a:ext uri="{FF2B5EF4-FFF2-40B4-BE49-F238E27FC236}">
+                <a16:creationId xmlns:a16="http://schemas.microsoft.com/office/drawing/2014/main" id="{A78250AD-3A4A-490B-8F71-DCB3F7FECA12}"/>
+              </a:ext>
+            </a:extLst>
+          </p:cNvPr>
+          <p:cNvSpPr/>
+          <p:nvPr/>
+        </p:nvSpPr>
+        <p:spPr>
+          <a:xfrm>
+            <a:off x="3931920" y="6050290"/>
+            <a:ext cx="7274560" cy="523220"/>
+          </a:xfrm>
+          <a:prstGeom prst="rect">
+            <a:avLst/>
+          </a:prstGeom>
+        </p:spPr>
+        <p:style>
+          <a:lnRef idx="2">
+            <a:schemeClr val="accent1">
+              <a:shade val="50000"/>
+            </a:schemeClr>
+          </a:lnRef>
+          <a:fillRef idx="1">
+            <a:schemeClr val="accent1"/>
+          </a:fillRef>
+          <a:effectRef idx="0">
+            <a:schemeClr val="accent1"/>
+          </a:effectRef>
+          <a:fontRef idx="minor">
+            <a:schemeClr val="lt1"/>
+          </a:fontRef>
+        </p:style>
+        <p:txBody>
+          <a:bodyPr wrap="square">
+            <a:spAutoFit/>
+          </a:bodyPr>
+          <a:lstStyle/>
+          <a:p>
+            <a:r>
+              <a:rPr lang="en-US" sz="1400" dirty="0">
+                <a:latin typeface="D2Coding" panose="020B0609020101020101" pitchFamily="49" charset="-127"/>
+                <a:ea typeface="D2Coding" panose="020B0609020101020101" pitchFamily="49" charset="-127"/>
+              </a:rPr>
+              <a:t>SafetyNet</a:t>
+            </a:r>
+            <a:r>
+              <a:rPr lang="ko-KR" altLang="en-US" sz="1400" dirty="0">
+                <a:latin typeface="D2Coding" panose="020B0609020101020101" pitchFamily="49" charset="-127"/>
+                <a:ea typeface="D2Coding" panose="020B0609020101020101" pitchFamily="49" charset="-127"/>
+              </a:rPr>
+              <a:t>을 사용하기 위해 </a:t>
+            </a:r>
+            <a:r>
+              <a:rPr lang="en-US" altLang="ko-KR" sz="1400" dirty="0" err="1">
+                <a:latin typeface="D2Coding" panose="020B0609020101020101" pitchFamily="49" charset="-127"/>
+                <a:ea typeface="D2Coding" panose="020B0609020101020101" pitchFamily="49" charset="-127"/>
+              </a:rPr>
+              <a:t>build.gradle</a:t>
+            </a:r>
+            <a:r>
+              <a:rPr lang="en-US" altLang="ko-KR" sz="1400" dirty="0">
+                <a:latin typeface="D2Coding" panose="020B0609020101020101" pitchFamily="49" charset="-127"/>
+                <a:ea typeface="D2Coding" panose="020B0609020101020101" pitchFamily="49" charset="-127"/>
+              </a:rPr>
+              <a:t> </a:t>
+            </a:r>
+            <a:r>
+              <a:rPr lang="ko-KR" altLang="en-US" sz="1400" dirty="0">
+                <a:latin typeface="D2Coding" panose="020B0609020101020101" pitchFamily="49" charset="-127"/>
+                <a:ea typeface="D2Coding" panose="020B0609020101020101" pitchFamily="49" charset="-127"/>
+              </a:rPr>
+              <a:t>파일에 아래 모듈 의존성 추가 필요</a:t>
+            </a:r>
+            <a:br>
+              <a:rPr lang="en-US" altLang="ko-KR" sz="1400" dirty="0">
+                <a:latin typeface="D2Coding" panose="020B0609020101020101" pitchFamily="49" charset="-127"/>
+                <a:ea typeface="D2Coding" panose="020B0609020101020101" pitchFamily="49" charset="-127"/>
+              </a:rPr>
+            </a:br>
+            <a:r>
+              <a:rPr lang="ko-KR" altLang="en-US" sz="1400" dirty="0">
+                <a:latin typeface="D2Coding" panose="020B0609020101020101" pitchFamily="49" charset="-127"/>
+                <a:ea typeface="D2Coding" panose="020B0609020101020101" pitchFamily="49" charset="-127"/>
+              </a:rPr>
+              <a:t> </a:t>
+            </a:r>
+            <a:r>
+              <a:rPr lang="en-US" sz="1400" dirty="0">
+                <a:latin typeface="D2Coding" panose="020B0609020101020101" pitchFamily="49" charset="-127"/>
+                <a:ea typeface="D2Coding" panose="020B0609020101020101" pitchFamily="49" charset="-127"/>
+              </a:rPr>
+              <a:t>'com.google.android.gms:play-services-safetynet:16.0.0’</a:t>
+            </a:r>
+          </a:p>
+        </p:txBody>
+      </p:sp>
+    </p:spTree>
+    <p:extLst>
+      <p:ext uri="{BB962C8B-B14F-4D97-AF65-F5344CB8AC3E}">
+        <p14:creationId xmlns:p14="http://schemas.microsoft.com/office/powerpoint/2010/main" val="2073020062"/>
+      </p:ext>
+    </p:extLst>
+  </p:cSld>
+  <p:clrMapOvr>
+    <a:masterClrMapping/>
+  </p:clrMapOvr>
+</p:sld>
+</file>
+
+<file path=ppt/slides/slide13.xml><?xml version="1.0" encoding="utf-8"?>
+<p:sld xmlns:a="http://schemas.openxmlformats.org/drawingml/2006/main" xmlns:r="http://schemas.openxmlformats.org/officeDocument/2006/relationships" xmlns:p="http://schemas.openxmlformats.org/presentationml/2006/main">
+  <p:cSld>
+    <p:spTree>
+      <p:nvGrpSpPr>
+        <p:cNvPr id="1" name=""/>
+        <p:cNvGrpSpPr/>
+        <p:nvPr/>
+      </p:nvGrpSpPr>
+      <p:grpSpPr>
+        <a:xfrm>
+          <a:off x="0" y="0"/>
+          <a:ext cx="0" cy="0"/>
+          <a:chOff x="0" y="0"/>
+          <a:chExt cx="0" cy="0"/>
+        </a:xfrm>
+      </p:grpSpPr>
+      <p:sp>
+        <p:nvSpPr>
+          <p:cNvPr id="2" name="제목 1">
+            <a:extLst>
+              <a:ext uri="{FF2B5EF4-FFF2-40B4-BE49-F238E27FC236}">
+                <a16:creationId xmlns:a16="http://schemas.microsoft.com/office/drawing/2014/main" id="{A7B1F2B8-AD09-4CC9-B2DB-894B79DFB639}"/>
+              </a:ext>
+            </a:extLst>
+          </p:cNvPr>
+          <p:cNvSpPr>
+            <a:spLocks noGrp="1"/>
+          </p:cNvSpPr>
+          <p:nvPr>
+            <p:ph type="title"/>
+          </p:nvPr>
+        </p:nvSpPr>
+        <p:spPr/>
+        <p:txBody>
+          <a:bodyPr/>
+          <a:lstStyle/>
+          <a:p>
+            <a:r>
+              <a:rPr lang="en-US" dirty="0"/>
+              <a:t>Verify Apps </a:t>
+            </a:r>
+            <a:r>
+              <a:rPr lang="ko-KR" altLang="en-US" dirty="0"/>
+              <a:t>동작 요청</a:t>
+            </a:r>
+            <a:endParaRPr lang="en-US" dirty="0"/>
+          </a:p>
+        </p:txBody>
+      </p:sp>
+      <p:sp>
+        <p:nvSpPr>
+          <p:cNvPr id="9" name="내용 개체 틀 8">
+            <a:extLst>
+              <a:ext uri="{FF2B5EF4-FFF2-40B4-BE49-F238E27FC236}">
+                <a16:creationId xmlns:a16="http://schemas.microsoft.com/office/drawing/2014/main" id="{AF2B9879-AFE4-4F4A-AD41-F564457E78E0}"/>
+              </a:ext>
+            </a:extLst>
+          </p:cNvPr>
+          <p:cNvSpPr>
+            <a:spLocks noGrp="1"/>
+          </p:cNvSpPr>
+          <p:nvPr>
+            <p:ph sz="half" idx="1"/>
+          </p:nvPr>
+        </p:nvSpPr>
+        <p:spPr/>
+        <p:txBody>
+          <a:bodyPr/>
+          <a:lstStyle/>
+          <a:p>
+            <a:r>
+              <a:rPr lang="en-US" altLang="en-US" dirty="0" err="1">
+                <a:solidFill>
+                  <a:srgbClr val="37474F"/>
+                </a:solidFill>
+                <a:latin typeface="D2Coding" panose="020B0609020101020101" pitchFamily="49" charset="-127"/>
+                <a:ea typeface="D2Coding" panose="020B0609020101020101" pitchFamily="49" charset="-127"/>
+              </a:rPr>
+              <a:t>enableVerifyApps</a:t>
+            </a:r>
+            <a:r>
+              <a:rPr lang="en-US" altLang="en-US" dirty="0">
+                <a:solidFill>
+                  <a:srgbClr val="37474F"/>
+                </a:solidFill>
+                <a:latin typeface="D2Coding" panose="020B0609020101020101" pitchFamily="49" charset="-127"/>
+                <a:ea typeface="D2Coding" panose="020B0609020101020101" pitchFamily="49" charset="-127"/>
+              </a:rPr>
+              <a:t>()</a:t>
+            </a:r>
+            <a:endParaRPr lang="en-US" dirty="0"/>
+          </a:p>
+        </p:txBody>
+      </p:sp>
+      <p:pic>
+        <p:nvPicPr>
+          <p:cNvPr id="15" name="내용 개체 틀 14">
+            <a:extLst>
+              <a:ext uri="{FF2B5EF4-FFF2-40B4-BE49-F238E27FC236}">
+                <a16:creationId xmlns:a16="http://schemas.microsoft.com/office/drawing/2014/main" id="{FAF9EB04-15ED-4CE9-A78D-811589429D33}"/>
+              </a:ext>
+            </a:extLst>
+          </p:cNvPr>
+          <p:cNvPicPr>
+            <a:picLocks noGrp="1" noChangeAspect="1"/>
+          </p:cNvPicPr>
+          <p:nvPr>
+            <p:ph sz="half" idx="2"/>
+          </p:nvPr>
+        </p:nvPicPr>
+        <p:blipFill>
+          <a:blip r:embed="rId2">
+            <a:extLst>
+              <a:ext uri="{28A0092B-C50C-407E-A947-70E740481C1C}">
+                <a14:useLocalDpi xmlns:a14="http://schemas.microsoft.com/office/drawing/2010/main" val="0"/>
+              </a:ext>
+            </a:extLst>
+          </a:blip>
+          <a:stretch>
+            <a:fillRect/>
+          </a:stretch>
+        </p:blipFill>
+        <p:spPr>
+          <a:xfrm>
+            <a:off x="8697893" y="1753212"/>
+            <a:ext cx="2447627" cy="4351338"/>
+          </a:xfrm>
+        </p:spPr>
+      </p:pic>
+      <p:sp>
+        <p:nvSpPr>
+          <p:cNvPr id="13" name="Rectangle 2">
+            <a:extLst>
+              <a:ext uri="{FF2B5EF4-FFF2-40B4-BE49-F238E27FC236}">
+                <a16:creationId xmlns:a16="http://schemas.microsoft.com/office/drawing/2014/main" id="{328FFE78-2A8B-4DAE-A863-3DF00710A50C}"/>
+              </a:ext>
+            </a:extLst>
+          </p:cNvPr>
+          <p:cNvSpPr>
+            <a:spLocks noChangeArrowheads="1"/>
+          </p:cNvSpPr>
+          <p:nvPr/>
+        </p:nvSpPr>
+        <p:spPr bwMode="auto">
+          <a:xfrm>
+            <a:off x="1046480" y="2382197"/>
+            <a:ext cx="7213600" cy="4003688"/>
+          </a:xfrm>
+          <a:prstGeom prst="rect">
+            <a:avLst/>
+          </a:prstGeom>
+          <a:noFill/>
+          <a:ln>
+            <a:noFill/>
+          </a:ln>
+          <a:effectLst/>
+        </p:spPr>
+        <p:txBody>
+          <a:bodyPr vert="horz" wrap="square" lIns="-44436" tIns="-44436" rIns="-44436" bIns="-44436" numCol="1" anchor="ctr" anchorCtr="0" compatLnSpc="1">
+            <a:prstTxWarp prst="textNoShape">
+              <a:avLst/>
+            </a:prstTxWarp>
+            <a:spAutoFit/>
+          </a:bodyPr>
+          <a:lstStyle/>
+          <a:p>
+            <a:pPr marL="0" marR="0" lvl="0" indent="0" algn="l" defTabSz="914400" rtl="0" eaLnBrk="0" fontAlgn="base" latinLnBrk="0" hangingPunct="0">
+              <a:lnSpc>
+                <a:spcPct val="100000"/>
+              </a:lnSpc>
+              <a:spcBef>
+                <a:spcPct val="0"/>
+              </a:spcBef>
+              <a:spcAft>
+                <a:spcPct val="0"/>
+              </a:spcAft>
+              <a:buClrTx/>
+              <a:buSzTx/>
+              <a:buFontTx/>
+              <a:buNone/>
+              <a:tabLst/>
+            </a:pPr>
+            <a:r>
+              <a:rPr kumimoji="0" lang="en-US" altLang="en-US" sz="1400" b="0" i="0" u="none" strike="noStrike" cap="none" normalizeH="0" baseline="0" dirty="0" err="1">
+                <a:ln>
+                  <a:noFill/>
+                </a:ln>
+                <a:solidFill>
+                  <a:srgbClr val="9C27B0"/>
+                </a:solidFill>
+                <a:effectLst/>
+                <a:latin typeface="D2Coding" panose="020B0609020101020101" pitchFamily="49" charset="-127"/>
+                <a:ea typeface="D2Coding" panose="020B0609020101020101" pitchFamily="49" charset="-127"/>
+              </a:rPr>
+              <a:t>SafetyNet</a:t>
+            </a:r>
+            <a:r>
+              <a:rPr kumimoji="0" lang="en-US" altLang="en-US" sz="1400" b="0" i="0" u="none" strike="noStrike" cap="none" normalizeH="0" baseline="0" dirty="0" err="1">
+                <a:ln>
+                  <a:noFill/>
+                </a:ln>
+                <a:solidFill>
+                  <a:srgbClr val="37474F"/>
+                </a:solidFill>
+                <a:effectLst/>
+                <a:latin typeface="D2Coding" panose="020B0609020101020101" pitchFamily="49" charset="-127"/>
+                <a:ea typeface="D2Coding" panose="020B0609020101020101" pitchFamily="49" charset="-127"/>
+              </a:rPr>
+              <a:t>.getClient</a:t>
+            </a:r>
+            <a:r>
+              <a:rPr kumimoji="0" lang="en-US" altLang="en-US" sz="1400" b="0" i="0" u="none" strike="noStrike" cap="none" normalizeH="0" baseline="0" dirty="0">
+                <a:ln>
+                  <a:noFill/>
+                </a:ln>
+                <a:solidFill>
+                  <a:srgbClr val="37474F"/>
+                </a:solidFill>
+                <a:effectLst/>
+                <a:latin typeface="D2Coding" panose="020B0609020101020101" pitchFamily="49" charset="-127"/>
+                <a:ea typeface="D2Coding" panose="020B0609020101020101" pitchFamily="49" charset="-127"/>
+              </a:rPr>
+              <a:t>(</a:t>
+            </a:r>
+            <a:r>
+              <a:rPr kumimoji="0" lang="en-US" altLang="en-US" sz="1400" b="0" i="0" u="none" strike="noStrike" cap="none" normalizeH="0" baseline="0" dirty="0">
+                <a:ln>
+                  <a:noFill/>
+                </a:ln>
+                <a:solidFill>
+                  <a:srgbClr val="3B78E7"/>
+                </a:solidFill>
+                <a:effectLst/>
+                <a:latin typeface="D2Coding" panose="020B0609020101020101" pitchFamily="49" charset="-127"/>
+                <a:ea typeface="D2Coding" panose="020B0609020101020101" pitchFamily="49" charset="-127"/>
+              </a:rPr>
+              <a:t>this</a:t>
+            </a:r>
+            <a:r>
+              <a:rPr kumimoji="0" lang="en-US" altLang="en-US" sz="1400" b="0" i="0" u="none" strike="noStrike" cap="none" normalizeH="0" baseline="0" dirty="0">
+                <a:ln>
+                  <a:noFill/>
+                </a:ln>
+                <a:solidFill>
+                  <a:srgbClr val="37474F"/>
+                </a:solidFill>
+                <a:effectLst/>
+                <a:latin typeface="D2Coding" panose="020B0609020101020101" pitchFamily="49" charset="-127"/>
+                <a:ea typeface="D2Coding" panose="020B0609020101020101" pitchFamily="49" charset="-127"/>
+              </a:rPr>
+              <a:t>)</a:t>
+            </a:r>
+            <a:br>
+              <a:rPr kumimoji="0" lang="en-US" altLang="en-US" sz="1400" b="0" i="0" u="none" strike="noStrike" cap="none" normalizeH="0" baseline="0" dirty="0">
+                <a:ln>
+                  <a:noFill/>
+                </a:ln>
+                <a:solidFill>
+                  <a:srgbClr val="37474F"/>
+                </a:solidFill>
+                <a:effectLst/>
+                <a:latin typeface="D2Coding" panose="020B0609020101020101" pitchFamily="49" charset="-127"/>
+                <a:ea typeface="D2Coding" panose="020B0609020101020101" pitchFamily="49" charset="-127"/>
+              </a:rPr>
+            </a:br>
+            <a:r>
+              <a:rPr kumimoji="0" lang="en-US" altLang="en-US" sz="1400" b="0" i="0" u="none" strike="noStrike" cap="none" normalizeH="0" baseline="0" dirty="0">
+                <a:ln>
+                  <a:noFill/>
+                </a:ln>
+                <a:solidFill>
+                  <a:srgbClr val="37474F"/>
+                </a:solidFill>
+                <a:effectLst/>
+                <a:latin typeface="D2Coding" panose="020B0609020101020101" pitchFamily="49" charset="-127"/>
+                <a:ea typeface="D2Coding" panose="020B0609020101020101" pitchFamily="49" charset="-127"/>
+              </a:rPr>
+              <a:t>    .</a:t>
+            </a:r>
+            <a:r>
+              <a:rPr kumimoji="0" lang="en-US" altLang="en-US" sz="1400" b="0" i="0" u="none" strike="noStrike" cap="none" normalizeH="0" baseline="0" dirty="0" err="1">
+                <a:ln>
+                  <a:noFill/>
+                </a:ln>
+                <a:solidFill>
+                  <a:srgbClr val="37474F"/>
+                </a:solidFill>
+                <a:effectLst/>
+                <a:latin typeface="D2Coding" panose="020B0609020101020101" pitchFamily="49" charset="-127"/>
+                <a:ea typeface="D2Coding" panose="020B0609020101020101" pitchFamily="49" charset="-127"/>
+              </a:rPr>
+              <a:t>enableVerifyApps</a:t>
+            </a:r>
+            <a:r>
+              <a:rPr kumimoji="0" lang="en-US" altLang="en-US" sz="1400" b="0" i="0" u="none" strike="noStrike" cap="none" normalizeH="0" baseline="0" dirty="0">
+                <a:ln>
+                  <a:noFill/>
+                </a:ln>
+                <a:solidFill>
+                  <a:srgbClr val="37474F"/>
+                </a:solidFill>
+                <a:effectLst/>
+                <a:latin typeface="D2Coding" panose="020B0609020101020101" pitchFamily="49" charset="-127"/>
+                <a:ea typeface="D2Coding" panose="020B0609020101020101" pitchFamily="49" charset="-127"/>
+              </a:rPr>
+              <a:t>()</a:t>
+            </a:r>
+            <a:br>
+              <a:rPr kumimoji="0" lang="en-US" altLang="en-US" sz="1400" b="0" i="0" u="none" strike="noStrike" cap="none" normalizeH="0" baseline="0" dirty="0">
+                <a:ln>
+                  <a:noFill/>
+                </a:ln>
+                <a:solidFill>
+                  <a:srgbClr val="37474F"/>
+                </a:solidFill>
+                <a:effectLst/>
+                <a:latin typeface="D2Coding" panose="020B0609020101020101" pitchFamily="49" charset="-127"/>
+                <a:ea typeface="D2Coding" panose="020B0609020101020101" pitchFamily="49" charset="-127"/>
+              </a:rPr>
+            </a:br>
+            <a:r>
+              <a:rPr kumimoji="0" lang="en-US" altLang="en-US" sz="1400" b="0" i="0" u="none" strike="noStrike" cap="none" normalizeH="0" baseline="0" dirty="0">
+                <a:ln>
+                  <a:noFill/>
+                </a:ln>
+                <a:solidFill>
+                  <a:srgbClr val="37474F"/>
+                </a:solidFill>
+                <a:effectLst/>
+                <a:latin typeface="D2Coding" panose="020B0609020101020101" pitchFamily="49" charset="-127"/>
+                <a:ea typeface="D2Coding" panose="020B0609020101020101" pitchFamily="49" charset="-127"/>
+              </a:rPr>
+              <a:t>    .</a:t>
+            </a:r>
+            <a:r>
+              <a:rPr kumimoji="0" lang="en-US" altLang="en-US" sz="1400" b="0" i="0" u="none" strike="noStrike" cap="none" normalizeH="0" baseline="0" dirty="0" err="1">
+                <a:ln>
+                  <a:noFill/>
+                </a:ln>
+                <a:solidFill>
+                  <a:srgbClr val="37474F"/>
+                </a:solidFill>
+                <a:effectLst/>
+                <a:latin typeface="D2Coding" panose="020B0609020101020101" pitchFamily="49" charset="-127"/>
+                <a:ea typeface="D2Coding" panose="020B0609020101020101" pitchFamily="49" charset="-127"/>
+              </a:rPr>
+              <a:t>addOnCompleteListener</a:t>
+            </a:r>
+            <a:r>
+              <a:rPr kumimoji="0" lang="en-US" altLang="en-US" sz="1400" b="0" i="0" u="none" strike="noStrike" cap="none" normalizeH="0" baseline="0" dirty="0">
+                <a:ln>
+                  <a:noFill/>
+                </a:ln>
+                <a:solidFill>
+                  <a:srgbClr val="37474F"/>
+                </a:solidFill>
+                <a:effectLst/>
+                <a:latin typeface="D2Coding" panose="020B0609020101020101" pitchFamily="49" charset="-127"/>
+                <a:ea typeface="D2Coding" panose="020B0609020101020101" pitchFamily="49" charset="-127"/>
+              </a:rPr>
+              <a:t>(</a:t>
+            </a:r>
+            <a:r>
+              <a:rPr kumimoji="0" lang="en-US" altLang="en-US" sz="1400" b="0" i="0" u="none" strike="noStrike" cap="none" normalizeH="0" baseline="0" dirty="0">
+                <a:ln>
+                  <a:noFill/>
+                </a:ln>
+                <a:solidFill>
+                  <a:srgbClr val="3B78E7"/>
+                </a:solidFill>
+                <a:effectLst/>
+                <a:latin typeface="D2Coding" panose="020B0609020101020101" pitchFamily="49" charset="-127"/>
+                <a:ea typeface="D2Coding" panose="020B0609020101020101" pitchFamily="49" charset="-127"/>
+              </a:rPr>
+              <a:t>new</a:t>
+            </a:r>
+            <a:r>
+              <a:rPr kumimoji="0" lang="en-US" altLang="en-US" sz="1400" b="0" i="0" u="none" strike="noStrike" cap="none" normalizeH="0" baseline="0" dirty="0">
+                <a:ln>
+                  <a:noFill/>
+                </a:ln>
+                <a:solidFill>
+                  <a:srgbClr val="37474F"/>
+                </a:solidFill>
+                <a:effectLst/>
+                <a:latin typeface="D2Coding" panose="020B0609020101020101" pitchFamily="49" charset="-127"/>
+                <a:ea typeface="D2Coding" panose="020B0609020101020101" pitchFamily="49" charset="-127"/>
+              </a:rPr>
+              <a:t> </a:t>
+            </a:r>
+            <a:r>
+              <a:rPr kumimoji="0" lang="en-US" altLang="en-US" sz="1400" b="0" i="0" u="none" strike="noStrike" cap="none" normalizeH="0" baseline="0" dirty="0" err="1">
+                <a:ln>
+                  <a:noFill/>
+                </a:ln>
+                <a:solidFill>
+                  <a:srgbClr val="9C27B0"/>
+                </a:solidFill>
+                <a:effectLst/>
+                <a:latin typeface="D2Coding" panose="020B0609020101020101" pitchFamily="49" charset="-127"/>
+                <a:ea typeface="D2Coding" panose="020B0609020101020101" pitchFamily="49" charset="-127"/>
+              </a:rPr>
+              <a:t>OnCompleteListener</a:t>
+            </a:r>
+            <a:r>
+              <a:rPr kumimoji="0" lang="en-US" altLang="en-US" sz="1400" b="0" i="0" u="none" strike="noStrike" cap="none" normalizeH="0" baseline="0" dirty="0">
+                <a:ln>
+                  <a:noFill/>
+                </a:ln>
+                <a:solidFill>
+                  <a:srgbClr val="37474F"/>
+                </a:solidFill>
+                <a:effectLst/>
+                <a:latin typeface="D2Coding" panose="020B0609020101020101" pitchFamily="49" charset="-127"/>
+                <a:ea typeface="D2Coding" panose="020B0609020101020101" pitchFamily="49" charset="-127"/>
+              </a:rPr>
+              <a:t>&lt;</a:t>
+            </a:r>
+            <a:r>
+              <a:rPr kumimoji="0" lang="en-US" altLang="en-US" sz="1400" b="0" i="0" u="none" strike="noStrike" cap="none" normalizeH="0" baseline="0" dirty="0" err="1">
+                <a:ln>
+                  <a:noFill/>
+                </a:ln>
+                <a:solidFill>
+                  <a:srgbClr val="9C27B0"/>
+                </a:solidFill>
+                <a:effectLst/>
+                <a:latin typeface="D2Coding" panose="020B0609020101020101" pitchFamily="49" charset="-127"/>
+                <a:ea typeface="D2Coding" panose="020B0609020101020101" pitchFamily="49" charset="-127"/>
+              </a:rPr>
+              <a:t>VerifyAppsUserResponse</a:t>
+            </a:r>
+            <a:r>
+              <a:rPr kumimoji="0" lang="en-US" altLang="en-US" sz="1400" b="0" i="0" u="none" strike="noStrike" cap="none" normalizeH="0" baseline="0" dirty="0">
+                <a:ln>
+                  <a:noFill/>
+                </a:ln>
+                <a:solidFill>
+                  <a:srgbClr val="37474F"/>
+                </a:solidFill>
+                <a:effectLst/>
+                <a:latin typeface="D2Coding" panose="020B0609020101020101" pitchFamily="49" charset="-127"/>
+                <a:ea typeface="D2Coding" panose="020B0609020101020101" pitchFamily="49" charset="-127"/>
+              </a:rPr>
+              <a:t>&gt;() {</a:t>
+            </a:r>
+            <a:br>
+              <a:rPr kumimoji="0" lang="en-US" altLang="en-US" sz="1400" b="0" i="0" u="none" strike="noStrike" cap="none" normalizeH="0" baseline="0" dirty="0">
+                <a:ln>
+                  <a:noFill/>
+                </a:ln>
+                <a:solidFill>
+                  <a:srgbClr val="37474F"/>
+                </a:solidFill>
+                <a:effectLst/>
+                <a:latin typeface="D2Coding" panose="020B0609020101020101" pitchFamily="49" charset="-127"/>
+                <a:ea typeface="D2Coding" panose="020B0609020101020101" pitchFamily="49" charset="-127"/>
+              </a:rPr>
+            </a:br>
+            <a:r>
+              <a:rPr kumimoji="0" lang="en-US" altLang="en-US" sz="1400" b="0" i="0" u="none" strike="noStrike" cap="none" normalizeH="0" baseline="0" dirty="0">
+                <a:ln>
+                  <a:noFill/>
+                </a:ln>
+                <a:solidFill>
+                  <a:srgbClr val="37474F"/>
+                </a:solidFill>
+                <a:effectLst/>
+                <a:latin typeface="D2Coding" panose="020B0609020101020101" pitchFamily="49" charset="-127"/>
+                <a:ea typeface="D2Coding" panose="020B0609020101020101" pitchFamily="49" charset="-127"/>
+              </a:rPr>
+              <a:t>        </a:t>
+            </a:r>
+            <a:r>
+              <a:rPr kumimoji="0" lang="en-US" altLang="en-US" sz="1400" b="0" i="0" u="none" strike="noStrike" cap="none" normalizeH="0" baseline="0" dirty="0">
+                <a:ln>
+                  <a:noFill/>
+                </a:ln>
+                <a:solidFill>
+                  <a:srgbClr val="C53929"/>
+                </a:solidFill>
+                <a:effectLst/>
+                <a:latin typeface="D2Coding" panose="020B0609020101020101" pitchFamily="49" charset="-127"/>
+                <a:ea typeface="D2Coding" panose="020B0609020101020101" pitchFamily="49" charset="-127"/>
+              </a:rPr>
+              <a:t>@Override</a:t>
+            </a:r>
+            <a:br>
+              <a:rPr kumimoji="0" lang="en-US" altLang="en-US" sz="1400" b="0" i="0" u="none" strike="noStrike" cap="none" normalizeH="0" baseline="0" dirty="0">
+                <a:ln>
+                  <a:noFill/>
+                </a:ln>
+                <a:solidFill>
+                  <a:srgbClr val="37474F"/>
+                </a:solidFill>
+                <a:effectLst/>
+                <a:latin typeface="D2Coding" panose="020B0609020101020101" pitchFamily="49" charset="-127"/>
+                <a:ea typeface="D2Coding" panose="020B0609020101020101" pitchFamily="49" charset="-127"/>
+              </a:rPr>
+            </a:br>
+            <a:r>
+              <a:rPr kumimoji="0" lang="en-US" altLang="en-US" sz="1400" b="0" i="0" u="none" strike="noStrike" cap="none" normalizeH="0" baseline="0" dirty="0">
+                <a:ln>
+                  <a:noFill/>
+                </a:ln>
+                <a:solidFill>
+                  <a:srgbClr val="37474F"/>
+                </a:solidFill>
+                <a:effectLst/>
+                <a:latin typeface="D2Coding" panose="020B0609020101020101" pitchFamily="49" charset="-127"/>
+                <a:ea typeface="D2Coding" panose="020B0609020101020101" pitchFamily="49" charset="-127"/>
+              </a:rPr>
+              <a:t>        </a:t>
+            </a:r>
+            <a:r>
+              <a:rPr kumimoji="0" lang="en-US" altLang="en-US" sz="1400" b="0" i="0" u="none" strike="noStrike" cap="none" normalizeH="0" baseline="0" dirty="0">
+                <a:ln>
+                  <a:noFill/>
+                </a:ln>
+                <a:solidFill>
+                  <a:srgbClr val="3B78E7"/>
+                </a:solidFill>
+                <a:effectLst/>
+                <a:latin typeface="D2Coding" panose="020B0609020101020101" pitchFamily="49" charset="-127"/>
+                <a:ea typeface="D2Coding" panose="020B0609020101020101" pitchFamily="49" charset="-127"/>
+              </a:rPr>
+              <a:t>public</a:t>
+            </a:r>
+            <a:r>
+              <a:rPr kumimoji="0" lang="en-US" altLang="en-US" sz="1400" b="0" i="0" u="none" strike="noStrike" cap="none" normalizeH="0" baseline="0" dirty="0">
+                <a:ln>
+                  <a:noFill/>
+                </a:ln>
+                <a:solidFill>
+                  <a:srgbClr val="37474F"/>
+                </a:solidFill>
+                <a:effectLst/>
+                <a:latin typeface="D2Coding" panose="020B0609020101020101" pitchFamily="49" charset="-127"/>
+                <a:ea typeface="D2Coding" panose="020B0609020101020101" pitchFamily="49" charset="-127"/>
+              </a:rPr>
+              <a:t> </a:t>
+            </a:r>
+            <a:r>
+              <a:rPr kumimoji="0" lang="en-US" altLang="en-US" sz="1400" b="0" i="0" u="none" strike="noStrike" cap="none" normalizeH="0" baseline="0" dirty="0">
+                <a:ln>
+                  <a:noFill/>
+                </a:ln>
+                <a:solidFill>
+                  <a:srgbClr val="3B78E7"/>
+                </a:solidFill>
+                <a:effectLst/>
+                <a:latin typeface="D2Coding" panose="020B0609020101020101" pitchFamily="49" charset="-127"/>
+                <a:ea typeface="D2Coding" panose="020B0609020101020101" pitchFamily="49" charset="-127"/>
+              </a:rPr>
+              <a:t>void</a:t>
+            </a:r>
+            <a:r>
+              <a:rPr kumimoji="0" lang="en-US" altLang="en-US" sz="1400" b="0" i="0" u="none" strike="noStrike" cap="none" normalizeH="0" baseline="0" dirty="0">
+                <a:ln>
+                  <a:noFill/>
+                </a:ln>
+                <a:solidFill>
+                  <a:srgbClr val="37474F"/>
+                </a:solidFill>
+                <a:effectLst/>
+                <a:latin typeface="D2Coding" panose="020B0609020101020101" pitchFamily="49" charset="-127"/>
+                <a:ea typeface="D2Coding" panose="020B0609020101020101" pitchFamily="49" charset="-127"/>
+              </a:rPr>
+              <a:t> </a:t>
+            </a:r>
+            <a:r>
+              <a:rPr kumimoji="0" lang="en-US" altLang="en-US" sz="1400" b="0" i="0" u="none" strike="noStrike" cap="none" normalizeH="0" baseline="0" dirty="0" err="1">
+                <a:ln>
+                  <a:noFill/>
+                </a:ln>
+                <a:solidFill>
+                  <a:srgbClr val="37474F"/>
+                </a:solidFill>
+                <a:effectLst/>
+                <a:latin typeface="D2Coding" panose="020B0609020101020101" pitchFamily="49" charset="-127"/>
+                <a:ea typeface="D2Coding" panose="020B0609020101020101" pitchFamily="49" charset="-127"/>
+              </a:rPr>
+              <a:t>onComplete</a:t>
+            </a:r>
+            <a:r>
+              <a:rPr kumimoji="0" lang="en-US" altLang="en-US" sz="1400" b="0" i="0" u="none" strike="noStrike" cap="none" normalizeH="0" baseline="0" dirty="0">
+                <a:ln>
+                  <a:noFill/>
+                </a:ln>
+                <a:solidFill>
+                  <a:srgbClr val="37474F"/>
+                </a:solidFill>
+                <a:effectLst/>
+                <a:latin typeface="D2Coding" panose="020B0609020101020101" pitchFamily="49" charset="-127"/>
+                <a:ea typeface="D2Coding" panose="020B0609020101020101" pitchFamily="49" charset="-127"/>
+              </a:rPr>
+              <a:t>(</a:t>
+            </a:r>
+            <a:r>
+              <a:rPr kumimoji="0" lang="en-US" altLang="en-US" sz="1400" b="0" i="0" u="none" strike="noStrike" cap="none" normalizeH="0" baseline="0" dirty="0">
+                <a:ln>
+                  <a:noFill/>
+                </a:ln>
+                <a:solidFill>
+                  <a:srgbClr val="9C27B0"/>
+                </a:solidFill>
+                <a:effectLst/>
+                <a:latin typeface="D2Coding" panose="020B0609020101020101" pitchFamily="49" charset="-127"/>
+                <a:ea typeface="D2Coding" panose="020B0609020101020101" pitchFamily="49" charset="-127"/>
+              </a:rPr>
+              <a:t>Task</a:t>
+            </a:r>
+            <a:r>
+              <a:rPr kumimoji="0" lang="en-US" altLang="en-US" sz="1400" b="0" i="0" u="none" strike="noStrike" cap="none" normalizeH="0" baseline="0" dirty="0">
+                <a:ln>
+                  <a:noFill/>
+                </a:ln>
+                <a:solidFill>
+                  <a:srgbClr val="37474F"/>
+                </a:solidFill>
+                <a:effectLst/>
+                <a:latin typeface="D2Coding" panose="020B0609020101020101" pitchFamily="49" charset="-127"/>
+                <a:ea typeface="D2Coding" panose="020B0609020101020101" pitchFamily="49" charset="-127"/>
+              </a:rPr>
+              <a:t>&lt;</a:t>
+            </a:r>
+            <a:r>
+              <a:rPr kumimoji="0" lang="en-US" altLang="en-US" sz="1400" b="0" i="0" u="none" strike="noStrike" cap="none" normalizeH="0" baseline="0" dirty="0" err="1">
+                <a:ln>
+                  <a:noFill/>
+                </a:ln>
+                <a:solidFill>
+                  <a:srgbClr val="9C27B0"/>
+                </a:solidFill>
+                <a:effectLst/>
+                <a:latin typeface="D2Coding" panose="020B0609020101020101" pitchFamily="49" charset="-127"/>
+                <a:ea typeface="D2Coding" panose="020B0609020101020101" pitchFamily="49" charset="-127"/>
+              </a:rPr>
+              <a:t>VerifyAppsUserResponse</a:t>
+            </a:r>
+            <a:r>
+              <a:rPr kumimoji="0" lang="en-US" altLang="en-US" sz="1400" b="0" i="0" u="none" strike="noStrike" cap="none" normalizeH="0" baseline="0" dirty="0">
+                <a:ln>
+                  <a:noFill/>
+                </a:ln>
+                <a:solidFill>
+                  <a:srgbClr val="37474F"/>
+                </a:solidFill>
+                <a:effectLst/>
+                <a:latin typeface="D2Coding" panose="020B0609020101020101" pitchFamily="49" charset="-127"/>
+                <a:ea typeface="D2Coding" panose="020B0609020101020101" pitchFamily="49" charset="-127"/>
+              </a:rPr>
+              <a:t>&gt; task) {</a:t>
+            </a:r>
+            <a:br>
+              <a:rPr kumimoji="0" lang="en-US" altLang="en-US" sz="1400" b="0" i="0" u="none" strike="noStrike" cap="none" normalizeH="0" baseline="0" dirty="0">
+                <a:ln>
+                  <a:noFill/>
+                </a:ln>
+                <a:solidFill>
+                  <a:srgbClr val="37474F"/>
+                </a:solidFill>
+                <a:effectLst/>
+                <a:latin typeface="D2Coding" panose="020B0609020101020101" pitchFamily="49" charset="-127"/>
+                <a:ea typeface="D2Coding" panose="020B0609020101020101" pitchFamily="49" charset="-127"/>
+              </a:rPr>
+            </a:br>
+            <a:r>
+              <a:rPr kumimoji="0" lang="en-US" altLang="en-US" sz="1400" b="0" i="0" u="none" strike="noStrike" cap="none" normalizeH="0" baseline="0" dirty="0">
+                <a:ln>
+                  <a:noFill/>
+                </a:ln>
+                <a:solidFill>
+                  <a:srgbClr val="37474F"/>
+                </a:solidFill>
+                <a:effectLst/>
+                <a:latin typeface="D2Coding" panose="020B0609020101020101" pitchFamily="49" charset="-127"/>
+                <a:ea typeface="D2Coding" panose="020B0609020101020101" pitchFamily="49" charset="-127"/>
+              </a:rPr>
+              <a:t>            </a:t>
+            </a:r>
+            <a:r>
+              <a:rPr kumimoji="0" lang="en-US" altLang="en-US" sz="1400" b="0" i="0" u="none" strike="noStrike" cap="none" normalizeH="0" baseline="0" dirty="0">
+                <a:ln>
+                  <a:noFill/>
+                </a:ln>
+                <a:solidFill>
+                  <a:srgbClr val="3B78E7"/>
+                </a:solidFill>
+                <a:effectLst/>
+                <a:latin typeface="D2Coding" panose="020B0609020101020101" pitchFamily="49" charset="-127"/>
+                <a:ea typeface="D2Coding" panose="020B0609020101020101" pitchFamily="49" charset="-127"/>
+              </a:rPr>
+              <a:t>if</a:t>
+            </a:r>
+            <a:r>
+              <a:rPr kumimoji="0" lang="en-US" altLang="en-US" sz="1400" b="0" i="0" u="none" strike="noStrike" cap="none" normalizeH="0" baseline="0" dirty="0">
+                <a:ln>
+                  <a:noFill/>
+                </a:ln>
+                <a:solidFill>
+                  <a:srgbClr val="37474F"/>
+                </a:solidFill>
+                <a:effectLst/>
+                <a:latin typeface="D2Coding" panose="020B0609020101020101" pitchFamily="49" charset="-127"/>
+                <a:ea typeface="D2Coding" panose="020B0609020101020101" pitchFamily="49" charset="-127"/>
+              </a:rPr>
+              <a:t> (</a:t>
+            </a:r>
+            <a:r>
+              <a:rPr kumimoji="0" lang="en-US" altLang="en-US" sz="1400" b="0" i="0" u="none" strike="noStrike" cap="none" normalizeH="0" baseline="0" dirty="0" err="1">
+                <a:ln>
+                  <a:noFill/>
+                </a:ln>
+                <a:solidFill>
+                  <a:srgbClr val="37474F"/>
+                </a:solidFill>
+                <a:effectLst/>
+                <a:latin typeface="D2Coding" panose="020B0609020101020101" pitchFamily="49" charset="-127"/>
+                <a:ea typeface="D2Coding" panose="020B0609020101020101" pitchFamily="49" charset="-127"/>
+              </a:rPr>
+              <a:t>task.isSuccessful</a:t>
+            </a:r>
+            <a:r>
+              <a:rPr kumimoji="0" lang="en-US" altLang="en-US" sz="1400" b="0" i="0" u="none" strike="noStrike" cap="none" normalizeH="0" baseline="0" dirty="0">
+                <a:ln>
+                  <a:noFill/>
+                </a:ln>
+                <a:solidFill>
+                  <a:srgbClr val="37474F"/>
+                </a:solidFill>
+                <a:effectLst/>
+                <a:latin typeface="D2Coding" panose="020B0609020101020101" pitchFamily="49" charset="-127"/>
+                <a:ea typeface="D2Coding" panose="020B0609020101020101" pitchFamily="49" charset="-127"/>
+              </a:rPr>
+              <a:t>()) {</a:t>
+            </a:r>
+            <a:br>
+              <a:rPr kumimoji="0" lang="en-US" altLang="en-US" sz="1400" b="0" i="0" u="none" strike="noStrike" cap="none" normalizeH="0" baseline="0" dirty="0">
+                <a:ln>
+                  <a:noFill/>
+                </a:ln>
+                <a:solidFill>
+                  <a:srgbClr val="37474F"/>
+                </a:solidFill>
+                <a:effectLst/>
+                <a:latin typeface="D2Coding" panose="020B0609020101020101" pitchFamily="49" charset="-127"/>
+                <a:ea typeface="D2Coding" panose="020B0609020101020101" pitchFamily="49" charset="-127"/>
+              </a:rPr>
+            </a:br>
+            <a:r>
+              <a:rPr kumimoji="0" lang="en-US" altLang="en-US" sz="1400" b="0" i="0" u="none" strike="noStrike" cap="none" normalizeH="0" baseline="0" dirty="0">
+                <a:ln>
+                  <a:noFill/>
+                </a:ln>
+                <a:solidFill>
+                  <a:srgbClr val="37474F"/>
+                </a:solidFill>
+                <a:effectLst/>
+                <a:latin typeface="D2Coding" panose="020B0609020101020101" pitchFamily="49" charset="-127"/>
+                <a:ea typeface="D2Coding" panose="020B0609020101020101" pitchFamily="49" charset="-127"/>
+              </a:rPr>
+              <a:t>                </a:t>
+            </a:r>
+            <a:r>
+              <a:rPr kumimoji="0" lang="en-US" altLang="en-US" sz="1400" b="0" i="0" u="none" strike="noStrike" cap="none" normalizeH="0" baseline="0" dirty="0" err="1">
+                <a:ln>
+                  <a:noFill/>
+                </a:ln>
+                <a:solidFill>
+                  <a:srgbClr val="9C27B0"/>
+                </a:solidFill>
+                <a:effectLst/>
+                <a:latin typeface="D2Coding" panose="020B0609020101020101" pitchFamily="49" charset="-127"/>
+                <a:ea typeface="D2Coding" panose="020B0609020101020101" pitchFamily="49" charset="-127"/>
+              </a:rPr>
+              <a:t>VerifyAppsUserResponse</a:t>
+            </a:r>
+            <a:r>
+              <a:rPr kumimoji="0" lang="en-US" altLang="en-US" sz="1400" b="0" i="0" u="none" strike="noStrike" cap="none" normalizeH="0" baseline="0" dirty="0">
+                <a:ln>
+                  <a:noFill/>
+                </a:ln>
+                <a:solidFill>
+                  <a:srgbClr val="37474F"/>
+                </a:solidFill>
+                <a:effectLst/>
+                <a:latin typeface="D2Coding" panose="020B0609020101020101" pitchFamily="49" charset="-127"/>
+                <a:ea typeface="D2Coding" panose="020B0609020101020101" pitchFamily="49" charset="-127"/>
+              </a:rPr>
+              <a:t> result = </a:t>
+            </a:r>
+            <a:r>
+              <a:rPr kumimoji="0" lang="en-US" altLang="en-US" sz="1400" b="0" i="0" u="none" strike="noStrike" cap="none" normalizeH="0" baseline="0" dirty="0" err="1">
+                <a:ln>
+                  <a:noFill/>
+                </a:ln>
+                <a:solidFill>
+                  <a:srgbClr val="37474F"/>
+                </a:solidFill>
+                <a:effectLst/>
+                <a:latin typeface="D2Coding" panose="020B0609020101020101" pitchFamily="49" charset="-127"/>
+                <a:ea typeface="D2Coding" panose="020B0609020101020101" pitchFamily="49" charset="-127"/>
+              </a:rPr>
+              <a:t>task.getResult</a:t>
+            </a:r>
+            <a:r>
+              <a:rPr kumimoji="0" lang="en-US" altLang="en-US" sz="1400" b="0" i="0" u="none" strike="noStrike" cap="none" normalizeH="0" baseline="0" dirty="0">
+                <a:ln>
+                  <a:noFill/>
+                </a:ln>
+                <a:solidFill>
+                  <a:srgbClr val="37474F"/>
+                </a:solidFill>
+                <a:effectLst/>
+                <a:latin typeface="D2Coding" panose="020B0609020101020101" pitchFamily="49" charset="-127"/>
+                <a:ea typeface="D2Coding" panose="020B0609020101020101" pitchFamily="49" charset="-127"/>
+              </a:rPr>
+              <a:t>();</a:t>
+            </a:r>
+            <a:br>
+              <a:rPr kumimoji="0" lang="en-US" altLang="en-US" sz="1400" b="0" i="0" u="none" strike="noStrike" cap="none" normalizeH="0" baseline="0" dirty="0">
+                <a:ln>
+                  <a:noFill/>
+                </a:ln>
+                <a:solidFill>
+                  <a:srgbClr val="37474F"/>
+                </a:solidFill>
+                <a:effectLst/>
+                <a:latin typeface="D2Coding" panose="020B0609020101020101" pitchFamily="49" charset="-127"/>
+                <a:ea typeface="D2Coding" panose="020B0609020101020101" pitchFamily="49" charset="-127"/>
+              </a:rPr>
+            </a:br>
+            <a:r>
+              <a:rPr kumimoji="0" lang="en-US" altLang="en-US" sz="1400" b="0" i="0" u="none" strike="noStrike" cap="none" normalizeH="0" baseline="0" dirty="0">
+                <a:ln>
+                  <a:noFill/>
+                </a:ln>
+                <a:solidFill>
+                  <a:srgbClr val="37474F"/>
+                </a:solidFill>
+                <a:effectLst/>
+                <a:latin typeface="D2Coding" panose="020B0609020101020101" pitchFamily="49" charset="-127"/>
+                <a:ea typeface="D2Coding" panose="020B0609020101020101" pitchFamily="49" charset="-127"/>
+              </a:rPr>
+              <a:t>                </a:t>
+            </a:r>
+            <a:r>
+              <a:rPr kumimoji="0" lang="en-US" altLang="en-US" sz="1400" b="0" i="0" u="none" strike="noStrike" cap="none" normalizeH="0" baseline="0" dirty="0">
+                <a:ln>
+                  <a:noFill/>
+                </a:ln>
+                <a:solidFill>
+                  <a:srgbClr val="3B78E7"/>
+                </a:solidFill>
+                <a:effectLst/>
+                <a:latin typeface="D2Coding" panose="020B0609020101020101" pitchFamily="49" charset="-127"/>
+                <a:ea typeface="D2Coding" panose="020B0609020101020101" pitchFamily="49" charset="-127"/>
+              </a:rPr>
+              <a:t>if</a:t>
+            </a:r>
+            <a:r>
+              <a:rPr kumimoji="0" lang="en-US" altLang="en-US" sz="1400" b="0" i="0" u="none" strike="noStrike" cap="none" normalizeH="0" baseline="0" dirty="0">
+                <a:ln>
+                  <a:noFill/>
+                </a:ln>
+                <a:solidFill>
+                  <a:srgbClr val="37474F"/>
+                </a:solidFill>
+                <a:effectLst/>
+                <a:latin typeface="D2Coding" panose="020B0609020101020101" pitchFamily="49" charset="-127"/>
+                <a:ea typeface="D2Coding" panose="020B0609020101020101" pitchFamily="49" charset="-127"/>
+              </a:rPr>
+              <a:t> (</a:t>
+            </a:r>
+            <a:r>
+              <a:rPr kumimoji="0" lang="en-US" altLang="en-US" sz="1400" b="0" i="0" u="none" strike="noStrike" cap="none" normalizeH="0" baseline="0" dirty="0" err="1">
+                <a:ln>
+                  <a:noFill/>
+                </a:ln>
+                <a:solidFill>
+                  <a:srgbClr val="37474F"/>
+                </a:solidFill>
+                <a:effectLst/>
+                <a:latin typeface="D2Coding" panose="020B0609020101020101" pitchFamily="49" charset="-127"/>
+                <a:ea typeface="D2Coding" panose="020B0609020101020101" pitchFamily="49" charset="-127"/>
+              </a:rPr>
+              <a:t>result.isVerifyAppsEnabled</a:t>
+            </a:r>
+            <a:r>
+              <a:rPr kumimoji="0" lang="en-US" altLang="en-US" sz="1400" b="0" i="0" u="none" strike="noStrike" cap="none" normalizeH="0" baseline="0" dirty="0">
+                <a:ln>
+                  <a:noFill/>
+                </a:ln>
+                <a:solidFill>
+                  <a:srgbClr val="37474F"/>
+                </a:solidFill>
+                <a:effectLst/>
+                <a:latin typeface="D2Coding" panose="020B0609020101020101" pitchFamily="49" charset="-127"/>
+                <a:ea typeface="D2Coding" panose="020B0609020101020101" pitchFamily="49" charset="-127"/>
+              </a:rPr>
+              <a:t>()) {</a:t>
+            </a:r>
+            <a:br>
+              <a:rPr kumimoji="0" lang="en-US" altLang="en-US" sz="1400" b="0" i="0" u="none" strike="noStrike" cap="none" normalizeH="0" baseline="0" dirty="0">
+                <a:ln>
+                  <a:noFill/>
+                </a:ln>
+                <a:solidFill>
+                  <a:srgbClr val="37474F"/>
+                </a:solidFill>
+                <a:effectLst/>
+                <a:latin typeface="D2Coding" panose="020B0609020101020101" pitchFamily="49" charset="-127"/>
+                <a:ea typeface="D2Coding" panose="020B0609020101020101" pitchFamily="49" charset="-127"/>
+              </a:rPr>
+            </a:br>
+            <a:r>
+              <a:rPr kumimoji="0" lang="en-US" altLang="en-US" sz="1400" b="0" i="0" u="none" strike="noStrike" cap="none" normalizeH="0" baseline="0" dirty="0">
+                <a:ln>
+                  <a:noFill/>
+                </a:ln>
+                <a:solidFill>
+                  <a:srgbClr val="37474F"/>
+                </a:solidFill>
+                <a:effectLst/>
+                <a:latin typeface="D2Coding" panose="020B0609020101020101" pitchFamily="49" charset="-127"/>
+                <a:ea typeface="D2Coding" panose="020B0609020101020101" pitchFamily="49" charset="-127"/>
+              </a:rPr>
+              <a:t>                    </a:t>
+            </a:r>
+            <a:r>
+              <a:rPr kumimoji="0" lang="en-US" altLang="en-US" sz="1400" b="0" i="0" u="none" strike="noStrike" cap="none" normalizeH="0" baseline="0" dirty="0" err="1">
+                <a:ln>
+                  <a:noFill/>
+                </a:ln>
+                <a:solidFill>
+                  <a:srgbClr val="9C27B0"/>
+                </a:solidFill>
+                <a:effectLst/>
+                <a:latin typeface="D2Coding" panose="020B0609020101020101" pitchFamily="49" charset="-127"/>
+                <a:ea typeface="D2Coding" panose="020B0609020101020101" pitchFamily="49" charset="-127"/>
+              </a:rPr>
+              <a:t>Log</a:t>
+            </a:r>
+            <a:r>
+              <a:rPr kumimoji="0" lang="en-US" altLang="en-US" sz="1400" b="0" i="0" u="none" strike="noStrike" cap="none" normalizeH="0" baseline="0" dirty="0" err="1">
+                <a:ln>
+                  <a:noFill/>
+                </a:ln>
+                <a:solidFill>
+                  <a:srgbClr val="37474F"/>
+                </a:solidFill>
+                <a:effectLst/>
+                <a:latin typeface="D2Coding" panose="020B0609020101020101" pitchFamily="49" charset="-127"/>
+                <a:ea typeface="D2Coding" panose="020B0609020101020101" pitchFamily="49" charset="-127"/>
+              </a:rPr>
+              <a:t>.d</a:t>
+            </a:r>
+            <a:r>
+              <a:rPr kumimoji="0" lang="en-US" altLang="en-US" sz="1400" b="0" i="0" u="none" strike="noStrike" cap="none" normalizeH="0" baseline="0" dirty="0">
+                <a:ln>
+                  <a:noFill/>
+                </a:ln>
+                <a:solidFill>
+                  <a:srgbClr val="37474F"/>
+                </a:solidFill>
+                <a:effectLst/>
+                <a:latin typeface="D2Coding" panose="020B0609020101020101" pitchFamily="49" charset="-127"/>
+                <a:ea typeface="D2Coding" panose="020B0609020101020101" pitchFamily="49" charset="-127"/>
+              </a:rPr>
+              <a:t>(</a:t>
+            </a:r>
+            <a:r>
+              <a:rPr kumimoji="0" lang="en-US" altLang="en-US" sz="1400" b="0" i="0" u="none" strike="noStrike" cap="none" normalizeH="0" baseline="0" dirty="0">
+                <a:ln>
+                  <a:noFill/>
+                </a:ln>
+                <a:solidFill>
+                  <a:srgbClr val="0D904F"/>
+                </a:solidFill>
+                <a:effectLst/>
+                <a:latin typeface="D2Coding" panose="020B0609020101020101" pitchFamily="49" charset="-127"/>
+                <a:ea typeface="D2Coding" panose="020B0609020101020101" pitchFamily="49" charset="-127"/>
+              </a:rPr>
+              <a:t>"MY_APP_TAG"</a:t>
+            </a:r>
+            <a:r>
+              <a:rPr kumimoji="0" lang="en-US" altLang="en-US" sz="1400" b="0" i="0" u="none" strike="noStrike" cap="none" normalizeH="0" baseline="0" dirty="0">
+                <a:ln>
+                  <a:noFill/>
+                </a:ln>
+                <a:solidFill>
+                  <a:srgbClr val="37474F"/>
+                </a:solidFill>
+                <a:effectLst/>
+                <a:latin typeface="D2Coding" panose="020B0609020101020101" pitchFamily="49" charset="-127"/>
+                <a:ea typeface="D2Coding" panose="020B0609020101020101" pitchFamily="49" charset="-127"/>
+              </a:rPr>
+              <a:t>, </a:t>
+            </a:r>
+            <a:r>
+              <a:rPr kumimoji="0" lang="en-US" altLang="en-US" sz="1400" b="0" i="0" u="none" strike="noStrike" cap="none" normalizeH="0" baseline="0" dirty="0">
+                <a:ln>
+                  <a:noFill/>
+                </a:ln>
+                <a:solidFill>
+                  <a:srgbClr val="0D904F"/>
+                </a:solidFill>
+                <a:effectLst/>
+                <a:latin typeface="D2Coding" panose="020B0609020101020101" pitchFamily="49" charset="-127"/>
+                <a:ea typeface="D2Coding" panose="020B0609020101020101" pitchFamily="49" charset="-127"/>
+              </a:rPr>
+              <a:t>"The user gave consent "</a:t>
+            </a:r>
+            <a:r>
+              <a:rPr kumimoji="0" lang="en-US" altLang="en-US" sz="1400" b="0" i="0" u="none" strike="noStrike" cap="none" normalizeH="0" baseline="0" dirty="0">
+                <a:ln>
+                  <a:noFill/>
+                </a:ln>
+                <a:solidFill>
+                  <a:srgbClr val="37474F"/>
+                </a:solidFill>
+                <a:effectLst/>
+                <a:latin typeface="D2Coding" panose="020B0609020101020101" pitchFamily="49" charset="-127"/>
+                <a:ea typeface="D2Coding" panose="020B0609020101020101" pitchFamily="49" charset="-127"/>
+              </a:rPr>
+              <a:t> +</a:t>
+            </a:r>
+            <a:br>
+              <a:rPr kumimoji="0" lang="en-US" altLang="en-US" sz="1400" b="0" i="0" u="none" strike="noStrike" cap="none" normalizeH="0" baseline="0" dirty="0">
+                <a:ln>
+                  <a:noFill/>
+                </a:ln>
+                <a:solidFill>
+                  <a:srgbClr val="37474F"/>
+                </a:solidFill>
+                <a:effectLst/>
+                <a:latin typeface="D2Coding" panose="020B0609020101020101" pitchFamily="49" charset="-127"/>
+                <a:ea typeface="D2Coding" panose="020B0609020101020101" pitchFamily="49" charset="-127"/>
+              </a:rPr>
+            </a:br>
+            <a:r>
+              <a:rPr kumimoji="0" lang="en-US" altLang="en-US" sz="1400" b="0" i="0" u="none" strike="noStrike" cap="none" normalizeH="0" baseline="0" dirty="0">
+                <a:ln>
+                  <a:noFill/>
+                </a:ln>
+                <a:solidFill>
+                  <a:srgbClr val="37474F"/>
+                </a:solidFill>
+                <a:effectLst/>
+                <a:latin typeface="D2Coding" panose="020B0609020101020101" pitchFamily="49" charset="-127"/>
+                <a:ea typeface="D2Coding" panose="020B0609020101020101" pitchFamily="49" charset="-127"/>
+              </a:rPr>
+              <a:t>                          </a:t>
+            </a:r>
+            <a:r>
+              <a:rPr kumimoji="0" lang="en-US" altLang="en-US" sz="1400" b="0" i="0" u="none" strike="noStrike" cap="none" normalizeH="0" baseline="0" dirty="0">
+                <a:ln>
+                  <a:noFill/>
+                </a:ln>
+                <a:solidFill>
+                  <a:srgbClr val="0D904F"/>
+                </a:solidFill>
+                <a:effectLst/>
+                <a:latin typeface="D2Coding" panose="020B0609020101020101" pitchFamily="49" charset="-127"/>
+                <a:ea typeface="D2Coding" panose="020B0609020101020101" pitchFamily="49" charset="-127"/>
+              </a:rPr>
+              <a:t>"to enable the Verify Apps feature."</a:t>
+            </a:r>
+            <a:r>
+              <a:rPr kumimoji="0" lang="en-US" altLang="en-US" sz="1400" b="0" i="0" u="none" strike="noStrike" cap="none" normalizeH="0" baseline="0" dirty="0">
+                <a:ln>
+                  <a:noFill/>
+                </a:ln>
+                <a:solidFill>
+                  <a:srgbClr val="37474F"/>
+                </a:solidFill>
+                <a:effectLst/>
+                <a:latin typeface="D2Coding" panose="020B0609020101020101" pitchFamily="49" charset="-127"/>
+                <a:ea typeface="D2Coding" panose="020B0609020101020101" pitchFamily="49" charset="-127"/>
+              </a:rPr>
+              <a:t>);</a:t>
+            </a:r>
+            <a:br>
+              <a:rPr kumimoji="0" lang="en-US" altLang="en-US" sz="1400" b="0" i="0" u="none" strike="noStrike" cap="none" normalizeH="0" baseline="0" dirty="0">
+                <a:ln>
+                  <a:noFill/>
+                </a:ln>
+                <a:solidFill>
+                  <a:srgbClr val="37474F"/>
+                </a:solidFill>
+                <a:effectLst/>
+                <a:latin typeface="D2Coding" panose="020B0609020101020101" pitchFamily="49" charset="-127"/>
+                <a:ea typeface="D2Coding" panose="020B0609020101020101" pitchFamily="49" charset="-127"/>
+              </a:rPr>
+            </a:br>
+            <a:r>
+              <a:rPr kumimoji="0" lang="en-US" altLang="en-US" sz="1400" b="0" i="0" u="none" strike="noStrike" cap="none" normalizeH="0" baseline="0" dirty="0">
+                <a:ln>
+                  <a:noFill/>
+                </a:ln>
+                <a:solidFill>
+                  <a:srgbClr val="37474F"/>
+                </a:solidFill>
+                <a:effectLst/>
+                <a:latin typeface="D2Coding" panose="020B0609020101020101" pitchFamily="49" charset="-127"/>
+                <a:ea typeface="D2Coding" panose="020B0609020101020101" pitchFamily="49" charset="-127"/>
+              </a:rPr>
+              <a:t>                } </a:t>
+            </a:r>
+            <a:r>
+              <a:rPr kumimoji="0" lang="en-US" altLang="en-US" sz="1400" b="0" i="0" u="none" strike="noStrike" cap="none" normalizeH="0" baseline="0" dirty="0">
+                <a:ln>
+                  <a:noFill/>
+                </a:ln>
+                <a:solidFill>
+                  <a:srgbClr val="3B78E7"/>
+                </a:solidFill>
+                <a:effectLst/>
+                <a:latin typeface="D2Coding" panose="020B0609020101020101" pitchFamily="49" charset="-127"/>
+                <a:ea typeface="D2Coding" panose="020B0609020101020101" pitchFamily="49" charset="-127"/>
+              </a:rPr>
+              <a:t>else</a:t>
+            </a:r>
+            <a:r>
+              <a:rPr kumimoji="0" lang="en-US" altLang="en-US" sz="1400" b="0" i="0" u="none" strike="noStrike" cap="none" normalizeH="0" baseline="0" dirty="0">
+                <a:ln>
+                  <a:noFill/>
+                </a:ln>
+                <a:solidFill>
+                  <a:srgbClr val="37474F"/>
+                </a:solidFill>
+                <a:effectLst/>
+                <a:latin typeface="D2Coding" panose="020B0609020101020101" pitchFamily="49" charset="-127"/>
+                <a:ea typeface="D2Coding" panose="020B0609020101020101" pitchFamily="49" charset="-127"/>
+              </a:rPr>
+              <a:t> {</a:t>
+            </a:r>
+            <a:br>
+              <a:rPr kumimoji="0" lang="en-US" altLang="en-US" sz="1400" b="0" i="0" u="none" strike="noStrike" cap="none" normalizeH="0" baseline="0" dirty="0">
+                <a:ln>
+                  <a:noFill/>
+                </a:ln>
+                <a:solidFill>
+                  <a:srgbClr val="37474F"/>
+                </a:solidFill>
+                <a:effectLst/>
+                <a:latin typeface="D2Coding" panose="020B0609020101020101" pitchFamily="49" charset="-127"/>
+                <a:ea typeface="D2Coding" panose="020B0609020101020101" pitchFamily="49" charset="-127"/>
+              </a:rPr>
+            </a:br>
+            <a:r>
+              <a:rPr kumimoji="0" lang="en-US" altLang="en-US" sz="1400" b="0" i="0" u="none" strike="noStrike" cap="none" normalizeH="0" baseline="0" dirty="0">
+                <a:ln>
+                  <a:noFill/>
+                </a:ln>
+                <a:solidFill>
+                  <a:srgbClr val="37474F"/>
+                </a:solidFill>
+                <a:effectLst/>
+                <a:latin typeface="D2Coding" panose="020B0609020101020101" pitchFamily="49" charset="-127"/>
+                <a:ea typeface="D2Coding" panose="020B0609020101020101" pitchFamily="49" charset="-127"/>
+              </a:rPr>
+              <a:t>                    </a:t>
+            </a:r>
+            <a:r>
+              <a:rPr kumimoji="0" lang="en-US" altLang="en-US" sz="1400" b="0" i="0" u="none" strike="noStrike" cap="none" normalizeH="0" baseline="0" dirty="0" err="1">
+                <a:ln>
+                  <a:noFill/>
+                </a:ln>
+                <a:solidFill>
+                  <a:srgbClr val="9C27B0"/>
+                </a:solidFill>
+                <a:effectLst/>
+                <a:latin typeface="D2Coding" panose="020B0609020101020101" pitchFamily="49" charset="-127"/>
+                <a:ea typeface="D2Coding" panose="020B0609020101020101" pitchFamily="49" charset="-127"/>
+              </a:rPr>
+              <a:t>Log</a:t>
+            </a:r>
+            <a:r>
+              <a:rPr kumimoji="0" lang="en-US" altLang="en-US" sz="1400" b="0" i="0" u="none" strike="noStrike" cap="none" normalizeH="0" baseline="0" dirty="0" err="1">
+                <a:ln>
+                  <a:noFill/>
+                </a:ln>
+                <a:solidFill>
+                  <a:srgbClr val="37474F"/>
+                </a:solidFill>
+                <a:effectLst/>
+                <a:latin typeface="D2Coding" panose="020B0609020101020101" pitchFamily="49" charset="-127"/>
+                <a:ea typeface="D2Coding" panose="020B0609020101020101" pitchFamily="49" charset="-127"/>
+              </a:rPr>
+              <a:t>.d</a:t>
+            </a:r>
+            <a:r>
+              <a:rPr kumimoji="0" lang="en-US" altLang="en-US" sz="1400" b="0" i="0" u="none" strike="noStrike" cap="none" normalizeH="0" baseline="0" dirty="0">
+                <a:ln>
+                  <a:noFill/>
+                </a:ln>
+                <a:solidFill>
+                  <a:srgbClr val="37474F"/>
+                </a:solidFill>
+                <a:effectLst/>
+                <a:latin typeface="D2Coding" panose="020B0609020101020101" pitchFamily="49" charset="-127"/>
+                <a:ea typeface="D2Coding" panose="020B0609020101020101" pitchFamily="49" charset="-127"/>
+              </a:rPr>
+              <a:t>(</a:t>
+            </a:r>
+            <a:r>
+              <a:rPr kumimoji="0" lang="en-US" altLang="en-US" sz="1400" b="0" i="0" u="none" strike="noStrike" cap="none" normalizeH="0" baseline="0" dirty="0">
+                <a:ln>
+                  <a:noFill/>
+                </a:ln>
+                <a:solidFill>
+                  <a:srgbClr val="0D904F"/>
+                </a:solidFill>
+                <a:effectLst/>
+                <a:latin typeface="D2Coding" panose="020B0609020101020101" pitchFamily="49" charset="-127"/>
+                <a:ea typeface="D2Coding" panose="020B0609020101020101" pitchFamily="49" charset="-127"/>
+              </a:rPr>
+              <a:t>"MY_APP_TAG"</a:t>
+            </a:r>
+            <a:r>
+              <a:rPr kumimoji="0" lang="en-US" altLang="en-US" sz="1400" b="0" i="0" u="none" strike="noStrike" cap="none" normalizeH="0" baseline="0" dirty="0">
+                <a:ln>
+                  <a:noFill/>
+                </a:ln>
+                <a:solidFill>
+                  <a:srgbClr val="37474F"/>
+                </a:solidFill>
+                <a:effectLst/>
+                <a:latin typeface="D2Coding" panose="020B0609020101020101" pitchFamily="49" charset="-127"/>
+                <a:ea typeface="D2Coding" panose="020B0609020101020101" pitchFamily="49" charset="-127"/>
+              </a:rPr>
+              <a:t>, </a:t>
+            </a:r>
+            <a:r>
+              <a:rPr kumimoji="0" lang="en-US" altLang="en-US" sz="1400" b="0" i="0" u="none" strike="noStrike" cap="none" normalizeH="0" baseline="0" dirty="0">
+                <a:ln>
+                  <a:noFill/>
+                </a:ln>
+                <a:solidFill>
+                  <a:srgbClr val="0D904F"/>
+                </a:solidFill>
+                <a:effectLst/>
+                <a:latin typeface="D2Coding" panose="020B0609020101020101" pitchFamily="49" charset="-127"/>
+                <a:ea typeface="D2Coding" panose="020B0609020101020101" pitchFamily="49" charset="-127"/>
+              </a:rPr>
+              <a:t>"The user didn't give consent "</a:t>
+            </a:r>
+            <a:r>
+              <a:rPr kumimoji="0" lang="en-US" altLang="en-US" sz="1400" b="0" i="0" u="none" strike="noStrike" cap="none" normalizeH="0" baseline="0" dirty="0">
+                <a:ln>
+                  <a:noFill/>
+                </a:ln>
+                <a:solidFill>
+                  <a:srgbClr val="37474F"/>
+                </a:solidFill>
+                <a:effectLst/>
+                <a:latin typeface="D2Coding" panose="020B0609020101020101" pitchFamily="49" charset="-127"/>
+                <a:ea typeface="D2Coding" panose="020B0609020101020101" pitchFamily="49" charset="-127"/>
+              </a:rPr>
+              <a:t> +</a:t>
+            </a:r>
+            <a:br>
+              <a:rPr kumimoji="0" lang="en-US" altLang="en-US" sz="1400" b="0" i="0" u="none" strike="noStrike" cap="none" normalizeH="0" baseline="0" dirty="0">
+                <a:ln>
+                  <a:noFill/>
+                </a:ln>
+                <a:solidFill>
+                  <a:srgbClr val="37474F"/>
+                </a:solidFill>
+                <a:effectLst/>
+                <a:latin typeface="D2Coding" panose="020B0609020101020101" pitchFamily="49" charset="-127"/>
+                <a:ea typeface="D2Coding" panose="020B0609020101020101" pitchFamily="49" charset="-127"/>
+              </a:rPr>
+            </a:br>
+            <a:r>
+              <a:rPr kumimoji="0" lang="en-US" altLang="en-US" sz="1400" b="0" i="0" u="none" strike="noStrike" cap="none" normalizeH="0" baseline="0" dirty="0">
+                <a:ln>
+                  <a:noFill/>
+                </a:ln>
+                <a:solidFill>
+                  <a:srgbClr val="37474F"/>
+                </a:solidFill>
+                <a:effectLst/>
+                <a:latin typeface="D2Coding" panose="020B0609020101020101" pitchFamily="49" charset="-127"/>
+                <a:ea typeface="D2Coding" panose="020B0609020101020101" pitchFamily="49" charset="-127"/>
+              </a:rPr>
+              <a:t>                          </a:t>
+            </a:r>
+            <a:r>
+              <a:rPr kumimoji="0" lang="en-US" altLang="en-US" sz="1400" b="0" i="0" u="none" strike="noStrike" cap="none" normalizeH="0" baseline="0" dirty="0">
+                <a:ln>
+                  <a:noFill/>
+                </a:ln>
+                <a:solidFill>
+                  <a:srgbClr val="0D904F"/>
+                </a:solidFill>
+                <a:effectLst/>
+                <a:latin typeface="D2Coding" panose="020B0609020101020101" pitchFamily="49" charset="-127"/>
+                <a:ea typeface="D2Coding" panose="020B0609020101020101" pitchFamily="49" charset="-127"/>
+              </a:rPr>
+              <a:t>"to enable the Verify Apps feature."</a:t>
+            </a:r>
+            <a:r>
+              <a:rPr kumimoji="0" lang="en-US" altLang="en-US" sz="1400" b="0" i="0" u="none" strike="noStrike" cap="none" normalizeH="0" baseline="0" dirty="0">
+                <a:ln>
+                  <a:noFill/>
+                </a:ln>
+                <a:solidFill>
+                  <a:srgbClr val="37474F"/>
+                </a:solidFill>
+                <a:effectLst/>
+                <a:latin typeface="D2Coding" panose="020B0609020101020101" pitchFamily="49" charset="-127"/>
+                <a:ea typeface="D2Coding" panose="020B0609020101020101" pitchFamily="49" charset="-127"/>
+              </a:rPr>
+              <a:t>);</a:t>
+            </a:r>
+            <a:br>
+              <a:rPr kumimoji="0" lang="en-US" altLang="en-US" sz="1400" b="0" i="0" u="none" strike="noStrike" cap="none" normalizeH="0" baseline="0" dirty="0">
+                <a:ln>
+                  <a:noFill/>
+                </a:ln>
+                <a:solidFill>
+                  <a:srgbClr val="37474F"/>
+                </a:solidFill>
+                <a:effectLst/>
+                <a:latin typeface="D2Coding" panose="020B0609020101020101" pitchFamily="49" charset="-127"/>
+                <a:ea typeface="D2Coding" panose="020B0609020101020101" pitchFamily="49" charset="-127"/>
+              </a:rPr>
+            </a:br>
+            <a:r>
+              <a:rPr kumimoji="0" lang="en-US" altLang="en-US" sz="1400" b="0" i="0" u="none" strike="noStrike" cap="none" normalizeH="0" baseline="0" dirty="0">
+                <a:ln>
+                  <a:noFill/>
+                </a:ln>
+                <a:solidFill>
+                  <a:srgbClr val="37474F"/>
+                </a:solidFill>
+                <a:effectLst/>
+                <a:latin typeface="D2Coding" panose="020B0609020101020101" pitchFamily="49" charset="-127"/>
+                <a:ea typeface="D2Coding" panose="020B0609020101020101" pitchFamily="49" charset="-127"/>
+              </a:rPr>
+              <a:t>                }</a:t>
+            </a:r>
+            <a:br>
+              <a:rPr kumimoji="0" lang="en-US" altLang="en-US" sz="1400" b="0" i="0" u="none" strike="noStrike" cap="none" normalizeH="0" baseline="0" dirty="0">
+                <a:ln>
+                  <a:noFill/>
+                </a:ln>
+                <a:solidFill>
+                  <a:srgbClr val="37474F"/>
+                </a:solidFill>
+                <a:effectLst/>
+                <a:latin typeface="D2Coding" panose="020B0609020101020101" pitchFamily="49" charset="-127"/>
+                <a:ea typeface="D2Coding" panose="020B0609020101020101" pitchFamily="49" charset="-127"/>
+              </a:rPr>
+            </a:br>
+            <a:r>
+              <a:rPr kumimoji="0" lang="en-US" altLang="en-US" sz="1400" b="0" i="0" u="none" strike="noStrike" cap="none" normalizeH="0" baseline="0" dirty="0">
+                <a:ln>
+                  <a:noFill/>
+                </a:ln>
+                <a:solidFill>
+                  <a:srgbClr val="37474F"/>
+                </a:solidFill>
+                <a:effectLst/>
+                <a:latin typeface="D2Coding" panose="020B0609020101020101" pitchFamily="49" charset="-127"/>
+                <a:ea typeface="D2Coding" panose="020B0609020101020101" pitchFamily="49" charset="-127"/>
+              </a:rPr>
+              <a:t>            } </a:t>
+            </a:r>
+            <a:r>
+              <a:rPr kumimoji="0" lang="en-US" altLang="en-US" sz="1400" b="0" i="0" u="none" strike="noStrike" cap="none" normalizeH="0" baseline="0" dirty="0">
+                <a:ln>
+                  <a:noFill/>
+                </a:ln>
+                <a:solidFill>
+                  <a:srgbClr val="3B78E7"/>
+                </a:solidFill>
+                <a:effectLst/>
+                <a:latin typeface="D2Coding" panose="020B0609020101020101" pitchFamily="49" charset="-127"/>
+                <a:ea typeface="D2Coding" panose="020B0609020101020101" pitchFamily="49" charset="-127"/>
+              </a:rPr>
+              <a:t>else</a:t>
+            </a:r>
+            <a:r>
+              <a:rPr kumimoji="0" lang="en-US" altLang="en-US" sz="1400" b="0" i="0" u="none" strike="noStrike" cap="none" normalizeH="0" baseline="0" dirty="0">
+                <a:ln>
+                  <a:noFill/>
+                </a:ln>
+                <a:solidFill>
+                  <a:srgbClr val="37474F"/>
+                </a:solidFill>
+                <a:effectLst/>
+                <a:latin typeface="D2Coding" panose="020B0609020101020101" pitchFamily="49" charset="-127"/>
+                <a:ea typeface="D2Coding" panose="020B0609020101020101" pitchFamily="49" charset="-127"/>
+              </a:rPr>
+              <a:t> {</a:t>
+            </a:r>
+            <a:br>
+              <a:rPr kumimoji="0" lang="en-US" altLang="en-US" sz="1400" b="0" i="0" u="none" strike="noStrike" cap="none" normalizeH="0" baseline="0" dirty="0">
+                <a:ln>
+                  <a:noFill/>
+                </a:ln>
+                <a:solidFill>
+                  <a:srgbClr val="37474F"/>
+                </a:solidFill>
+                <a:effectLst/>
+                <a:latin typeface="D2Coding" panose="020B0609020101020101" pitchFamily="49" charset="-127"/>
+                <a:ea typeface="D2Coding" panose="020B0609020101020101" pitchFamily="49" charset="-127"/>
+              </a:rPr>
+            </a:br>
+            <a:r>
+              <a:rPr kumimoji="0" lang="en-US" altLang="en-US" sz="1400" b="0" i="0" u="none" strike="noStrike" cap="none" normalizeH="0" baseline="0" dirty="0">
+                <a:ln>
+                  <a:noFill/>
+                </a:ln>
+                <a:solidFill>
+                  <a:srgbClr val="37474F"/>
+                </a:solidFill>
+                <a:effectLst/>
+                <a:latin typeface="D2Coding" panose="020B0609020101020101" pitchFamily="49" charset="-127"/>
+                <a:ea typeface="D2Coding" panose="020B0609020101020101" pitchFamily="49" charset="-127"/>
+              </a:rPr>
+              <a:t>                </a:t>
+            </a:r>
+            <a:r>
+              <a:rPr kumimoji="0" lang="en-US" altLang="en-US" sz="1400" b="0" i="0" u="none" strike="noStrike" cap="none" normalizeH="0" baseline="0" dirty="0" err="1">
+                <a:ln>
+                  <a:noFill/>
+                </a:ln>
+                <a:solidFill>
+                  <a:srgbClr val="9C27B0"/>
+                </a:solidFill>
+                <a:effectLst/>
+                <a:latin typeface="D2Coding" panose="020B0609020101020101" pitchFamily="49" charset="-127"/>
+                <a:ea typeface="D2Coding" panose="020B0609020101020101" pitchFamily="49" charset="-127"/>
+              </a:rPr>
+              <a:t>Log</a:t>
+            </a:r>
+            <a:r>
+              <a:rPr kumimoji="0" lang="en-US" altLang="en-US" sz="1400" b="0" i="0" u="none" strike="noStrike" cap="none" normalizeH="0" baseline="0" dirty="0" err="1">
+                <a:ln>
+                  <a:noFill/>
+                </a:ln>
+                <a:solidFill>
+                  <a:srgbClr val="37474F"/>
+                </a:solidFill>
+                <a:effectLst/>
+                <a:latin typeface="D2Coding" panose="020B0609020101020101" pitchFamily="49" charset="-127"/>
+                <a:ea typeface="D2Coding" panose="020B0609020101020101" pitchFamily="49" charset="-127"/>
+              </a:rPr>
+              <a:t>.e</a:t>
+            </a:r>
+            <a:r>
+              <a:rPr kumimoji="0" lang="en-US" altLang="en-US" sz="1400" b="0" i="0" u="none" strike="noStrike" cap="none" normalizeH="0" baseline="0" dirty="0">
+                <a:ln>
+                  <a:noFill/>
+                </a:ln>
+                <a:solidFill>
+                  <a:srgbClr val="37474F"/>
+                </a:solidFill>
+                <a:effectLst/>
+                <a:latin typeface="D2Coding" panose="020B0609020101020101" pitchFamily="49" charset="-127"/>
+                <a:ea typeface="D2Coding" panose="020B0609020101020101" pitchFamily="49" charset="-127"/>
+              </a:rPr>
+              <a:t>(</a:t>
+            </a:r>
+            <a:r>
+              <a:rPr kumimoji="0" lang="en-US" altLang="en-US" sz="1400" b="0" i="0" u="none" strike="noStrike" cap="none" normalizeH="0" baseline="0" dirty="0">
+                <a:ln>
+                  <a:noFill/>
+                </a:ln>
+                <a:solidFill>
+                  <a:srgbClr val="0D904F"/>
+                </a:solidFill>
+                <a:effectLst/>
+                <a:latin typeface="D2Coding" panose="020B0609020101020101" pitchFamily="49" charset="-127"/>
+                <a:ea typeface="D2Coding" panose="020B0609020101020101" pitchFamily="49" charset="-127"/>
+              </a:rPr>
+              <a:t>"MY_APP_TAG"</a:t>
+            </a:r>
+            <a:r>
+              <a:rPr kumimoji="0" lang="en-US" altLang="en-US" sz="1400" b="0" i="0" u="none" strike="noStrike" cap="none" normalizeH="0" baseline="0" dirty="0">
+                <a:ln>
+                  <a:noFill/>
+                </a:ln>
+                <a:solidFill>
+                  <a:srgbClr val="37474F"/>
+                </a:solidFill>
+                <a:effectLst/>
+                <a:latin typeface="D2Coding" panose="020B0609020101020101" pitchFamily="49" charset="-127"/>
+                <a:ea typeface="D2Coding" panose="020B0609020101020101" pitchFamily="49" charset="-127"/>
+              </a:rPr>
+              <a:t>, </a:t>
+            </a:r>
+            <a:r>
+              <a:rPr kumimoji="0" lang="en-US" altLang="en-US" sz="1400" b="0" i="0" u="none" strike="noStrike" cap="none" normalizeH="0" baseline="0" dirty="0">
+                <a:ln>
+                  <a:noFill/>
+                </a:ln>
+                <a:solidFill>
+                  <a:srgbClr val="0D904F"/>
+                </a:solidFill>
+                <a:effectLst/>
+                <a:latin typeface="D2Coding" panose="020B0609020101020101" pitchFamily="49" charset="-127"/>
+                <a:ea typeface="D2Coding" panose="020B0609020101020101" pitchFamily="49" charset="-127"/>
+              </a:rPr>
+              <a:t>"A general error occurred."</a:t>
+            </a:r>
+            <a:r>
+              <a:rPr kumimoji="0" lang="en-US" altLang="en-US" sz="1400" b="0" i="0" u="none" strike="noStrike" cap="none" normalizeH="0" baseline="0" dirty="0">
+                <a:ln>
+                  <a:noFill/>
+                </a:ln>
+                <a:solidFill>
+                  <a:srgbClr val="37474F"/>
+                </a:solidFill>
+                <a:effectLst/>
+                <a:latin typeface="D2Coding" panose="020B0609020101020101" pitchFamily="49" charset="-127"/>
+                <a:ea typeface="D2Coding" panose="020B0609020101020101" pitchFamily="49" charset="-127"/>
+              </a:rPr>
+              <a:t>);</a:t>
+            </a:r>
+            <a:br>
+              <a:rPr kumimoji="0" lang="en-US" altLang="en-US" sz="1400" b="0" i="0" u="none" strike="noStrike" cap="none" normalizeH="0" baseline="0" dirty="0">
+                <a:ln>
+                  <a:noFill/>
+                </a:ln>
+                <a:solidFill>
+                  <a:srgbClr val="37474F"/>
+                </a:solidFill>
+                <a:effectLst/>
+                <a:latin typeface="D2Coding" panose="020B0609020101020101" pitchFamily="49" charset="-127"/>
+                <a:ea typeface="D2Coding" panose="020B0609020101020101" pitchFamily="49" charset="-127"/>
+              </a:rPr>
+            </a:br>
+            <a:r>
+              <a:rPr kumimoji="0" lang="en-US" altLang="en-US" sz="1400" b="0" i="0" u="none" strike="noStrike" cap="none" normalizeH="0" baseline="0" dirty="0">
+                <a:ln>
+                  <a:noFill/>
+                </a:ln>
+                <a:solidFill>
+                  <a:srgbClr val="37474F"/>
+                </a:solidFill>
+                <a:effectLst/>
+                <a:latin typeface="D2Coding" panose="020B0609020101020101" pitchFamily="49" charset="-127"/>
+                <a:ea typeface="D2Coding" panose="020B0609020101020101" pitchFamily="49" charset="-127"/>
+              </a:rPr>
+              <a:t>            }</a:t>
+            </a:r>
+            <a:br>
+              <a:rPr kumimoji="0" lang="en-US" altLang="en-US" sz="1400" b="0" i="0" u="none" strike="noStrike" cap="none" normalizeH="0" baseline="0" dirty="0">
+                <a:ln>
+                  <a:noFill/>
+                </a:ln>
+                <a:solidFill>
+                  <a:srgbClr val="37474F"/>
+                </a:solidFill>
+                <a:effectLst/>
+                <a:latin typeface="D2Coding" panose="020B0609020101020101" pitchFamily="49" charset="-127"/>
+                <a:ea typeface="D2Coding" panose="020B0609020101020101" pitchFamily="49" charset="-127"/>
+              </a:rPr>
+            </a:br>
+            <a:r>
+              <a:rPr kumimoji="0" lang="en-US" altLang="en-US" sz="1400" b="0" i="0" u="none" strike="noStrike" cap="none" normalizeH="0" baseline="0" dirty="0">
+                <a:ln>
+                  <a:noFill/>
+                </a:ln>
+                <a:solidFill>
+                  <a:srgbClr val="37474F"/>
+                </a:solidFill>
+                <a:effectLst/>
+                <a:latin typeface="D2Coding" panose="020B0609020101020101" pitchFamily="49" charset="-127"/>
+                <a:ea typeface="D2Coding" panose="020B0609020101020101" pitchFamily="49" charset="-127"/>
+              </a:rPr>
+              <a:t>        }</a:t>
+            </a:r>
+            <a:br>
+              <a:rPr kumimoji="0" lang="en-US" altLang="en-US" sz="1400" b="0" i="0" u="none" strike="noStrike" cap="none" normalizeH="0" baseline="0" dirty="0">
+                <a:ln>
+                  <a:noFill/>
+                </a:ln>
+                <a:solidFill>
+                  <a:srgbClr val="37474F"/>
+                </a:solidFill>
+                <a:effectLst/>
+                <a:latin typeface="D2Coding" panose="020B0609020101020101" pitchFamily="49" charset="-127"/>
+                <a:ea typeface="D2Coding" panose="020B0609020101020101" pitchFamily="49" charset="-127"/>
+              </a:rPr>
+            </a:br>
+            <a:r>
+              <a:rPr kumimoji="0" lang="en-US" altLang="en-US" sz="1400" b="0" i="0" u="none" strike="noStrike" cap="none" normalizeH="0" baseline="0" dirty="0">
+                <a:ln>
+                  <a:noFill/>
+                </a:ln>
+                <a:solidFill>
+                  <a:srgbClr val="37474F"/>
+                </a:solidFill>
+                <a:effectLst/>
+                <a:latin typeface="D2Coding" panose="020B0609020101020101" pitchFamily="49" charset="-127"/>
+                <a:ea typeface="D2Coding" panose="020B0609020101020101" pitchFamily="49" charset="-127"/>
+              </a:rPr>
+              <a:t>    });</a:t>
+            </a:r>
+            <a:r>
+              <a:rPr kumimoji="0" lang="en-US" altLang="en-US" sz="1400" b="0" i="0" u="none" strike="noStrike" cap="none" normalizeH="0" baseline="0" dirty="0">
+                <a:ln>
+                  <a:noFill/>
+                </a:ln>
+                <a:solidFill>
+                  <a:schemeClr val="tx1"/>
+                </a:solidFill>
+                <a:effectLst/>
+                <a:latin typeface="D2Coding" panose="020B0609020101020101" pitchFamily="49" charset="-127"/>
+                <a:ea typeface="D2Coding" panose="020B0609020101020101" pitchFamily="49" charset="-127"/>
+              </a:rPr>
+              <a:t> </a:t>
+            </a:r>
+          </a:p>
+        </p:txBody>
+      </p:sp>
+    </p:spTree>
+    <p:extLst>
+      <p:ext uri="{BB962C8B-B14F-4D97-AF65-F5344CB8AC3E}">
+        <p14:creationId xmlns:p14="http://schemas.microsoft.com/office/powerpoint/2010/main" val="2547387471"/>
+      </p:ext>
+    </p:extLst>
+  </p:cSld>
+  <p:clrMapOvr>
+    <a:masterClrMapping/>
+  </p:clrMapOvr>
+</p:sld>
+</file>
+
+<file path=ppt/slides/slide14.xml><?xml version="1.0" encoding="utf-8"?>
+<p:sld xmlns:a="http://schemas.openxmlformats.org/drawingml/2006/main" xmlns:r="http://schemas.openxmlformats.org/officeDocument/2006/relationships" xmlns:p="http://schemas.openxmlformats.org/presentationml/2006/main">
+  <p:cSld>
+    <p:spTree>
+      <p:nvGrpSpPr>
+        <p:cNvPr id="1" name=""/>
+        <p:cNvGrpSpPr/>
+        <p:nvPr/>
+      </p:nvGrpSpPr>
+      <p:grpSpPr>
+        <a:xfrm>
+          <a:off x="0" y="0"/>
+          <a:ext cx="0" cy="0"/>
+          <a:chOff x="0" y="0"/>
+          <a:chExt cx="0" cy="0"/>
+        </a:xfrm>
+      </p:grpSpPr>
+      <p:sp>
+        <p:nvSpPr>
+          <p:cNvPr id="5" name="제목 4">
+            <a:extLst>
+              <a:ext uri="{FF2B5EF4-FFF2-40B4-BE49-F238E27FC236}">
+                <a16:creationId xmlns:a16="http://schemas.microsoft.com/office/drawing/2014/main" id="{08FD3704-73DC-44F1-B687-7432A3C20875}"/>
+              </a:ext>
+            </a:extLst>
+          </p:cNvPr>
+          <p:cNvSpPr>
+            <a:spLocks noGrp="1"/>
+          </p:cNvSpPr>
+          <p:nvPr>
+            <p:ph type="title"/>
+          </p:nvPr>
+        </p:nvSpPr>
+        <p:spPr/>
+        <p:txBody>
+          <a:bodyPr/>
+          <a:lstStyle/>
+          <a:p>
+            <a:r>
+              <a:rPr lang="ko-KR" altLang="en-US" dirty="0"/>
+              <a:t>위험한 앱 목록 보기</a:t>
+            </a:r>
+            <a:endParaRPr lang="en-US" dirty="0"/>
+          </a:p>
+        </p:txBody>
+      </p:sp>
+      <p:sp>
+        <p:nvSpPr>
+          <p:cNvPr id="7" name="Rectangle 1">
+            <a:extLst>
+              <a:ext uri="{FF2B5EF4-FFF2-40B4-BE49-F238E27FC236}">
+                <a16:creationId xmlns:a16="http://schemas.microsoft.com/office/drawing/2014/main" id="{9DF61788-75E8-409B-956B-024E765605E4}"/>
+              </a:ext>
+            </a:extLst>
+          </p:cNvPr>
+          <p:cNvSpPr>
+            <a:spLocks noChangeArrowheads="1"/>
+          </p:cNvSpPr>
+          <p:nvPr/>
+        </p:nvSpPr>
+        <p:spPr bwMode="auto">
+          <a:xfrm>
+            <a:off x="1432560" y="1411969"/>
+            <a:ext cx="9784080" cy="5080906"/>
+          </a:xfrm>
+          <a:prstGeom prst="rect">
+            <a:avLst/>
+          </a:prstGeom>
+          <a:noFill/>
+          <a:ln>
+            <a:noFill/>
+          </a:ln>
+          <a:effectLst/>
+        </p:spPr>
+        <p:txBody>
+          <a:bodyPr vert="horz" wrap="square" lIns="-44436" tIns="-44436" rIns="-44436" bIns="-44436" numCol="1" anchor="ctr" anchorCtr="0" compatLnSpc="1">
+            <a:prstTxWarp prst="textNoShape">
+              <a:avLst/>
+            </a:prstTxWarp>
+            <a:spAutoFit/>
+          </a:bodyPr>
+          <a:lstStyle/>
+          <a:p>
+            <a:pPr marL="0" marR="0" lvl="0" indent="0" algn="l" defTabSz="914400" rtl="0" eaLnBrk="0" fontAlgn="base" latinLnBrk="0" hangingPunct="0">
+              <a:lnSpc>
+                <a:spcPct val="100000"/>
+              </a:lnSpc>
+              <a:spcBef>
+                <a:spcPct val="0"/>
+              </a:spcBef>
+              <a:spcAft>
+                <a:spcPct val="0"/>
+              </a:spcAft>
+              <a:buClrTx/>
+              <a:buSzTx/>
+              <a:buFontTx/>
+              <a:buNone/>
+              <a:tabLst/>
+            </a:pPr>
+            <a:r>
+              <a:rPr kumimoji="0" lang="en-US" altLang="en-US" sz="1400" b="0" i="0" u="none" strike="noStrike" cap="none" normalizeH="0" baseline="0" dirty="0" err="1">
+                <a:ln>
+                  <a:noFill/>
+                </a:ln>
+                <a:solidFill>
+                  <a:srgbClr val="9C27B0"/>
+                </a:solidFill>
+                <a:effectLst/>
+                <a:latin typeface="D2Coding" panose="020B0609020101020101" pitchFamily="49" charset="-127"/>
+                <a:ea typeface="D2Coding" panose="020B0609020101020101" pitchFamily="49" charset="-127"/>
+              </a:rPr>
+              <a:t>SafetyNet</a:t>
+            </a:r>
+            <a:r>
+              <a:rPr kumimoji="0" lang="en-US" altLang="en-US" sz="1400" b="0" i="0" u="none" strike="noStrike" cap="none" normalizeH="0" baseline="0" dirty="0" err="1">
+                <a:ln>
+                  <a:noFill/>
+                </a:ln>
+                <a:solidFill>
+                  <a:srgbClr val="37474F"/>
+                </a:solidFill>
+                <a:effectLst/>
+                <a:latin typeface="D2Coding" panose="020B0609020101020101" pitchFamily="49" charset="-127"/>
+                <a:ea typeface="D2Coding" panose="020B0609020101020101" pitchFamily="49" charset="-127"/>
+              </a:rPr>
+              <a:t>.getClient</a:t>
+            </a:r>
+            <a:r>
+              <a:rPr kumimoji="0" lang="en-US" altLang="en-US" sz="1400" b="0" i="0" u="none" strike="noStrike" cap="none" normalizeH="0" baseline="0" dirty="0">
+                <a:ln>
+                  <a:noFill/>
+                </a:ln>
+                <a:solidFill>
+                  <a:srgbClr val="37474F"/>
+                </a:solidFill>
+                <a:effectLst/>
+                <a:latin typeface="D2Coding" panose="020B0609020101020101" pitchFamily="49" charset="-127"/>
+                <a:ea typeface="D2Coding" panose="020B0609020101020101" pitchFamily="49" charset="-127"/>
+              </a:rPr>
+              <a:t>(</a:t>
+            </a:r>
+            <a:r>
+              <a:rPr kumimoji="0" lang="en-US" altLang="en-US" sz="1400" b="0" i="0" u="none" strike="noStrike" cap="none" normalizeH="0" baseline="0" dirty="0">
+                <a:ln>
+                  <a:noFill/>
+                </a:ln>
+                <a:solidFill>
+                  <a:srgbClr val="3B78E7"/>
+                </a:solidFill>
+                <a:effectLst/>
+                <a:latin typeface="D2Coding" panose="020B0609020101020101" pitchFamily="49" charset="-127"/>
+                <a:ea typeface="D2Coding" panose="020B0609020101020101" pitchFamily="49" charset="-127"/>
+              </a:rPr>
+              <a:t>this</a:t>
+            </a:r>
+            <a:r>
+              <a:rPr kumimoji="0" lang="en-US" altLang="en-US" sz="1400" b="0" i="0" u="none" strike="noStrike" cap="none" normalizeH="0" baseline="0" dirty="0">
+                <a:ln>
+                  <a:noFill/>
+                </a:ln>
+                <a:solidFill>
+                  <a:srgbClr val="37474F"/>
+                </a:solidFill>
+                <a:effectLst/>
+                <a:latin typeface="D2Coding" panose="020B0609020101020101" pitchFamily="49" charset="-127"/>
+                <a:ea typeface="D2Coding" panose="020B0609020101020101" pitchFamily="49" charset="-127"/>
+              </a:rPr>
+              <a:t>)</a:t>
+            </a:r>
+            <a:br>
+              <a:rPr kumimoji="0" lang="en-US" altLang="en-US" sz="1400" b="0" i="0" u="none" strike="noStrike" cap="none" normalizeH="0" baseline="0" dirty="0">
+                <a:ln>
+                  <a:noFill/>
+                </a:ln>
+                <a:solidFill>
+                  <a:srgbClr val="37474F"/>
+                </a:solidFill>
+                <a:effectLst/>
+                <a:latin typeface="D2Coding" panose="020B0609020101020101" pitchFamily="49" charset="-127"/>
+                <a:ea typeface="D2Coding" panose="020B0609020101020101" pitchFamily="49" charset="-127"/>
+              </a:rPr>
+            </a:br>
+            <a:r>
+              <a:rPr kumimoji="0" lang="en-US" altLang="en-US" sz="1400" b="0" i="0" u="none" strike="noStrike" cap="none" normalizeH="0" baseline="0" dirty="0">
+                <a:ln>
+                  <a:noFill/>
+                </a:ln>
+                <a:solidFill>
+                  <a:srgbClr val="37474F"/>
+                </a:solidFill>
+                <a:effectLst/>
+                <a:latin typeface="D2Coding" panose="020B0609020101020101" pitchFamily="49" charset="-127"/>
+                <a:ea typeface="D2Coding" panose="020B0609020101020101" pitchFamily="49" charset="-127"/>
+              </a:rPr>
+              <a:t>    .</a:t>
+            </a:r>
+            <a:r>
+              <a:rPr kumimoji="0" lang="en-US" altLang="en-US" sz="1400" b="0" i="0" u="none" strike="noStrike" cap="none" normalizeH="0" baseline="0" dirty="0" err="1">
+                <a:ln>
+                  <a:noFill/>
+                </a:ln>
+                <a:solidFill>
+                  <a:srgbClr val="37474F"/>
+                </a:solidFill>
+                <a:effectLst/>
+                <a:latin typeface="D2Coding" panose="020B0609020101020101" pitchFamily="49" charset="-127"/>
+                <a:ea typeface="D2Coding" panose="020B0609020101020101" pitchFamily="49" charset="-127"/>
+              </a:rPr>
+              <a:t>listHarmfulApps</a:t>
+            </a:r>
+            <a:r>
+              <a:rPr kumimoji="0" lang="en-US" altLang="en-US" sz="1400" b="0" i="0" u="none" strike="noStrike" cap="none" normalizeH="0" baseline="0" dirty="0">
+                <a:ln>
+                  <a:noFill/>
+                </a:ln>
+                <a:solidFill>
+                  <a:srgbClr val="37474F"/>
+                </a:solidFill>
+                <a:effectLst/>
+                <a:latin typeface="D2Coding" panose="020B0609020101020101" pitchFamily="49" charset="-127"/>
+                <a:ea typeface="D2Coding" panose="020B0609020101020101" pitchFamily="49" charset="-127"/>
+              </a:rPr>
+              <a:t>()</a:t>
+            </a:r>
+            <a:br>
+              <a:rPr kumimoji="0" lang="en-US" altLang="en-US" sz="1400" b="0" i="0" u="none" strike="noStrike" cap="none" normalizeH="0" baseline="0" dirty="0">
+                <a:ln>
+                  <a:noFill/>
+                </a:ln>
+                <a:solidFill>
+                  <a:srgbClr val="37474F"/>
+                </a:solidFill>
+                <a:effectLst/>
+                <a:latin typeface="D2Coding" panose="020B0609020101020101" pitchFamily="49" charset="-127"/>
+                <a:ea typeface="D2Coding" panose="020B0609020101020101" pitchFamily="49" charset="-127"/>
+              </a:rPr>
+            </a:br>
+            <a:r>
+              <a:rPr kumimoji="0" lang="en-US" altLang="en-US" sz="1400" b="0" i="0" u="none" strike="noStrike" cap="none" normalizeH="0" baseline="0" dirty="0">
+                <a:ln>
+                  <a:noFill/>
+                </a:ln>
+                <a:solidFill>
+                  <a:srgbClr val="37474F"/>
+                </a:solidFill>
+                <a:effectLst/>
+                <a:latin typeface="D2Coding" panose="020B0609020101020101" pitchFamily="49" charset="-127"/>
+                <a:ea typeface="D2Coding" panose="020B0609020101020101" pitchFamily="49" charset="-127"/>
+              </a:rPr>
+              <a:t>    .</a:t>
+            </a:r>
+            <a:r>
+              <a:rPr kumimoji="0" lang="en-US" altLang="en-US" sz="1400" b="0" i="0" u="none" strike="noStrike" cap="none" normalizeH="0" baseline="0" dirty="0" err="1">
+                <a:ln>
+                  <a:noFill/>
+                </a:ln>
+                <a:solidFill>
+                  <a:srgbClr val="37474F"/>
+                </a:solidFill>
+                <a:effectLst/>
+                <a:latin typeface="D2Coding" panose="020B0609020101020101" pitchFamily="49" charset="-127"/>
+                <a:ea typeface="D2Coding" panose="020B0609020101020101" pitchFamily="49" charset="-127"/>
+              </a:rPr>
+              <a:t>addOnCompleteListener</a:t>
+            </a:r>
+            <a:r>
+              <a:rPr kumimoji="0" lang="en-US" altLang="en-US" sz="1400" b="0" i="0" u="none" strike="noStrike" cap="none" normalizeH="0" baseline="0" dirty="0">
+                <a:ln>
+                  <a:noFill/>
+                </a:ln>
+                <a:solidFill>
+                  <a:srgbClr val="37474F"/>
+                </a:solidFill>
+                <a:effectLst/>
+                <a:latin typeface="D2Coding" panose="020B0609020101020101" pitchFamily="49" charset="-127"/>
+                <a:ea typeface="D2Coding" panose="020B0609020101020101" pitchFamily="49" charset="-127"/>
+              </a:rPr>
+              <a:t>(</a:t>
+            </a:r>
+            <a:r>
+              <a:rPr kumimoji="0" lang="en-US" altLang="en-US" sz="1400" b="0" i="0" u="none" strike="noStrike" cap="none" normalizeH="0" baseline="0" dirty="0">
+                <a:ln>
+                  <a:noFill/>
+                </a:ln>
+                <a:solidFill>
+                  <a:srgbClr val="3B78E7"/>
+                </a:solidFill>
+                <a:effectLst/>
+                <a:latin typeface="D2Coding" panose="020B0609020101020101" pitchFamily="49" charset="-127"/>
+                <a:ea typeface="D2Coding" panose="020B0609020101020101" pitchFamily="49" charset="-127"/>
+              </a:rPr>
+              <a:t>new</a:t>
+            </a:r>
+            <a:r>
+              <a:rPr kumimoji="0" lang="en-US" altLang="en-US" sz="1400" b="0" i="0" u="none" strike="noStrike" cap="none" normalizeH="0" baseline="0" dirty="0">
+                <a:ln>
+                  <a:noFill/>
+                </a:ln>
+                <a:solidFill>
+                  <a:srgbClr val="37474F"/>
+                </a:solidFill>
+                <a:effectLst/>
+                <a:latin typeface="D2Coding" panose="020B0609020101020101" pitchFamily="49" charset="-127"/>
+                <a:ea typeface="D2Coding" panose="020B0609020101020101" pitchFamily="49" charset="-127"/>
+              </a:rPr>
+              <a:t> </a:t>
+            </a:r>
+            <a:r>
+              <a:rPr kumimoji="0" lang="en-US" altLang="en-US" sz="1400" b="0" i="0" u="none" strike="noStrike" cap="none" normalizeH="0" baseline="0" dirty="0" err="1">
+                <a:ln>
+                  <a:noFill/>
+                </a:ln>
+                <a:solidFill>
+                  <a:srgbClr val="9C27B0"/>
+                </a:solidFill>
+                <a:effectLst/>
+                <a:latin typeface="D2Coding" panose="020B0609020101020101" pitchFamily="49" charset="-127"/>
+                <a:ea typeface="D2Coding" panose="020B0609020101020101" pitchFamily="49" charset="-127"/>
+              </a:rPr>
+              <a:t>OnCompleteListener</a:t>
+            </a:r>
+            <a:r>
+              <a:rPr kumimoji="0" lang="en-US" altLang="en-US" sz="1400" b="0" i="0" u="none" strike="noStrike" cap="none" normalizeH="0" baseline="0" dirty="0">
+                <a:ln>
+                  <a:noFill/>
+                </a:ln>
+                <a:solidFill>
+                  <a:srgbClr val="37474F"/>
+                </a:solidFill>
+                <a:effectLst/>
+                <a:latin typeface="D2Coding" panose="020B0609020101020101" pitchFamily="49" charset="-127"/>
+                <a:ea typeface="D2Coding" panose="020B0609020101020101" pitchFamily="49" charset="-127"/>
+              </a:rPr>
+              <a:t>&lt;</a:t>
+            </a:r>
+            <a:r>
+              <a:rPr kumimoji="0" lang="en-US" altLang="en-US" sz="1400" b="0" i="0" u="none" strike="noStrike" cap="none" normalizeH="0" baseline="0" dirty="0" err="1">
+                <a:ln>
+                  <a:noFill/>
+                </a:ln>
+                <a:solidFill>
+                  <a:srgbClr val="9C27B0"/>
+                </a:solidFill>
+                <a:effectLst/>
+                <a:latin typeface="D2Coding" panose="020B0609020101020101" pitchFamily="49" charset="-127"/>
+                <a:ea typeface="D2Coding" panose="020B0609020101020101" pitchFamily="49" charset="-127"/>
+              </a:rPr>
+              <a:t>HarmfulAppsResponse</a:t>
+            </a:r>
+            <a:r>
+              <a:rPr kumimoji="0" lang="en-US" altLang="en-US" sz="1400" b="0" i="0" u="none" strike="noStrike" cap="none" normalizeH="0" baseline="0" dirty="0">
+                <a:ln>
+                  <a:noFill/>
+                </a:ln>
+                <a:solidFill>
+                  <a:srgbClr val="37474F"/>
+                </a:solidFill>
+                <a:effectLst/>
+                <a:latin typeface="D2Coding" panose="020B0609020101020101" pitchFamily="49" charset="-127"/>
+                <a:ea typeface="D2Coding" panose="020B0609020101020101" pitchFamily="49" charset="-127"/>
+              </a:rPr>
+              <a:t>&gt;() {</a:t>
+            </a:r>
+            <a:br>
+              <a:rPr kumimoji="0" lang="en-US" altLang="en-US" sz="1400" b="0" i="0" u="none" strike="noStrike" cap="none" normalizeH="0" baseline="0" dirty="0">
+                <a:ln>
+                  <a:noFill/>
+                </a:ln>
+                <a:solidFill>
+                  <a:srgbClr val="37474F"/>
+                </a:solidFill>
+                <a:effectLst/>
+                <a:latin typeface="D2Coding" panose="020B0609020101020101" pitchFamily="49" charset="-127"/>
+                <a:ea typeface="D2Coding" panose="020B0609020101020101" pitchFamily="49" charset="-127"/>
+              </a:rPr>
+            </a:br>
+            <a:r>
+              <a:rPr kumimoji="0" lang="en-US" altLang="en-US" sz="1400" b="0" i="0" u="none" strike="noStrike" cap="none" normalizeH="0" baseline="0" dirty="0">
+                <a:ln>
+                  <a:noFill/>
+                </a:ln>
+                <a:solidFill>
+                  <a:srgbClr val="37474F"/>
+                </a:solidFill>
+                <a:effectLst/>
+                <a:latin typeface="D2Coding" panose="020B0609020101020101" pitchFamily="49" charset="-127"/>
+                <a:ea typeface="D2Coding" panose="020B0609020101020101" pitchFamily="49" charset="-127"/>
+              </a:rPr>
+              <a:t>        </a:t>
+            </a:r>
+            <a:r>
+              <a:rPr kumimoji="0" lang="en-US" altLang="en-US" sz="1400" b="0" i="0" u="none" strike="noStrike" cap="none" normalizeH="0" baseline="0" dirty="0">
+                <a:ln>
+                  <a:noFill/>
+                </a:ln>
+                <a:solidFill>
+                  <a:srgbClr val="C53929"/>
+                </a:solidFill>
+                <a:effectLst/>
+                <a:latin typeface="D2Coding" panose="020B0609020101020101" pitchFamily="49" charset="-127"/>
+                <a:ea typeface="D2Coding" panose="020B0609020101020101" pitchFamily="49" charset="-127"/>
+              </a:rPr>
+              <a:t>@Override</a:t>
+            </a:r>
+            <a:br>
+              <a:rPr kumimoji="0" lang="en-US" altLang="en-US" sz="1400" b="0" i="0" u="none" strike="noStrike" cap="none" normalizeH="0" baseline="0" dirty="0">
+                <a:ln>
+                  <a:noFill/>
+                </a:ln>
+                <a:solidFill>
+                  <a:srgbClr val="37474F"/>
+                </a:solidFill>
+                <a:effectLst/>
+                <a:latin typeface="D2Coding" panose="020B0609020101020101" pitchFamily="49" charset="-127"/>
+                <a:ea typeface="D2Coding" panose="020B0609020101020101" pitchFamily="49" charset="-127"/>
+              </a:rPr>
+            </a:br>
+            <a:r>
+              <a:rPr kumimoji="0" lang="en-US" altLang="en-US" sz="1400" b="0" i="0" u="none" strike="noStrike" cap="none" normalizeH="0" baseline="0" dirty="0">
+                <a:ln>
+                  <a:noFill/>
+                </a:ln>
+                <a:solidFill>
+                  <a:srgbClr val="37474F"/>
+                </a:solidFill>
+                <a:effectLst/>
+                <a:latin typeface="D2Coding" panose="020B0609020101020101" pitchFamily="49" charset="-127"/>
+                <a:ea typeface="D2Coding" panose="020B0609020101020101" pitchFamily="49" charset="-127"/>
+              </a:rPr>
+              <a:t>        </a:t>
+            </a:r>
+            <a:r>
+              <a:rPr kumimoji="0" lang="en-US" altLang="en-US" sz="1400" b="0" i="0" u="none" strike="noStrike" cap="none" normalizeH="0" baseline="0" dirty="0">
+                <a:ln>
+                  <a:noFill/>
+                </a:ln>
+                <a:solidFill>
+                  <a:srgbClr val="3B78E7"/>
+                </a:solidFill>
+                <a:effectLst/>
+                <a:latin typeface="D2Coding" panose="020B0609020101020101" pitchFamily="49" charset="-127"/>
+                <a:ea typeface="D2Coding" panose="020B0609020101020101" pitchFamily="49" charset="-127"/>
+              </a:rPr>
+              <a:t>public</a:t>
+            </a:r>
+            <a:r>
+              <a:rPr kumimoji="0" lang="en-US" altLang="en-US" sz="1400" b="0" i="0" u="none" strike="noStrike" cap="none" normalizeH="0" baseline="0" dirty="0">
+                <a:ln>
+                  <a:noFill/>
+                </a:ln>
+                <a:solidFill>
+                  <a:srgbClr val="37474F"/>
+                </a:solidFill>
+                <a:effectLst/>
+                <a:latin typeface="D2Coding" panose="020B0609020101020101" pitchFamily="49" charset="-127"/>
+                <a:ea typeface="D2Coding" panose="020B0609020101020101" pitchFamily="49" charset="-127"/>
+              </a:rPr>
+              <a:t> </a:t>
+            </a:r>
+            <a:r>
+              <a:rPr kumimoji="0" lang="en-US" altLang="en-US" sz="1400" b="0" i="0" u="none" strike="noStrike" cap="none" normalizeH="0" baseline="0" dirty="0">
+                <a:ln>
+                  <a:noFill/>
+                </a:ln>
+                <a:solidFill>
+                  <a:srgbClr val="3B78E7"/>
+                </a:solidFill>
+                <a:effectLst/>
+                <a:latin typeface="D2Coding" panose="020B0609020101020101" pitchFamily="49" charset="-127"/>
+                <a:ea typeface="D2Coding" panose="020B0609020101020101" pitchFamily="49" charset="-127"/>
+              </a:rPr>
+              <a:t>void</a:t>
+            </a:r>
+            <a:r>
+              <a:rPr kumimoji="0" lang="en-US" altLang="en-US" sz="1400" b="0" i="0" u="none" strike="noStrike" cap="none" normalizeH="0" baseline="0" dirty="0">
+                <a:ln>
+                  <a:noFill/>
+                </a:ln>
+                <a:solidFill>
+                  <a:srgbClr val="37474F"/>
+                </a:solidFill>
+                <a:effectLst/>
+                <a:latin typeface="D2Coding" panose="020B0609020101020101" pitchFamily="49" charset="-127"/>
+                <a:ea typeface="D2Coding" panose="020B0609020101020101" pitchFamily="49" charset="-127"/>
+              </a:rPr>
+              <a:t> </a:t>
+            </a:r>
+            <a:r>
+              <a:rPr kumimoji="0" lang="en-US" altLang="en-US" sz="1400" b="0" i="0" u="none" strike="noStrike" cap="none" normalizeH="0" baseline="0" dirty="0" err="1">
+                <a:ln>
+                  <a:noFill/>
+                </a:ln>
+                <a:solidFill>
+                  <a:srgbClr val="37474F"/>
+                </a:solidFill>
+                <a:effectLst/>
+                <a:latin typeface="D2Coding" panose="020B0609020101020101" pitchFamily="49" charset="-127"/>
+                <a:ea typeface="D2Coding" panose="020B0609020101020101" pitchFamily="49" charset="-127"/>
+              </a:rPr>
+              <a:t>onComplete</a:t>
+            </a:r>
+            <a:r>
+              <a:rPr kumimoji="0" lang="en-US" altLang="en-US" sz="1400" b="0" i="0" u="none" strike="noStrike" cap="none" normalizeH="0" baseline="0" dirty="0">
+                <a:ln>
+                  <a:noFill/>
+                </a:ln>
+                <a:solidFill>
+                  <a:srgbClr val="37474F"/>
+                </a:solidFill>
+                <a:effectLst/>
+                <a:latin typeface="D2Coding" panose="020B0609020101020101" pitchFamily="49" charset="-127"/>
+                <a:ea typeface="D2Coding" panose="020B0609020101020101" pitchFamily="49" charset="-127"/>
+              </a:rPr>
+              <a:t>(</a:t>
+            </a:r>
+            <a:r>
+              <a:rPr kumimoji="0" lang="en-US" altLang="en-US" sz="1400" b="0" i="0" u="none" strike="noStrike" cap="none" normalizeH="0" baseline="0" dirty="0">
+                <a:ln>
+                  <a:noFill/>
+                </a:ln>
+                <a:solidFill>
+                  <a:srgbClr val="9C27B0"/>
+                </a:solidFill>
+                <a:effectLst/>
+                <a:latin typeface="D2Coding" panose="020B0609020101020101" pitchFamily="49" charset="-127"/>
+                <a:ea typeface="D2Coding" panose="020B0609020101020101" pitchFamily="49" charset="-127"/>
+              </a:rPr>
+              <a:t>Task</a:t>
+            </a:r>
+            <a:r>
+              <a:rPr kumimoji="0" lang="en-US" altLang="en-US" sz="1400" b="0" i="0" u="none" strike="noStrike" cap="none" normalizeH="0" baseline="0" dirty="0">
+                <a:ln>
+                  <a:noFill/>
+                </a:ln>
+                <a:solidFill>
+                  <a:srgbClr val="37474F"/>
+                </a:solidFill>
+                <a:effectLst/>
+                <a:latin typeface="D2Coding" panose="020B0609020101020101" pitchFamily="49" charset="-127"/>
+                <a:ea typeface="D2Coding" panose="020B0609020101020101" pitchFamily="49" charset="-127"/>
+              </a:rPr>
+              <a:t>&lt;</a:t>
+            </a:r>
+            <a:r>
+              <a:rPr kumimoji="0" lang="en-US" altLang="en-US" sz="1400" b="0" i="0" u="none" strike="noStrike" cap="none" normalizeH="0" baseline="0" dirty="0" err="1">
+                <a:ln>
+                  <a:noFill/>
+                </a:ln>
+                <a:solidFill>
+                  <a:srgbClr val="9C27B0"/>
+                </a:solidFill>
+                <a:effectLst/>
+                <a:latin typeface="D2Coding" panose="020B0609020101020101" pitchFamily="49" charset="-127"/>
+                <a:ea typeface="D2Coding" panose="020B0609020101020101" pitchFamily="49" charset="-127"/>
+              </a:rPr>
+              <a:t>HarmfulAppsResponse</a:t>
+            </a:r>
+            <a:r>
+              <a:rPr kumimoji="0" lang="en-US" altLang="en-US" sz="1400" b="0" i="0" u="none" strike="noStrike" cap="none" normalizeH="0" baseline="0" dirty="0">
+                <a:ln>
+                  <a:noFill/>
+                </a:ln>
+                <a:solidFill>
+                  <a:srgbClr val="37474F"/>
+                </a:solidFill>
+                <a:effectLst/>
+                <a:latin typeface="D2Coding" panose="020B0609020101020101" pitchFamily="49" charset="-127"/>
+                <a:ea typeface="D2Coding" panose="020B0609020101020101" pitchFamily="49" charset="-127"/>
+              </a:rPr>
+              <a:t>&gt; task) {</a:t>
+            </a:r>
+            <a:br>
+              <a:rPr kumimoji="0" lang="en-US" altLang="en-US" sz="1400" b="0" i="0" u="none" strike="noStrike" cap="none" normalizeH="0" baseline="0" dirty="0">
+                <a:ln>
+                  <a:noFill/>
+                </a:ln>
+                <a:solidFill>
+                  <a:srgbClr val="37474F"/>
+                </a:solidFill>
+                <a:effectLst/>
+                <a:latin typeface="D2Coding" panose="020B0609020101020101" pitchFamily="49" charset="-127"/>
+                <a:ea typeface="D2Coding" panose="020B0609020101020101" pitchFamily="49" charset="-127"/>
+              </a:rPr>
+            </a:br>
+            <a:r>
+              <a:rPr kumimoji="0" lang="en-US" altLang="en-US" sz="1400" b="0" i="0" u="none" strike="noStrike" cap="none" normalizeH="0" baseline="0" dirty="0">
+                <a:ln>
+                  <a:noFill/>
+                </a:ln>
+                <a:solidFill>
+                  <a:srgbClr val="37474F"/>
+                </a:solidFill>
+                <a:effectLst/>
+                <a:latin typeface="D2Coding" panose="020B0609020101020101" pitchFamily="49" charset="-127"/>
+                <a:ea typeface="D2Coding" panose="020B0609020101020101" pitchFamily="49" charset="-127"/>
+              </a:rPr>
+              <a:t>            </a:t>
+            </a:r>
+            <a:r>
+              <a:rPr kumimoji="0" lang="en-US" altLang="en-US" sz="1400" b="0" i="0" u="none" strike="noStrike" cap="none" normalizeH="0" baseline="0" dirty="0">
+                <a:ln>
+                  <a:noFill/>
+                </a:ln>
+                <a:solidFill>
+                  <a:srgbClr val="3B78E7"/>
+                </a:solidFill>
+                <a:effectLst/>
+                <a:latin typeface="D2Coding" panose="020B0609020101020101" pitchFamily="49" charset="-127"/>
+                <a:ea typeface="D2Coding" panose="020B0609020101020101" pitchFamily="49" charset="-127"/>
+              </a:rPr>
+              <a:t>if</a:t>
+            </a:r>
+            <a:r>
+              <a:rPr kumimoji="0" lang="en-US" altLang="en-US" sz="1400" b="0" i="0" u="none" strike="noStrike" cap="none" normalizeH="0" baseline="0" dirty="0">
+                <a:ln>
+                  <a:noFill/>
+                </a:ln>
+                <a:solidFill>
+                  <a:srgbClr val="37474F"/>
+                </a:solidFill>
+                <a:effectLst/>
+                <a:latin typeface="D2Coding" panose="020B0609020101020101" pitchFamily="49" charset="-127"/>
+                <a:ea typeface="D2Coding" panose="020B0609020101020101" pitchFamily="49" charset="-127"/>
+              </a:rPr>
+              <a:t> (</a:t>
+            </a:r>
+            <a:r>
+              <a:rPr kumimoji="0" lang="en-US" altLang="en-US" sz="1400" b="0" i="0" u="none" strike="noStrike" cap="none" normalizeH="0" baseline="0" dirty="0" err="1">
+                <a:ln>
+                  <a:noFill/>
+                </a:ln>
+                <a:solidFill>
+                  <a:srgbClr val="37474F"/>
+                </a:solidFill>
+                <a:effectLst/>
+                <a:latin typeface="D2Coding" panose="020B0609020101020101" pitchFamily="49" charset="-127"/>
+                <a:ea typeface="D2Coding" panose="020B0609020101020101" pitchFamily="49" charset="-127"/>
+              </a:rPr>
+              <a:t>task.isSuccessful</a:t>
+            </a:r>
+            <a:r>
+              <a:rPr kumimoji="0" lang="en-US" altLang="en-US" sz="1400" b="0" i="0" u="none" strike="noStrike" cap="none" normalizeH="0" baseline="0" dirty="0">
+                <a:ln>
+                  <a:noFill/>
+                </a:ln>
+                <a:solidFill>
+                  <a:srgbClr val="37474F"/>
+                </a:solidFill>
+                <a:effectLst/>
+                <a:latin typeface="D2Coding" panose="020B0609020101020101" pitchFamily="49" charset="-127"/>
+                <a:ea typeface="D2Coding" panose="020B0609020101020101" pitchFamily="49" charset="-127"/>
+              </a:rPr>
+              <a:t>()) {</a:t>
+            </a:r>
+            <a:br>
+              <a:rPr kumimoji="0" lang="en-US" altLang="en-US" sz="1400" b="0" i="0" u="none" strike="noStrike" cap="none" normalizeH="0" baseline="0" dirty="0">
+                <a:ln>
+                  <a:noFill/>
+                </a:ln>
+                <a:solidFill>
+                  <a:srgbClr val="37474F"/>
+                </a:solidFill>
+                <a:effectLst/>
+                <a:latin typeface="D2Coding" panose="020B0609020101020101" pitchFamily="49" charset="-127"/>
+                <a:ea typeface="D2Coding" panose="020B0609020101020101" pitchFamily="49" charset="-127"/>
+              </a:rPr>
+            </a:br>
+            <a:r>
+              <a:rPr kumimoji="0" lang="en-US" altLang="en-US" sz="1400" b="0" i="0" u="none" strike="noStrike" cap="none" normalizeH="0" baseline="0" dirty="0">
+                <a:ln>
+                  <a:noFill/>
+                </a:ln>
+                <a:solidFill>
+                  <a:srgbClr val="37474F"/>
+                </a:solidFill>
+                <a:effectLst/>
+                <a:latin typeface="D2Coding" panose="020B0609020101020101" pitchFamily="49" charset="-127"/>
+                <a:ea typeface="D2Coding" panose="020B0609020101020101" pitchFamily="49" charset="-127"/>
+              </a:rPr>
+              <a:t>                </a:t>
+            </a:r>
+            <a:r>
+              <a:rPr kumimoji="0" lang="en-US" altLang="en-US" sz="1400" b="0" i="0" u="none" strike="noStrike" cap="none" normalizeH="0" baseline="0" dirty="0" err="1">
+                <a:ln>
+                  <a:noFill/>
+                </a:ln>
+                <a:solidFill>
+                  <a:srgbClr val="9C27B0"/>
+                </a:solidFill>
+                <a:effectLst/>
+                <a:latin typeface="D2Coding" panose="020B0609020101020101" pitchFamily="49" charset="-127"/>
+                <a:ea typeface="D2Coding" panose="020B0609020101020101" pitchFamily="49" charset="-127"/>
+              </a:rPr>
+              <a:t>HarmfulAppsResponse</a:t>
+            </a:r>
+            <a:r>
+              <a:rPr kumimoji="0" lang="en-US" altLang="en-US" sz="1400" b="0" i="0" u="none" strike="noStrike" cap="none" normalizeH="0" baseline="0" dirty="0">
+                <a:ln>
+                  <a:noFill/>
+                </a:ln>
+                <a:solidFill>
+                  <a:srgbClr val="37474F"/>
+                </a:solidFill>
+                <a:effectLst/>
+                <a:latin typeface="D2Coding" panose="020B0609020101020101" pitchFamily="49" charset="-127"/>
+                <a:ea typeface="D2Coding" panose="020B0609020101020101" pitchFamily="49" charset="-127"/>
+              </a:rPr>
+              <a:t> result = </a:t>
+            </a:r>
+            <a:r>
+              <a:rPr kumimoji="0" lang="en-US" altLang="en-US" sz="1400" b="0" i="0" u="none" strike="noStrike" cap="none" normalizeH="0" baseline="0" dirty="0" err="1">
+                <a:ln>
+                  <a:noFill/>
+                </a:ln>
+                <a:solidFill>
+                  <a:srgbClr val="37474F"/>
+                </a:solidFill>
+                <a:effectLst/>
+                <a:latin typeface="D2Coding" panose="020B0609020101020101" pitchFamily="49" charset="-127"/>
+                <a:ea typeface="D2Coding" panose="020B0609020101020101" pitchFamily="49" charset="-127"/>
+              </a:rPr>
+              <a:t>task.getResult</a:t>
+            </a:r>
+            <a:r>
+              <a:rPr kumimoji="0" lang="en-US" altLang="en-US" sz="1400" b="0" i="0" u="none" strike="noStrike" cap="none" normalizeH="0" baseline="0" dirty="0">
+                <a:ln>
+                  <a:noFill/>
+                </a:ln>
+                <a:solidFill>
+                  <a:srgbClr val="37474F"/>
+                </a:solidFill>
+                <a:effectLst/>
+                <a:latin typeface="D2Coding" panose="020B0609020101020101" pitchFamily="49" charset="-127"/>
+                <a:ea typeface="D2Coding" panose="020B0609020101020101" pitchFamily="49" charset="-127"/>
+              </a:rPr>
+              <a:t>();</a:t>
+            </a:r>
+            <a:br>
+              <a:rPr kumimoji="0" lang="en-US" altLang="en-US" sz="1400" b="0" i="0" u="none" strike="noStrike" cap="none" normalizeH="0" baseline="0" dirty="0">
+                <a:ln>
+                  <a:noFill/>
+                </a:ln>
+                <a:solidFill>
+                  <a:srgbClr val="37474F"/>
+                </a:solidFill>
+                <a:effectLst/>
+                <a:latin typeface="D2Coding" panose="020B0609020101020101" pitchFamily="49" charset="-127"/>
+                <a:ea typeface="D2Coding" panose="020B0609020101020101" pitchFamily="49" charset="-127"/>
+              </a:rPr>
+            </a:br>
+            <a:r>
+              <a:rPr kumimoji="0" lang="en-US" altLang="en-US" sz="1400" b="0" i="0" u="none" strike="noStrike" cap="none" normalizeH="0" baseline="0" dirty="0">
+                <a:ln>
+                  <a:noFill/>
+                </a:ln>
+                <a:solidFill>
+                  <a:srgbClr val="37474F"/>
+                </a:solidFill>
+                <a:effectLst/>
+                <a:latin typeface="D2Coding" panose="020B0609020101020101" pitchFamily="49" charset="-127"/>
+                <a:ea typeface="D2Coding" panose="020B0609020101020101" pitchFamily="49" charset="-127"/>
+              </a:rPr>
+              <a:t>                </a:t>
+            </a:r>
+            <a:r>
+              <a:rPr kumimoji="0" lang="en-US" altLang="en-US" sz="1400" b="0" i="0" u="none" strike="noStrike" cap="none" normalizeH="0" baseline="0" dirty="0">
+                <a:ln>
+                  <a:noFill/>
+                </a:ln>
+                <a:solidFill>
+                  <a:srgbClr val="3B78E7"/>
+                </a:solidFill>
+                <a:effectLst/>
+                <a:latin typeface="D2Coding" panose="020B0609020101020101" pitchFamily="49" charset="-127"/>
+                <a:ea typeface="D2Coding" panose="020B0609020101020101" pitchFamily="49" charset="-127"/>
+              </a:rPr>
+              <a:t>long</a:t>
+            </a:r>
+            <a:r>
+              <a:rPr kumimoji="0" lang="en-US" altLang="en-US" sz="1400" b="0" i="0" u="none" strike="noStrike" cap="none" normalizeH="0" baseline="0" dirty="0">
+                <a:ln>
+                  <a:noFill/>
+                </a:ln>
+                <a:solidFill>
+                  <a:srgbClr val="37474F"/>
+                </a:solidFill>
+                <a:effectLst/>
+                <a:latin typeface="D2Coding" panose="020B0609020101020101" pitchFamily="49" charset="-127"/>
+                <a:ea typeface="D2Coding" panose="020B0609020101020101" pitchFamily="49" charset="-127"/>
+              </a:rPr>
+              <a:t> </a:t>
+            </a:r>
+            <a:r>
+              <a:rPr kumimoji="0" lang="en-US" altLang="en-US" sz="1400" b="0" i="0" u="none" strike="noStrike" cap="none" normalizeH="0" baseline="0" dirty="0" err="1">
+                <a:ln>
+                  <a:noFill/>
+                </a:ln>
+                <a:solidFill>
+                  <a:srgbClr val="37474F"/>
+                </a:solidFill>
+                <a:effectLst/>
+                <a:latin typeface="D2Coding" panose="020B0609020101020101" pitchFamily="49" charset="-127"/>
+                <a:ea typeface="D2Coding" panose="020B0609020101020101" pitchFamily="49" charset="-127"/>
+              </a:rPr>
+              <a:t>scanTimeMs</a:t>
+            </a:r>
+            <a:r>
+              <a:rPr kumimoji="0" lang="en-US" altLang="en-US" sz="1400" b="0" i="0" u="none" strike="noStrike" cap="none" normalizeH="0" baseline="0" dirty="0">
+                <a:ln>
+                  <a:noFill/>
+                </a:ln>
+                <a:solidFill>
+                  <a:srgbClr val="37474F"/>
+                </a:solidFill>
+                <a:effectLst/>
+                <a:latin typeface="D2Coding" panose="020B0609020101020101" pitchFamily="49" charset="-127"/>
+                <a:ea typeface="D2Coding" panose="020B0609020101020101" pitchFamily="49" charset="-127"/>
+              </a:rPr>
+              <a:t> = </a:t>
+            </a:r>
+            <a:r>
+              <a:rPr kumimoji="0" lang="en-US" altLang="en-US" sz="1400" b="0" i="0" u="none" strike="noStrike" cap="none" normalizeH="0" baseline="0" dirty="0" err="1">
+                <a:ln>
+                  <a:noFill/>
+                </a:ln>
+                <a:solidFill>
+                  <a:srgbClr val="37474F"/>
+                </a:solidFill>
+                <a:effectLst/>
+                <a:latin typeface="D2Coding" panose="020B0609020101020101" pitchFamily="49" charset="-127"/>
+                <a:ea typeface="D2Coding" panose="020B0609020101020101" pitchFamily="49" charset="-127"/>
+              </a:rPr>
+              <a:t>result.getLastScanTimeMs</a:t>
+            </a:r>
+            <a:r>
+              <a:rPr kumimoji="0" lang="en-US" altLang="en-US" sz="1400" b="0" i="0" u="none" strike="noStrike" cap="none" normalizeH="0" baseline="0" dirty="0">
+                <a:ln>
+                  <a:noFill/>
+                </a:ln>
+                <a:solidFill>
+                  <a:srgbClr val="37474F"/>
+                </a:solidFill>
+                <a:effectLst/>
+                <a:latin typeface="D2Coding" panose="020B0609020101020101" pitchFamily="49" charset="-127"/>
+                <a:ea typeface="D2Coding" panose="020B0609020101020101" pitchFamily="49" charset="-127"/>
+              </a:rPr>
+              <a:t>();</a:t>
+            </a:r>
+            <a:br>
+              <a:rPr kumimoji="0" lang="en-US" altLang="en-US" sz="1400" b="0" i="0" u="none" strike="noStrike" cap="none" normalizeH="0" baseline="0" dirty="0">
+                <a:ln>
+                  <a:noFill/>
+                </a:ln>
+                <a:solidFill>
+                  <a:srgbClr val="37474F"/>
+                </a:solidFill>
+                <a:effectLst/>
+                <a:latin typeface="D2Coding" panose="020B0609020101020101" pitchFamily="49" charset="-127"/>
+                <a:ea typeface="D2Coding" panose="020B0609020101020101" pitchFamily="49" charset="-127"/>
+              </a:rPr>
+            </a:br>
+            <a:br>
+              <a:rPr kumimoji="0" lang="en-US" altLang="en-US" sz="1400" b="0" i="0" u="none" strike="noStrike" cap="none" normalizeH="0" baseline="0" dirty="0">
+                <a:ln>
+                  <a:noFill/>
+                </a:ln>
+                <a:solidFill>
+                  <a:srgbClr val="37474F"/>
+                </a:solidFill>
+                <a:effectLst/>
+                <a:latin typeface="D2Coding" panose="020B0609020101020101" pitchFamily="49" charset="-127"/>
+                <a:ea typeface="D2Coding" panose="020B0609020101020101" pitchFamily="49" charset="-127"/>
+              </a:rPr>
+            </a:br>
+            <a:r>
+              <a:rPr kumimoji="0" lang="en-US" altLang="en-US" sz="1400" b="0" i="0" u="none" strike="noStrike" cap="none" normalizeH="0" baseline="0" dirty="0">
+                <a:ln>
+                  <a:noFill/>
+                </a:ln>
+                <a:solidFill>
+                  <a:srgbClr val="37474F"/>
+                </a:solidFill>
+                <a:effectLst/>
+                <a:latin typeface="D2Coding" panose="020B0609020101020101" pitchFamily="49" charset="-127"/>
+                <a:ea typeface="D2Coding" panose="020B0609020101020101" pitchFamily="49" charset="-127"/>
+              </a:rPr>
+              <a:t>                </a:t>
+            </a:r>
+            <a:r>
+              <a:rPr kumimoji="0" lang="en-US" altLang="en-US" sz="1400" b="0" i="0" u="none" strike="noStrike" cap="none" normalizeH="0" baseline="0" dirty="0">
+                <a:ln>
+                  <a:noFill/>
+                </a:ln>
+                <a:solidFill>
+                  <a:srgbClr val="9C27B0"/>
+                </a:solidFill>
+                <a:effectLst/>
+                <a:latin typeface="D2Coding" panose="020B0609020101020101" pitchFamily="49" charset="-127"/>
+                <a:ea typeface="D2Coding" panose="020B0609020101020101" pitchFamily="49" charset="-127"/>
+              </a:rPr>
+              <a:t>List</a:t>
+            </a:r>
+            <a:r>
+              <a:rPr kumimoji="0" lang="en-US" altLang="en-US" sz="1400" b="0" i="0" u="none" strike="noStrike" cap="none" normalizeH="0" baseline="0" dirty="0">
+                <a:ln>
+                  <a:noFill/>
+                </a:ln>
+                <a:solidFill>
+                  <a:srgbClr val="37474F"/>
+                </a:solidFill>
+                <a:effectLst/>
+                <a:latin typeface="D2Coding" panose="020B0609020101020101" pitchFamily="49" charset="-127"/>
+                <a:ea typeface="D2Coding" panose="020B0609020101020101" pitchFamily="49" charset="-127"/>
+              </a:rPr>
+              <a:t>&lt;</a:t>
+            </a:r>
+            <a:r>
+              <a:rPr kumimoji="0" lang="en-US" altLang="en-US" sz="1400" b="0" i="0" u="none" strike="noStrike" cap="none" normalizeH="0" baseline="0" dirty="0" err="1">
+                <a:ln>
+                  <a:noFill/>
+                </a:ln>
+                <a:solidFill>
+                  <a:srgbClr val="9C27B0"/>
+                </a:solidFill>
+                <a:effectLst/>
+                <a:latin typeface="D2Coding" panose="020B0609020101020101" pitchFamily="49" charset="-127"/>
+                <a:ea typeface="D2Coding" panose="020B0609020101020101" pitchFamily="49" charset="-127"/>
+              </a:rPr>
+              <a:t>HarmfulAppsData</a:t>
+            </a:r>
+            <a:r>
+              <a:rPr kumimoji="0" lang="en-US" altLang="en-US" sz="1400" b="0" i="0" u="none" strike="noStrike" cap="none" normalizeH="0" baseline="0" dirty="0">
+                <a:ln>
+                  <a:noFill/>
+                </a:ln>
+                <a:solidFill>
+                  <a:srgbClr val="37474F"/>
+                </a:solidFill>
+                <a:effectLst/>
+                <a:latin typeface="D2Coding" panose="020B0609020101020101" pitchFamily="49" charset="-127"/>
+                <a:ea typeface="D2Coding" panose="020B0609020101020101" pitchFamily="49" charset="-127"/>
+              </a:rPr>
+              <a:t>&gt; </a:t>
+            </a:r>
+            <a:r>
+              <a:rPr kumimoji="0" lang="en-US" altLang="en-US" sz="1400" b="0" i="0" u="none" strike="noStrike" cap="none" normalizeH="0" baseline="0" dirty="0" err="1">
+                <a:ln>
+                  <a:noFill/>
+                </a:ln>
+                <a:solidFill>
+                  <a:srgbClr val="37474F"/>
+                </a:solidFill>
+                <a:effectLst/>
+                <a:latin typeface="D2Coding" panose="020B0609020101020101" pitchFamily="49" charset="-127"/>
+                <a:ea typeface="D2Coding" panose="020B0609020101020101" pitchFamily="49" charset="-127"/>
+              </a:rPr>
+              <a:t>appList</a:t>
+            </a:r>
+            <a:r>
+              <a:rPr kumimoji="0" lang="en-US" altLang="en-US" sz="1400" b="0" i="0" u="none" strike="noStrike" cap="none" normalizeH="0" baseline="0" dirty="0">
+                <a:ln>
+                  <a:noFill/>
+                </a:ln>
+                <a:solidFill>
+                  <a:srgbClr val="37474F"/>
+                </a:solidFill>
+                <a:effectLst/>
+                <a:latin typeface="D2Coding" panose="020B0609020101020101" pitchFamily="49" charset="-127"/>
+                <a:ea typeface="D2Coding" panose="020B0609020101020101" pitchFamily="49" charset="-127"/>
+              </a:rPr>
+              <a:t> = </a:t>
+            </a:r>
+            <a:r>
+              <a:rPr kumimoji="0" lang="en-US" altLang="en-US" sz="1400" b="0" i="0" u="none" strike="noStrike" cap="none" normalizeH="0" baseline="0" dirty="0" err="1">
+                <a:ln>
+                  <a:noFill/>
+                </a:ln>
+                <a:solidFill>
+                  <a:srgbClr val="37474F"/>
+                </a:solidFill>
+                <a:effectLst/>
+                <a:latin typeface="D2Coding" panose="020B0609020101020101" pitchFamily="49" charset="-127"/>
+                <a:ea typeface="D2Coding" panose="020B0609020101020101" pitchFamily="49" charset="-127"/>
+              </a:rPr>
+              <a:t>result.getHarmfulAppsList</a:t>
+            </a:r>
+            <a:r>
+              <a:rPr kumimoji="0" lang="en-US" altLang="en-US" sz="1400" b="0" i="0" u="none" strike="noStrike" cap="none" normalizeH="0" baseline="0" dirty="0">
+                <a:ln>
+                  <a:noFill/>
+                </a:ln>
+                <a:solidFill>
+                  <a:srgbClr val="37474F"/>
+                </a:solidFill>
+                <a:effectLst/>
+                <a:latin typeface="D2Coding" panose="020B0609020101020101" pitchFamily="49" charset="-127"/>
+                <a:ea typeface="D2Coding" panose="020B0609020101020101" pitchFamily="49" charset="-127"/>
+              </a:rPr>
+              <a:t>();</a:t>
+            </a:r>
+            <a:br>
+              <a:rPr kumimoji="0" lang="en-US" altLang="en-US" sz="1400" b="0" i="0" u="none" strike="noStrike" cap="none" normalizeH="0" baseline="0" dirty="0">
+                <a:ln>
+                  <a:noFill/>
+                </a:ln>
+                <a:solidFill>
+                  <a:srgbClr val="37474F"/>
+                </a:solidFill>
+                <a:effectLst/>
+                <a:latin typeface="D2Coding" panose="020B0609020101020101" pitchFamily="49" charset="-127"/>
+                <a:ea typeface="D2Coding" panose="020B0609020101020101" pitchFamily="49" charset="-127"/>
+              </a:rPr>
+            </a:br>
+            <a:r>
+              <a:rPr kumimoji="0" lang="en-US" altLang="en-US" sz="1400" b="0" i="0" u="none" strike="noStrike" cap="none" normalizeH="0" baseline="0" dirty="0">
+                <a:ln>
+                  <a:noFill/>
+                </a:ln>
+                <a:solidFill>
+                  <a:srgbClr val="37474F"/>
+                </a:solidFill>
+                <a:effectLst/>
+                <a:latin typeface="D2Coding" panose="020B0609020101020101" pitchFamily="49" charset="-127"/>
+                <a:ea typeface="D2Coding" panose="020B0609020101020101" pitchFamily="49" charset="-127"/>
+              </a:rPr>
+              <a:t>                </a:t>
+            </a:r>
+            <a:r>
+              <a:rPr kumimoji="0" lang="en-US" altLang="en-US" sz="1400" b="0" i="0" u="none" strike="noStrike" cap="none" normalizeH="0" baseline="0" dirty="0">
+                <a:ln>
+                  <a:noFill/>
+                </a:ln>
+                <a:solidFill>
+                  <a:srgbClr val="3B78E7"/>
+                </a:solidFill>
+                <a:effectLst/>
+                <a:latin typeface="D2Coding" panose="020B0609020101020101" pitchFamily="49" charset="-127"/>
+                <a:ea typeface="D2Coding" panose="020B0609020101020101" pitchFamily="49" charset="-127"/>
+              </a:rPr>
+              <a:t>if</a:t>
+            </a:r>
+            <a:r>
+              <a:rPr kumimoji="0" lang="en-US" altLang="en-US" sz="1400" b="0" i="0" u="none" strike="noStrike" cap="none" normalizeH="0" baseline="0" dirty="0">
+                <a:ln>
+                  <a:noFill/>
+                </a:ln>
+                <a:solidFill>
+                  <a:srgbClr val="37474F"/>
+                </a:solidFill>
+                <a:effectLst/>
+                <a:latin typeface="D2Coding" panose="020B0609020101020101" pitchFamily="49" charset="-127"/>
+                <a:ea typeface="D2Coding" panose="020B0609020101020101" pitchFamily="49" charset="-127"/>
+              </a:rPr>
+              <a:t> (</a:t>
+            </a:r>
+            <a:r>
+              <a:rPr kumimoji="0" lang="en-US" altLang="en-US" sz="1400" b="0" i="0" u="none" strike="noStrike" cap="none" normalizeH="0" baseline="0" dirty="0" err="1">
+                <a:ln>
+                  <a:noFill/>
+                </a:ln>
+                <a:solidFill>
+                  <a:srgbClr val="37474F"/>
+                </a:solidFill>
+                <a:effectLst/>
+                <a:latin typeface="D2Coding" panose="020B0609020101020101" pitchFamily="49" charset="-127"/>
+                <a:ea typeface="D2Coding" panose="020B0609020101020101" pitchFamily="49" charset="-127"/>
+              </a:rPr>
+              <a:t>appList.isEmpty</a:t>
+            </a:r>
+            <a:r>
+              <a:rPr kumimoji="0" lang="en-US" altLang="en-US" sz="1400" b="0" i="0" u="none" strike="noStrike" cap="none" normalizeH="0" baseline="0" dirty="0">
+                <a:ln>
+                  <a:noFill/>
+                </a:ln>
+                <a:solidFill>
+                  <a:srgbClr val="37474F"/>
+                </a:solidFill>
+                <a:effectLst/>
+                <a:latin typeface="D2Coding" panose="020B0609020101020101" pitchFamily="49" charset="-127"/>
+                <a:ea typeface="D2Coding" panose="020B0609020101020101" pitchFamily="49" charset="-127"/>
+              </a:rPr>
+              <a:t>()) {</a:t>
+            </a:r>
+            <a:br>
+              <a:rPr kumimoji="0" lang="en-US" altLang="en-US" sz="1400" b="0" i="0" u="none" strike="noStrike" cap="none" normalizeH="0" baseline="0" dirty="0">
+                <a:ln>
+                  <a:noFill/>
+                </a:ln>
+                <a:solidFill>
+                  <a:srgbClr val="37474F"/>
+                </a:solidFill>
+                <a:effectLst/>
+                <a:latin typeface="D2Coding" panose="020B0609020101020101" pitchFamily="49" charset="-127"/>
+                <a:ea typeface="D2Coding" panose="020B0609020101020101" pitchFamily="49" charset="-127"/>
+              </a:rPr>
+            </a:br>
+            <a:r>
+              <a:rPr kumimoji="0" lang="en-US" altLang="en-US" sz="1400" b="0" i="0" u="none" strike="noStrike" cap="none" normalizeH="0" baseline="0" dirty="0">
+                <a:ln>
+                  <a:noFill/>
+                </a:ln>
+                <a:solidFill>
+                  <a:srgbClr val="37474F"/>
+                </a:solidFill>
+                <a:effectLst/>
+                <a:latin typeface="D2Coding" panose="020B0609020101020101" pitchFamily="49" charset="-127"/>
+                <a:ea typeface="D2Coding" panose="020B0609020101020101" pitchFamily="49" charset="-127"/>
+              </a:rPr>
+              <a:t>                    </a:t>
+            </a:r>
+            <a:r>
+              <a:rPr kumimoji="0" lang="en-US" altLang="en-US" sz="1400" b="0" i="0" u="none" strike="noStrike" cap="none" normalizeH="0" baseline="0" dirty="0" err="1">
+                <a:ln>
+                  <a:noFill/>
+                </a:ln>
+                <a:solidFill>
+                  <a:srgbClr val="9C27B0"/>
+                </a:solidFill>
+                <a:effectLst/>
+                <a:latin typeface="D2Coding" panose="020B0609020101020101" pitchFamily="49" charset="-127"/>
+                <a:ea typeface="D2Coding" panose="020B0609020101020101" pitchFamily="49" charset="-127"/>
+              </a:rPr>
+              <a:t>Log</a:t>
+            </a:r>
+            <a:r>
+              <a:rPr kumimoji="0" lang="en-US" altLang="en-US" sz="1400" b="0" i="0" u="none" strike="noStrike" cap="none" normalizeH="0" baseline="0" dirty="0" err="1">
+                <a:ln>
+                  <a:noFill/>
+                </a:ln>
+                <a:solidFill>
+                  <a:srgbClr val="37474F"/>
+                </a:solidFill>
+                <a:effectLst/>
+                <a:latin typeface="D2Coding" panose="020B0609020101020101" pitchFamily="49" charset="-127"/>
+                <a:ea typeface="D2Coding" panose="020B0609020101020101" pitchFamily="49" charset="-127"/>
+              </a:rPr>
+              <a:t>.d</a:t>
+            </a:r>
+            <a:r>
+              <a:rPr kumimoji="0" lang="en-US" altLang="en-US" sz="1400" b="0" i="0" u="none" strike="noStrike" cap="none" normalizeH="0" baseline="0" dirty="0">
+                <a:ln>
+                  <a:noFill/>
+                </a:ln>
+                <a:solidFill>
+                  <a:srgbClr val="37474F"/>
+                </a:solidFill>
+                <a:effectLst/>
+                <a:latin typeface="D2Coding" panose="020B0609020101020101" pitchFamily="49" charset="-127"/>
+                <a:ea typeface="D2Coding" panose="020B0609020101020101" pitchFamily="49" charset="-127"/>
+              </a:rPr>
+              <a:t>(</a:t>
+            </a:r>
+            <a:r>
+              <a:rPr kumimoji="0" lang="en-US" altLang="en-US" sz="1400" b="0" i="0" u="none" strike="noStrike" cap="none" normalizeH="0" baseline="0" dirty="0">
+                <a:ln>
+                  <a:noFill/>
+                </a:ln>
+                <a:solidFill>
+                  <a:srgbClr val="0D904F"/>
+                </a:solidFill>
+                <a:effectLst/>
+                <a:latin typeface="D2Coding" panose="020B0609020101020101" pitchFamily="49" charset="-127"/>
+                <a:ea typeface="D2Coding" panose="020B0609020101020101" pitchFamily="49" charset="-127"/>
+              </a:rPr>
+              <a:t>"MY_APP_TAG"</a:t>
+            </a:r>
+            <a:r>
+              <a:rPr kumimoji="0" lang="en-US" altLang="en-US" sz="1400" b="0" i="0" u="none" strike="noStrike" cap="none" normalizeH="0" baseline="0" dirty="0">
+                <a:ln>
+                  <a:noFill/>
+                </a:ln>
+                <a:solidFill>
+                  <a:srgbClr val="37474F"/>
+                </a:solidFill>
+                <a:effectLst/>
+                <a:latin typeface="D2Coding" panose="020B0609020101020101" pitchFamily="49" charset="-127"/>
+                <a:ea typeface="D2Coding" panose="020B0609020101020101" pitchFamily="49" charset="-127"/>
+              </a:rPr>
+              <a:t>, </a:t>
+            </a:r>
+            <a:r>
+              <a:rPr kumimoji="0" lang="en-US" altLang="en-US" sz="1400" b="0" i="0" u="none" strike="noStrike" cap="none" normalizeH="0" baseline="0" dirty="0">
+                <a:ln>
+                  <a:noFill/>
+                </a:ln>
+                <a:solidFill>
+                  <a:srgbClr val="0D904F"/>
+                </a:solidFill>
+                <a:effectLst/>
+                <a:latin typeface="D2Coding" panose="020B0609020101020101" pitchFamily="49" charset="-127"/>
+                <a:ea typeface="D2Coding" panose="020B0609020101020101" pitchFamily="49" charset="-127"/>
+              </a:rPr>
+              <a:t>"There are no known</a:t>
+            </a:r>
+            <a:r>
+              <a:rPr kumimoji="0" lang="en-US" altLang="en-US" sz="1400" b="0" i="0" u="none" strike="noStrike" cap="none" normalizeH="0" baseline="0" dirty="0">
+                <a:ln>
+                  <a:noFill/>
+                </a:ln>
+                <a:solidFill>
+                  <a:srgbClr val="37474F"/>
+                </a:solidFill>
+                <a:effectLst/>
+                <a:latin typeface="D2Coding" panose="020B0609020101020101" pitchFamily="49" charset="-127"/>
+                <a:ea typeface="D2Coding" panose="020B0609020101020101" pitchFamily="49" charset="-127"/>
+              </a:rPr>
+              <a:t> </a:t>
+            </a:r>
+            <a:r>
+              <a:rPr kumimoji="0" lang="en-US" altLang="en-US" sz="1400" b="0" i="0" u="none" strike="noStrike" cap="none" normalizeH="0" baseline="0" dirty="0">
+                <a:ln>
+                  <a:noFill/>
+                </a:ln>
+                <a:solidFill>
+                  <a:srgbClr val="0D904F"/>
+                </a:solidFill>
+                <a:effectLst/>
+                <a:latin typeface="D2Coding" panose="020B0609020101020101" pitchFamily="49" charset="-127"/>
+                <a:ea typeface="D2Coding" panose="020B0609020101020101" pitchFamily="49" charset="-127"/>
+              </a:rPr>
+              <a:t>potentially harmful apps installed."</a:t>
+            </a:r>
+            <a:r>
+              <a:rPr kumimoji="0" lang="en-US" altLang="en-US" sz="1400" b="0" i="0" u="none" strike="noStrike" cap="none" normalizeH="0" baseline="0" dirty="0">
+                <a:ln>
+                  <a:noFill/>
+                </a:ln>
+                <a:solidFill>
+                  <a:srgbClr val="37474F"/>
+                </a:solidFill>
+                <a:effectLst/>
+                <a:latin typeface="D2Coding" panose="020B0609020101020101" pitchFamily="49" charset="-127"/>
+                <a:ea typeface="D2Coding" panose="020B0609020101020101" pitchFamily="49" charset="-127"/>
+              </a:rPr>
+              <a:t>);</a:t>
+            </a:r>
+            <a:br>
+              <a:rPr kumimoji="0" lang="en-US" altLang="en-US" sz="1400" b="0" i="0" u="none" strike="noStrike" cap="none" normalizeH="0" baseline="0" dirty="0">
+                <a:ln>
+                  <a:noFill/>
+                </a:ln>
+                <a:solidFill>
+                  <a:srgbClr val="37474F"/>
+                </a:solidFill>
+                <a:effectLst/>
+                <a:latin typeface="D2Coding" panose="020B0609020101020101" pitchFamily="49" charset="-127"/>
+                <a:ea typeface="D2Coding" panose="020B0609020101020101" pitchFamily="49" charset="-127"/>
+              </a:rPr>
+            </a:br>
+            <a:r>
+              <a:rPr kumimoji="0" lang="en-US" altLang="en-US" sz="1400" b="0" i="0" u="none" strike="noStrike" cap="none" normalizeH="0" baseline="0" dirty="0">
+                <a:ln>
+                  <a:noFill/>
+                </a:ln>
+                <a:solidFill>
+                  <a:srgbClr val="37474F"/>
+                </a:solidFill>
+                <a:effectLst/>
+                <a:latin typeface="D2Coding" panose="020B0609020101020101" pitchFamily="49" charset="-127"/>
+                <a:ea typeface="D2Coding" panose="020B0609020101020101" pitchFamily="49" charset="-127"/>
+              </a:rPr>
+              <a:t>                } </a:t>
+            </a:r>
+            <a:r>
+              <a:rPr kumimoji="0" lang="en-US" altLang="en-US" sz="1400" b="0" i="0" u="none" strike="noStrike" cap="none" normalizeH="0" baseline="0" dirty="0">
+                <a:ln>
+                  <a:noFill/>
+                </a:ln>
+                <a:solidFill>
+                  <a:srgbClr val="3B78E7"/>
+                </a:solidFill>
+                <a:effectLst/>
+                <a:latin typeface="D2Coding" panose="020B0609020101020101" pitchFamily="49" charset="-127"/>
+                <a:ea typeface="D2Coding" panose="020B0609020101020101" pitchFamily="49" charset="-127"/>
+              </a:rPr>
+              <a:t>else</a:t>
+            </a:r>
+            <a:r>
+              <a:rPr kumimoji="0" lang="en-US" altLang="en-US" sz="1400" b="0" i="0" u="none" strike="noStrike" cap="none" normalizeH="0" baseline="0" dirty="0">
+                <a:ln>
+                  <a:noFill/>
+                </a:ln>
+                <a:solidFill>
+                  <a:srgbClr val="37474F"/>
+                </a:solidFill>
+                <a:effectLst/>
+                <a:latin typeface="D2Coding" panose="020B0609020101020101" pitchFamily="49" charset="-127"/>
+                <a:ea typeface="D2Coding" panose="020B0609020101020101" pitchFamily="49" charset="-127"/>
+              </a:rPr>
+              <a:t> {</a:t>
+            </a:r>
+            <a:br>
+              <a:rPr kumimoji="0" lang="en-US" altLang="en-US" sz="1400" b="0" i="0" u="none" strike="noStrike" cap="none" normalizeH="0" baseline="0" dirty="0">
+                <a:ln>
+                  <a:noFill/>
+                </a:ln>
+                <a:solidFill>
+                  <a:srgbClr val="37474F"/>
+                </a:solidFill>
+                <a:effectLst/>
+                <a:latin typeface="D2Coding" panose="020B0609020101020101" pitchFamily="49" charset="-127"/>
+                <a:ea typeface="D2Coding" panose="020B0609020101020101" pitchFamily="49" charset="-127"/>
+              </a:rPr>
+            </a:br>
+            <a:r>
+              <a:rPr kumimoji="0" lang="en-US" altLang="en-US" sz="1400" b="0" i="0" u="none" strike="noStrike" cap="none" normalizeH="0" baseline="0" dirty="0">
+                <a:ln>
+                  <a:noFill/>
+                </a:ln>
+                <a:solidFill>
+                  <a:srgbClr val="37474F"/>
+                </a:solidFill>
+                <a:effectLst/>
+                <a:latin typeface="D2Coding" panose="020B0609020101020101" pitchFamily="49" charset="-127"/>
+                <a:ea typeface="D2Coding" panose="020B0609020101020101" pitchFamily="49" charset="-127"/>
+              </a:rPr>
+              <a:t>                    </a:t>
+            </a:r>
+            <a:r>
+              <a:rPr kumimoji="0" lang="en-US" altLang="en-US" sz="1400" b="0" i="0" u="none" strike="noStrike" cap="none" normalizeH="0" baseline="0" dirty="0" err="1">
+                <a:ln>
+                  <a:noFill/>
+                </a:ln>
+                <a:solidFill>
+                  <a:srgbClr val="9C27B0"/>
+                </a:solidFill>
+                <a:effectLst/>
+                <a:latin typeface="D2Coding" panose="020B0609020101020101" pitchFamily="49" charset="-127"/>
+                <a:ea typeface="D2Coding" panose="020B0609020101020101" pitchFamily="49" charset="-127"/>
+              </a:rPr>
+              <a:t>Log</a:t>
+            </a:r>
+            <a:r>
+              <a:rPr kumimoji="0" lang="en-US" altLang="en-US" sz="1400" b="0" i="0" u="none" strike="noStrike" cap="none" normalizeH="0" baseline="0" dirty="0" err="1">
+                <a:ln>
+                  <a:noFill/>
+                </a:ln>
+                <a:solidFill>
+                  <a:srgbClr val="37474F"/>
+                </a:solidFill>
+                <a:effectLst/>
+                <a:latin typeface="D2Coding" panose="020B0609020101020101" pitchFamily="49" charset="-127"/>
+                <a:ea typeface="D2Coding" panose="020B0609020101020101" pitchFamily="49" charset="-127"/>
+              </a:rPr>
+              <a:t>.e</a:t>
+            </a:r>
+            <a:r>
+              <a:rPr kumimoji="0" lang="en-US" altLang="en-US" sz="1400" b="0" i="0" u="none" strike="noStrike" cap="none" normalizeH="0" baseline="0" dirty="0">
+                <a:ln>
+                  <a:noFill/>
+                </a:ln>
+                <a:solidFill>
+                  <a:srgbClr val="37474F"/>
+                </a:solidFill>
+                <a:effectLst/>
+                <a:latin typeface="D2Coding" panose="020B0609020101020101" pitchFamily="49" charset="-127"/>
+                <a:ea typeface="D2Coding" panose="020B0609020101020101" pitchFamily="49" charset="-127"/>
+              </a:rPr>
+              <a:t>(</a:t>
+            </a:r>
+            <a:r>
+              <a:rPr kumimoji="0" lang="en-US" altLang="en-US" sz="1400" b="0" i="0" u="none" strike="noStrike" cap="none" normalizeH="0" baseline="0" dirty="0">
+                <a:ln>
+                  <a:noFill/>
+                </a:ln>
+                <a:solidFill>
+                  <a:srgbClr val="0D904F"/>
+                </a:solidFill>
+                <a:effectLst/>
+                <a:latin typeface="D2Coding" panose="020B0609020101020101" pitchFamily="49" charset="-127"/>
+                <a:ea typeface="D2Coding" panose="020B0609020101020101" pitchFamily="49" charset="-127"/>
+              </a:rPr>
+              <a:t>"MY_APP_TAG"</a:t>
+            </a:r>
+            <a:r>
+              <a:rPr kumimoji="0" lang="en-US" altLang="en-US" sz="1400" b="0" i="0" u="none" strike="noStrike" cap="none" normalizeH="0" baseline="0" dirty="0">
+                <a:ln>
+                  <a:noFill/>
+                </a:ln>
+                <a:solidFill>
+                  <a:srgbClr val="37474F"/>
+                </a:solidFill>
+                <a:effectLst/>
+                <a:latin typeface="D2Coding" panose="020B0609020101020101" pitchFamily="49" charset="-127"/>
+                <a:ea typeface="D2Coding" panose="020B0609020101020101" pitchFamily="49" charset="-127"/>
+              </a:rPr>
+              <a:t>, </a:t>
+            </a:r>
+            <a:r>
+              <a:rPr kumimoji="0" lang="en-US" altLang="en-US" sz="1400" b="0" i="0" u="none" strike="noStrike" cap="none" normalizeH="0" baseline="0" dirty="0">
+                <a:ln>
+                  <a:noFill/>
+                </a:ln>
+                <a:solidFill>
+                  <a:srgbClr val="0D904F"/>
+                </a:solidFill>
+                <a:effectLst/>
+                <a:latin typeface="D2Coding" panose="020B0609020101020101" pitchFamily="49" charset="-127"/>
+                <a:ea typeface="D2Coding" panose="020B0609020101020101" pitchFamily="49" charset="-127"/>
+              </a:rPr>
+              <a:t>"Potentially harmful apps are installed!"</a:t>
+            </a:r>
+            <a:r>
+              <a:rPr kumimoji="0" lang="en-US" altLang="en-US" sz="1400" b="0" i="0" u="none" strike="noStrike" cap="none" normalizeH="0" baseline="0" dirty="0">
+                <a:ln>
+                  <a:noFill/>
+                </a:ln>
+                <a:solidFill>
+                  <a:srgbClr val="37474F"/>
+                </a:solidFill>
+                <a:effectLst/>
+                <a:latin typeface="D2Coding" panose="020B0609020101020101" pitchFamily="49" charset="-127"/>
+                <a:ea typeface="D2Coding" panose="020B0609020101020101" pitchFamily="49" charset="-127"/>
+              </a:rPr>
+              <a:t>);</a:t>
+            </a:r>
+            <a:br>
+              <a:rPr kumimoji="0" lang="en-US" altLang="en-US" sz="1400" b="0" i="0" u="none" strike="noStrike" cap="none" normalizeH="0" baseline="0" dirty="0">
+                <a:ln>
+                  <a:noFill/>
+                </a:ln>
+                <a:solidFill>
+                  <a:srgbClr val="37474F"/>
+                </a:solidFill>
+                <a:effectLst/>
+                <a:latin typeface="D2Coding" panose="020B0609020101020101" pitchFamily="49" charset="-127"/>
+                <a:ea typeface="D2Coding" panose="020B0609020101020101" pitchFamily="49" charset="-127"/>
+              </a:rPr>
+            </a:br>
+            <a:r>
+              <a:rPr kumimoji="0" lang="en-US" altLang="en-US" sz="1400" b="0" i="0" u="none" strike="noStrike" cap="none" normalizeH="0" baseline="0" dirty="0">
+                <a:ln>
+                  <a:noFill/>
+                </a:ln>
+                <a:solidFill>
+                  <a:srgbClr val="37474F"/>
+                </a:solidFill>
+                <a:effectLst/>
+                <a:latin typeface="D2Coding" panose="020B0609020101020101" pitchFamily="49" charset="-127"/>
+                <a:ea typeface="D2Coding" panose="020B0609020101020101" pitchFamily="49" charset="-127"/>
+              </a:rPr>
+              <a:t>                    </a:t>
+            </a:r>
+            <a:r>
+              <a:rPr kumimoji="0" lang="en-US" altLang="en-US" sz="1400" b="0" i="0" u="none" strike="noStrike" cap="none" normalizeH="0" baseline="0" dirty="0">
+                <a:ln>
+                  <a:noFill/>
+                </a:ln>
+                <a:solidFill>
+                  <a:srgbClr val="3B78E7"/>
+                </a:solidFill>
+                <a:effectLst/>
+                <a:latin typeface="D2Coding" panose="020B0609020101020101" pitchFamily="49" charset="-127"/>
+                <a:ea typeface="D2Coding" panose="020B0609020101020101" pitchFamily="49" charset="-127"/>
+              </a:rPr>
+              <a:t>for</a:t>
+            </a:r>
+            <a:r>
+              <a:rPr kumimoji="0" lang="en-US" altLang="en-US" sz="1400" b="0" i="0" u="none" strike="noStrike" cap="none" normalizeH="0" baseline="0" dirty="0">
+                <a:ln>
+                  <a:noFill/>
+                </a:ln>
+                <a:solidFill>
+                  <a:srgbClr val="37474F"/>
+                </a:solidFill>
+                <a:effectLst/>
+                <a:latin typeface="D2Coding" panose="020B0609020101020101" pitchFamily="49" charset="-127"/>
+                <a:ea typeface="D2Coding" panose="020B0609020101020101" pitchFamily="49" charset="-127"/>
+              </a:rPr>
+              <a:t> (</a:t>
+            </a:r>
+            <a:r>
+              <a:rPr kumimoji="0" lang="en-US" altLang="en-US" sz="1400" b="0" i="0" u="none" strike="noStrike" cap="none" normalizeH="0" baseline="0" dirty="0" err="1">
+                <a:ln>
+                  <a:noFill/>
+                </a:ln>
+                <a:solidFill>
+                  <a:srgbClr val="9C27B0"/>
+                </a:solidFill>
+                <a:effectLst/>
+                <a:latin typeface="D2Coding" panose="020B0609020101020101" pitchFamily="49" charset="-127"/>
+                <a:ea typeface="D2Coding" panose="020B0609020101020101" pitchFamily="49" charset="-127"/>
+              </a:rPr>
+              <a:t>HarmfulAppsData</a:t>
+            </a:r>
+            <a:r>
+              <a:rPr kumimoji="0" lang="en-US" altLang="en-US" sz="1400" b="0" i="0" u="none" strike="noStrike" cap="none" normalizeH="0" baseline="0" dirty="0">
+                <a:ln>
+                  <a:noFill/>
+                </a:ln>
+                <a:solidFill>
+                  <a:srgbClr val="37474F"/>
+                </a:solidFill>
+                <a:effectLst/>
+                <a:latin typeface="D2Coding" panose="020B0609020101020101" pitchFamily="49" charset="-127"/>
+                <a:ea typeface="D2Coding" panose="020B0609020101020101" pitchFamily="49" charset="-127"/>
+              </a:rPr>
+              <a:t> </a:t>
+            </a:r>
+            <a:r>
+              <a:rPr kumimoji="0" lang="en-US" altLang="en-US" sz="1400" b="0" i="0" u="none" strike="noStrike" cap="none" normalizeH="0" baseline="0" dirty="0" err="1">
+                <a:ln>
+                  <a:noFill/>
+                </a:ln>
+                <a:solidFill>
+                  <a:srgbClr val="37474F"/>
+                </a:solidFill>
+                <a:effectLst/>
+                <a:latin typeface="D2Coding" panose="020B0609020101020101" pitchFamily="49" charset="-127"/>
+                <a:ea typeface="D2Coding" panose="020B0609020101020101" pitchFamily="49" charset="-127"/>
+              </a:rPr>
+              <a:t>harmfulApp</a:t>
+            </a:r>
+            <a:r>
+              <a:rPr kumimoji="0" lang="en-US" altLang="en-US" sz="1400" b="0" i="0" u="none" strike="noStrike" cap="none" normalizeH="0" baseline="0" dirty="0">
+                <a:ln>
+                  <a:noFill/>
+                </a:ln>
+                <a:solidFill>
+                  <a:srgbClr val="37474F"/>
+                </a:solidFill>
+                <a:effectLst/>
+                <a:latin typeface="D2Coding" panose="020B0609020101020101" pitchFamily="49" charset="-127"/>
+                <a:ea typeface="D2Coding" panose="020B0609020101020101" pitchFamily="49" charset="-127"/>
+              </a:rPr>
+              <a:t> : </a:t>
+            </a:r>
+            <a:r>
+              <a:rPr kumimoji="0" lang="en-US" altLang="en-US" sz="1400" b="0" i="0" u="none" strike="noStrike" cap="none" normalizeH="0" baseline="0" dirty="0" err="1">
+                <a:ln>
+                  <a:noFill/>
+                </a:ln>
+                <a:solidFill>
+                  <a:srgbClr val="37474F"/>
+                </a:solidFill>
+                <a:effectLst/>
+                <a:latin typeface="D2Coding" panose="020B0609020101020101" pitchFamily="49" charset="-127"/>
+                <a:ea typeface="D2Coding" panose="020B0609020101020101" pitchFamily="49" charset="-127"/>
+              </a:rPr>
+              <a:t>appList</a:t>
+            </a:r>
+            <a:r>
+              <a:rPr kumimoji="0" lang="en-US" altLang="en-US" sz="1400" b="0" i="0" u="none" strike="noStrike" cap="none" normalizeH="0" baseline="0" dirty="0">
+                <a:ln>
+                  <a:noFill/>
+                </a:ln>
+                <a:solidFill>
+                  <a:srgbClr val="37474F"/>
+                </a:solidFill>
+                <a:effectLst/>
+                <a:latin typeface="D2Coding" panose="020B0609020101020101" pitchFamily="49" charset="-127"/>
+                <a:ea typeface="D2Coding" panose="020B0609020101020101" pitchFamily="49" charset="-127"/>
+              </a:rPr>
+              <a:t>) {</a:t>
+            </a:r>
+            <a:br>
+              <a:rPr kumimoji="0" lang="en-US" altLang="en-US" sz="1400" b="0" i="0" u="none" strike="noStrike" cap="none" normalizeH="0" baseline="0" dirty="0">
+                <a:ln>
+                  <a:noFill/>
+                </a:ln>
+                <a:solidFill>
+                  <a:srgbClr val="37474F"/>
+                </a:solidFill>
+                <a:effectLst/>
+                <a:latin typeface="D2Coding" panose="020B0609020101020101" pitchFamily="49" charset="-127"/>
+                <a:ea typeface="D2Coding" panose="020B0609020101020101" pitchFamily="49" charset="-127"/>
+              </a:rPr>
+            </a:br>
+            <a:r>
+              <a:rPr kumimoji="0" lang="en-US" altLang="en-US" sz="1400" b="0" i="0" u="none" strike="noStrike" cap="none" normalizeH="0" baseline="0" dirty="0">
+                <a:ln>
+                  <a:noFill/>
+                </a:ln>
+                <a:solidFill>
+                  <a:srgbClr val="37474F"/>
+                </a:solidFill>
+                <a:effectLst/>
+                <a:latin typeface="D2Coding" panose="020B0609020101020101" pitchFamily="49" charset="-127"/>
+                <a:ea typeface="D2Coding" panose="020B0609020101020101" pitchFamily="49" charset="-127"/>
+              </a:rPr>
+              <a:t>                        </a:t>
+            </a:r>
+            <a:r>
+              <a:rPr kumimoji="0" lang="en-US" altLang="en-US" sz="1400" b="0" i="0" u="none" strike="noStrike" cap="none" normalizeH="0" baseline="0" dirty="0" err="1">
+                <a:ln>
+                  <a:noFill/>
+                </a:ln>
+                <a:solidFill>
+                  <a:srgbClr val="9C27B0"/>
+                </a:solidFill>
+                <a:effectLst/>
+                <a:latin typeface="D2Coding" panose="020B0609020101020101" pitchFamily="49" charset="-127"/>
+                <a:ea typeface="D2Coding" panose="020B0609020101020101" pitchFamily="49" charset="-127"/>
+              </a:rPr>
+              <a:t>Log</a:t>
+            </a:r>
+            <a:r>
+              <a:rPr kumimoji="0" lang="en-US" altLang="en-US" sz="1400" b="0" i="0" u="none" strike="noStrike" cap="none" normalizeH="0" baseline="0" dirty="0" err="1">
+                <a:ln>
+                  <a:noFill/>
+                </a:ln>
+                <a:solidFill>
+                  <a:srgbClr val="37474F"/>
+                </a:solidFill>
+                <a:effectLst/>
+                <a:latin typeface="D2Coding" panose="020B0609020101020101" pitchFamily="49" charset="-127"/>
+                <a:ea typeface="D2Coding" panose="020B0609020101020101" pitchFamily="49" charset="-127"/>
+              </a:rPr>
+              <a:t>.e</a:t>
+            </a:r>
+            <a:r>
+              <a:rPr kumimoji="0" lang="en-US" altLang="en-US" sz="1400" b="0" i="0" u="none" strike="noStrike" cap="none" normalizeH="0" baseline="0" dirty="0">
+                <a:ln>
+                  <a:noFill/>
+                </a:ln>
+                <a:solidFill>
+                  <a:srgbClr val="37474F"/>
+                </a:solidFill>
+                <a:effectLst/>
+                <a:latin typeface="D2Coding" panose="020B0609020101020101" pitchFamily="49" charset="-127"/>
+                <a:ea typeface="D2Coding" panose="020B0609020101020101" pitchFamily="49" charset="-127"/>
+              </a:rPr>
+              <a:t>(</a:t>
+            </a:r>
+            <a:r>
+              <a:rPr kumimoji="0" lang="en-US" altLang="en-US" sz="1400" b="0" i="0" u="none" strike="noStrike" cap="none" normalizeH="0" baseline="0" dirty="0">
+                <a:ln>
+                  <a:noFill/>
+                </a:ln>
+                <a:solidFill>
+                  <a:srgbClr val="0D904F"/>
+                </a:solidFill>
+                <a:effectLst/>
+                <a:latin typeface="D2Coding" panose="020B0609020101020101" pitchFamily="49" charset="-127"/>
+                <a:ea typeface="D2Coding" panose="020B0609020101020101" pitchFamily="49" charset="-127"/>
+              </a:rPr>
+              <a:t>"MY_APP_TAG"</a:t>
+            </a:r>
+            <a:r>
+              <a:rPr kumimoji="0" lang="en-US" altLang="en-US" sz="1400" b="0" i="0" u="none" strike="noStrike" cap="none" normalizeH="0" baseline="0" dirty="0">
+                <a:ln>
+                  <a:noFill/>
+                </a:ln>
+                <a:solidFill>
+                  <a:srgbClr val="37474F"/>
+                </a:solidFill>
+                <a:effectLst/>
+                <a:latin typeface="D2Coding" panose="020B0609020101020101" pitchFamily="49" charset="-127"/>
+                <a:ea typeface="D2Coding" panose="020B0609020101020101" pitchFamily="49" charset="-127"/>
+              </a:rPr>
+              <a:t>, </a:t>
+            </a:r>
+            <a:r>
+              <a:rPr kumimoji="0" lang="en-US" altLang="en-US" sz="1400" b="0" i="0" u="none" strike="noStrike" cap="none" normalizeH="0" baseline="0" dirty="0">
+                <a:ln>
+                  <a:noFill/>
+                </a:ln>
+                <a:solidFill>
+                  <a:srgbClr val="0D904F"/>
+                </a:solidFill>
+                <a:effectLst/>
+                <a:latin typeface="D2Coding" panose="020B0609020101020101" pitchFamily="49" charset="-127"/>
+                <a:ea typeface="D2Coding" panose="020B0609020101020101" pitchFamily="49" charset="-127"/>
+              </a:rPr>
+              <a:t>"  APK: "</a:t>
+            </a:r>
+            <a:r>
+              <a:rPr kumimoji="0" lang="en-US" altLang="en-US" sz="1400" b="0" i="0" u="none" strike="noStrike" cap="none" normalizeH="0" baseline="0" dirty="0">
+                <a:ln>
+                  <a:noFill/>
+                </a:ln>
+                <a:solidFill>
+                  <a:srgbClr val="37474F"/>
+                </a:solidFill>
+                <a:effectLst/>
+                <a:latin typeface="D2Coding" panose="020B0609020101020101" pitchFamily="49" charset="-127"/>
+                <a:ea typeface="D2Coding" panose="020B0609020101020101" pitchFamily="49" charset="-127"/>
+              </a:rPr>
+              <a:t> + </a:t>
+            </a:r>
+            <a:r>
+              <a:rPr kumimoji="0" lang="en-US" altLang="en-US" sz="1400" b="0" i="0" u="none" strike="noStrike" cap="none" normalizeH="0" baseline="0" dirty="0" err="1">
+                <a:ln>
+                  <a:noFill/>
+                </a:ln>
+                <a:solidFill>
+                  <a:srgbClr val="37474F"/>
+                </a:solidFill>
+                <a:effectLst/>
+                <a:latin typeface="D2Coding" panose="020B0609020101020101" pitchFamily="49" charset="-127"/>
+                <a:ea typeface="D2Coding" panose="020B0609020101020101" pitchFamily="49" charset="-127"/>
+              </a:rPr>
+              <a:t>harmfulApp.apkPackageName</a:t>
+            </a:r>
+            <a:r>
+              <a:rPr kumimoji="0" lang="en-US" altLang="en-US" sz="1400" b="0" i="0" u="none" strike="noStrike" cap="none" normalizeH="0" baseline="0" dirty="0">
+                <a:ln>
+                  <a:noFill/>
+                </a:ln>
+                <a:solidFill>
+                  <a:srgbClr val="37474F"/>
+                </a:solidFill>
+                <a:effectLst/>
+                <a:latin typeface="D2Coding" panose="020B0609020101020101" pitchFamily="49" charset="-127"/>
+                <a:ea typeface="D2Coding" panose="020B0609020101020101" pitchFamily="49" charset="-127"/>
+              </a:rPr>
+              <a:t>);</a:t>
+            </a:r>
+            <a:br>
+              <a:rPr kumimoji="0" lang="en-US" altLang="en-US" sz="1400" b="0" i="0" u="none" strike="noStrike" cap="none" normalizeH="0" baseline="0" dirty="0">
+                <a:ln>
+                  <a:noFill/>
+                </a:ln>
+                <a:solidFill>
+                  <a:srgbClr val="37474F"/>
+                </a:solidFill>
+                <a:effectLst/>
+                <a:latin typeface="D2Coding" panose="020B0609020101020101" pitchFamily="49" charset="-127"/>
+                <a:ea typeface="D2Coding" panose="020B0609020101020101" pitchFamily="49" charset="-127"/>
+              </a:rPr>
+            </a:br>
+            <a:r>
+              <a:rPr kumimoji="0" lang="en-US" altLang="en-US" sz="1400" b="0" i="0" u="none" strike="noStrike" cap="none" normalizeH="0" baseline="0" dirty="0">
+                <a:ln>
+                  <a:noFill/>
+                </a:ln>
+                <a:solidFill>
+                  <a:srgbClr val="37474F"/>
+                </a:solidFill>
+                <a:effectLst/>
+                <a:latin typeface="D2Coding" panose="020B0609020101020101" pitchFamily="49" charset="-127"/>
+                <a:ea typeface="D2Coding" panose="020B0609020101020101" pitchFamily="49" charset="-127"/>
+              </a:rPr>
+              <a:t>                    }</a:t>
+            </a:r>
+            <a:br>
+              <a:rPr kumimoji="0" lang="en-US" altLang="en-US" sz="1400" b="0" i="0" u="none" strike="noStrike" cap="none" normalizeH="0" baseline="0" dirty="0">
+                <a:ln>
+                  <a:noFill/>
+                </a:ln>
+                <a:solidFill>
+                  <a:srgbClr val="37474F"/>
+                </a:solidFill>
+                <a:effectLst/>
+                <a:latin typeface="D2Coding" panose="020B0609020101020101" pitchFamily="49" charset="-127"/>
+                <a:ea typeface="D2Coding" panose="020B0609020101020101" pitchFamily="49" charset="-127"/>
+              </a:rPr>
+            </a:br>
+            <a:r>
+              <a:rPr kumimoji="0" lang="en-US" altLang="en-US" sz="1400" b="0" i="0" u="none" strike="noStrike" cap="none" normalizeH="0" baseline="0" dirty="0">
+                <a:ln>
+                  <a:noFill/>
+                </a:ln>
+                <a:solidFill>
+                  <a:srgbClr val="37474F"/>
+                </a:solidFill>
+                <a:effectLst/>
+                <a:latin typeface="D2Coding" panose="020B0609020101020101" pitchFamily="49" charset="-127"/>
+                <a:ea typeface="D2Coding" panose="020B0609020101020101" pitchFamily="49" charset="-127"/>
+              </a:rPr>
+              <a:t>                }</a:t>
+            </a:r>
+            <a:br>
+              <a:rPr kumimoji="0" lang="en-US" altLang="en-US" sz="1400" b="0" i="0" u="none" strike="noStrike" cap="none" normalizeH="0" baseline="0" dirty="0">
+                <a:ln>
+                  <a:noFill/>
+                </a:ln>
+                <a:solidFill>
+                  <a:srgbClr val="37474F"/>
+                </a:solidFill>
+                <a:effectLst/>
+                <a:latin typeface="D2Coding" panose="020B0609020101020101" pitchFamily="49" charset="-127"/>
+                <a:ea typeface="D2Coding" panose="020B0609020101020101" pitchFamily="49" charset="-127"/>
+              </a:rPr>
+            </a:br>
+            <a:r>
+              <a:rPr kumimoji="0" lang="en-US" altLang="en-US" sz="1400" b="0" i="0" u="none" strike="noStrike" cap="none" normalizeH="0" baseline="0" dirty="0">
+                <a:ln>
+                  <a:noFill/>
+                </a:ln>
+                <a:solidFill>
+                  <a:srgbClr val="37474F"/>
+                </a:solidFill>
+                <a:effectLst/>
+                <a:latin typeface="D2Coding" panose="020B0609020101020101" pitchFamily="49" charset="-127"/>
+                <a:ea typeface="D2Coding" panose="020B0609020101020101" pitchFamily="49" charset="-127"/>
+              </a:rPr>
+              <a:t>            } </a:t>
+            </a:r>
+            <a:r>
+              <a:rPr kumimoji="0" lang="en-US" altLang="en-US" sz="1400" b="0" i="0" u="none" strike="noStrike" cap="none" normalizeH="0" baseline="0" dirty="0">
+                <a:ln>
+                  <a:noFill/>
+                </a:ln>
+                <a:solidFill>
+                  <a:srgbClr val="3B78E7"/>
+                </a:solidFill>
+                <a:effectLst/>
+                <a:latin typeface="D2Coding" panose="020B0609020101020101" pitchFamily="49" charset="-127"/>
+                <a:ea typeface="D2Coding" panose="020B0609020101020101" pitchFamily="49" charset="-127"/>
+              </a:rPr>
+              <a:t>else</a:t>
+            </a:r>
+            <a:r>
+              <a:rPr kumimoji="0" lang="en-US" altLang="en-US" sz="1400" b="0" i="0" u="none" strike="noStrike" cap="none" normalizeH="0" baseline="0" dirty="0">
+                <a:ln>
+                  <a:noFill/>
+                </a:ln>
+                <a:solidFill>
+                  <a:srgbClr val="37474F"/>
+                </a:solidFill>
+                <a:effectLst/>
+                <a:latin typeface="D2Coding" panose="020B0609020101020101" pitchFamily="49" charset="-127"/>
+                <a:ea typeface="D2Coding" panose="020B0609020101020101" pitchFamily="49" charset="-127"/>
+              </a:rPr>
+              <a:t> {</a:t>
+            </a:r>
+            <a:br>
+              <a:rPr kumimoji="0" lang="en-US" altLang="en-US" sz="1400" b="0" i="0" u="none" strike="noStrike" cap="none" normalizeH="0" baseline="0" dirty="0">
+                <a:ln>
+                  <a:noFill/>
+                </a:ln>
+                <a:solidFill>
+                  <a:srgbClr val="37474F"/>
+                </a:solidFill>
+                <a:effectLst/>
+                <a:latin typeface="D2Coding" panose="020B0609020101020101" pitchFamily="49" charset="-127"/>
+                <a:ea typeface="D2Coding" panose="020B0609020101020101" pitchFamily="49" charset="-127"/>
+              </a:rPr>
+            </a:br>
+            <a:r>
+              <a:rPr kumimoji="0" lang="en-US" altLang="en-US" sz="1400" b="0" i="0" u="none" strike="noStrike" cap="none" normalizeH="0" baseline="0" dirty="0">
+                <a:ln>
+                  <a:noFill/>
+                </a:ln>
+                <a:solidFill>
+                  <a:srgbClr val="37474F"/>
+                </a:solidFill>
+                <a:effectLst/>
+                <a:latin typeface="D2Coding" panose="020B0609020101020101" pitchFamily="49" charset="-127"/>
+                <a:ea typeface="D2Coding" panose="020B0609020101020101" pitchFamily="49" charset="-127"/>
+              </a:rPr>
+              <a:t>                </a:t>
+            </a:r>
+            <a:r>
+              <a:rPr kumimoji="0" lang="en-US" altLang="en-US" sz="1400" b="0" i="0" u="none" strike="noStrike" cap="none" normalizeH="0" baseline="0" dirty="0" err="1">
+                <a:ln>
+                  <a:noFill/>
+                </a:ln>
+                <a:solidFill>
+                  <a:srgbClr val="9C27B0"/>
+                </a:solidFill>
+                <a:effectLst/>
+                <a:latin typeface="D2Coding" panose="020B0609020101020101" pitchFamily="49" charset="-127"/>
+                <a:ea typeface="D2Coding" panose="020B0609020101020101" pitchFamily="49" charset="-127"/>
+              </a:rPr>
+              <a:t>Log</a:t>
+            </a:r>
+            <a:r>
+              <a:rPr kumimoji="0" lang="en-US" altLang="en-US" sz="1400" b="0" i="0" u="none" strike="noStrike" cap="none" normalizeH="0" baseline="0" dirty="0" err="1">
+                <a:ln>
+                  <a:noFill/>
+                </a:ln>
+                <a:solidFill>
+                  <a:srgbClr val="37474F"/>
+                </a:solidFill>
+                <a:effectLst/>
+                <a:latin typeface="D2Coding" panose="020B0609020101020101" pitchFamily="49" charset="-127"/>
+                <a:ea typeface="D2Coding" panose="020B0609020101020101" pitchFamily="49" charset="-127"/>
+              </a:rPr>
+              <a:t>.d</a:t>
+            </a:r>
+            <a:r>
+              <a:rPr kumimoji="0" lang="en-US" altLang="en-US" sz="1400" b="0" i="0" u="none" strike="noStrike" cap="none" normalizeH="0" baseline="0" dirty="0">
+                <a:ln>
+                  <a:noFill/>
+                </a:ln>
+                <a:solidFill>
+                  <a:srgbClr val="37474F"/>
+                </a:solidFill>
+                <a:effectLst/>
+                <a:latin typeface="D2Coding" panose="020B0609020101020101" pitchFamily="49" charset="-127"/>
+                <a:ea typeface="D2Coding" panose="020B0609020101020101" pitchFamily="49" charset="-127"/>
+              </a:rPr>
+              <a:t>(</a:t>
+            </a:r>
+            <a:r>
+              <a:rPr kumimoji="0" lang="en-US" altLang="en-US" sz="1400" b="0" i="0" u="none" strike="noStrike" cap="none" normalizeH="0" baseline="0" dirty="0">
+                <a:ln>
+                  <a:noFill/>
+                </a:ln>
+                <a:solidFill>
+                  <a:srgbClr val="0D904F"/>
+                </a:solidFill>
+                <a:effectLst/>
+                <a:latin typeface="D2Coding" panose="020B0609020101020101" pitchFamily="49" charset="-127"/>
+                <a:ea typeface="D2Coding" panose="020B0609020101020101" pitchFamily="49" charset="-127"/>
+              </a:rPr>
+              <a:t>"MY_APP_TAG"</a:t>
+            </a:r>
+            <a:r>
+              <a:rPr kumimoji="0" lang="en-US" altLang="en-US" sz="1400" b="0" i="0" u="none" strike="noStrike" cap="none" normalizeH="0" baseline="0" dirty="0">
+                <a:ln>
+                  <a:noFill/>
+                </a:ln>
+                <a:solidFill>
+                  <a:srgbClr val="37474F"/>
+                </a:solidFill>
+                <a:effectLst/>
+                <a:latin typeface="D2Coding" panose="020B0609020101020101" pitchFamily="49" charset="-127"/>
+                <a:ea typeface="D2Coding" panose="020B0609020101020101" pitchFamily="49" charset="-127"/>
+              </a:rPr>
+              <a:t>, </a:t>
+            </a:r>
+            <a:r>
+              <a:rPr kumimoji="0" lang="en-US" altLang="en-US" sz="1400" b="0" i="0" u="none" strike="noStrike" cap="none" normalizeH="0" baseline="0" dirty="0">
+                <a:ln>
+                  <a:noFill/>
+                </a:ln>
+                <a:solidFill>
+                  <a:srgbClr val="0D904F"/>
+                </a:solidFill>
+                <a:effectLst/>
+                <a:latin typeface="D2Coding" panose="020B0609020101020101" pitchFamily="49" charset="-127"/>
+                <a:ea typeface="D2Coding" panose="020B0609020101020101" pitchFamily="49" charset="-127"/>
+              </a:rPr>
+              <a:t>"An error occurred. Call </a:t>
+            </a:r>
+            <a:r>
+              <a:rPr kumimoji="0" lang="en-US" altLang="en-US" sz="1400" b="0" i="0" u="none" strike="noStrike" cap="none" normalizeH="0" baseline="0" dirty="0" err="1">
+                <a:ln>
+                  <a:noFill/>
+                </a:ln>
+                <a:solidFill>
+                  <a:srgbClr val="0D904F"/>
+                </a:solidFill>
+                <a:effectLst/>
+                <a:latin typeface="D2Coding" panose="020B0609020101020101" pitchFamily="49" charset="-127"/>
+                <a:ea typeface="D2Coding" panose="020B0609020101020101" pitchFamily="49" charset="-127"/>
+              </a:rPr>
+              <a:t>isVerifyAppsEnabled</a:t>
+            </a:r>
+            <a:r>
+              <a:rPr kumimoji="0" lang="en-US" altLang="en-US" sz="1400" b="0" i="0" u="none" strike="noStrike" cap="none" normalizeH="0" baseline="0" dirty="0">
+                <a:ln>
+                  <a:noFill/>
+                </a:ln>
+                <a:solidFill>
+                  <a:srgbClr val="0D904F"/>
+                </a:solidFill>
+                <a:effectLst/>
+                <a:latin typeface="D2Coding" panose="020B0609020101020101" pitchFamily="49" charset="-127"/>
+                <a:ea typeface="D2Coding" panose="020B0609020101020101" pitchFamily="49" charset="-127"/>
+              </a:rPr>
+              <a:t>() to ensure "</a:t>
+            </a:r>
+            <a:r>
+              <a:rPr kumimoji="0" lang="en-US" altLang="en-US" sz="1400" b="0" i="0" u="none" strike="noStrike" cap="none" normalizeH="0" baseline="0" dirty="0">
+                <a:ln>
+                  <a:noFill/>
+                </a:ln>
+                <a:solidFill>
+                  <a:srgbClr val="37474F"/>
+                </a:solidFill>
+                <a:effectLst/>
+                <a:latin typeface="D2Coding" panose="020B0609020101020101" pitchFamily="49" charset="-127"/>
+                <a:ea typeface="D2Coding" panose="020B0609020101020101" pitchFamily="49" charset="-127"/>
+              </a:rPr>
+              <a:t> +</a:t>
+            </a:r>
+            <a:br>
+              <a:rPr kumimoji="0" lang="en-US" altLang="en-US" sz="1400" b="0" i="0" u="none" strike="noStrike" cap="none" normalizeH="0" baseline="0" dirty="0">
+                <a:ln>
+                  <a:noFill/>
+                </a:ln>
+                <a:solidFill>
+                  <a:srgbClr val="37474F"/>
+                </a:solidFill>
+                <a:effectLst/>
+                <a:latin typeface="D2Coding" panose="020B0609020101020101" pitchFamily="49" charset="-127"/>
+                <a:ea typeface="D2Coding" panose="020B0609020101020101" pitchFamily="49" charset="-127"/>
+              </a:rPr>
+            </a:br>
+            <a:r>
+              <a:rPr kumimoji="0" lang="en-US" altLang="en-US" sz="1400" b="0" i="0" u="none" strike="noStrike" cap="none" normalizeH="0" baseline="0" dirty="0">
+                <a:ln>
+                  <a:noFill/>
+                </a:ln>
+                <a:solidFill>
+                  <a:srgbClr val="37474F"/>
+                </a:solidFill>
+                <a:effectLst/>
+                <a:latin typeface="D2Coding" panose="020B0609020101020101" pitchFamily="49" charset="-127"/>
+                <a:ea typeface="D2Coding" panose="020B0609020101020101" pitchFamily="49" charset="-127"/>
+              </a:rPr>
+              <a:t>                      </a:t>
+            </a:r>
+            <a:r>
+              <a:rPr kumimoji="0" lang="en-US" altLang="en-US" sz="1400" b="0" i="0" u="none" strike="noStrike" cap="none" normalizeH="0" baseline="0" dirty="0">
+                <a:ln>
+                  <a:noFill/>
+                </a:ln>
+                <a:solidFill>
+                  <a:srgbClr val="0D904F"/>
+                </a:solidFill>
+                <a:effectLst/>
+                <a:latin typeface="D2Coding" panose="020B0609020101020101" pitchFamily="49" charset="-127"/>
+                <a:ea typeface="D2Coding" panose="020B0609020101020101" pitchFamily="49" charset="-127"/>
+              </a:rPr>
+              <a:t>"that the user has consented."</a:t>
+            </a:r>
+            <a:r>
+              <a:rPr kumimoji="0" lang="en-US" altLang="en-US" sz="1400" b="0" i="0" u="none" strike="noStrike" cap="none" normalizeH="0" baseline="0" dirty="0">
+                <a:ln>
+                  <a:noFill/>
+                </a:ln>
+                <a:solidFill>
+                  <a:srgbClr val="37474F"/>
+                </a:solidFill>
+                <a:effectLst/>
+                <a:latin typeface="D2Coding" panose="020B0609020101020101" pitchFamily="49" charset="-127"/>
+                <a:ea typeface="D2Coding" panose="020B0609020101020101" pitchFamily="49" charset="-127"/>
+              </a:rPr>
+              <a:t>);</a:t>
+            </a:r>
+            <a:br>
+              <a:rPr kumimoji="0" lang="en-US" altLang="en-US" sz="1400" b="0" i="0" u="none" strike="noStrike" cap="none" normalizeH="0" baseline="0" dirty="0">
+                <a:ln>
+                  <a:noFill/>
+                </a:ln>
+                <a:solidFill>
+                  <a:srgbClr val="37474F"/>
+                </a:solidFill>
+                <a:effectLst/>
+                <a:latin typeface="D2Coding" panose="020B0609020101020101" pitchFamily="49" charset="-127"/>
+                <a:ea typeface="D2Coding" panose="020B0609020101020101" pitchFamily="49" charset="-127"/>
+              </a:rPr>
+            </a:br>
+            <a:r>
+              <a:rPr kumimoji="0" lang="en-US" altLang="en-US" sz="1400" b="0" i="0" u="none" strike="noStrike" cap="none" normalizeH="0" baseline="0" dirty="0">
+                <a:ln>
+                  <a:noFill/>
+                </a:ln>
+                <a:solidFill>
+                  <a:srgbClr val="37474F"/>
+                </a:solidFill>
+                <a:effectLst/>
+                <a:latin typeface="D2Coding" panose="020B0609020101020101" pitchFamily="49" charset="-127"/>
+                <a:ea typeface="D2Coding" panose="020B0609020101020101" pitchFamily="49" charset="-127"/>
+              </a:rPr>
+              <a:t>            }</a:t>
+            </a:r>
+            <a:br>
+              <a:rPr kumimoji="0" lang="en-US" altLang="en-US" sz="1400" b="0" i="0" u="none" strike="noStrike" cap="none" normalizeH="0" baseline="0" dirty="0">
+                <a:ln>
+                  <a:noFill/>
+                </a:ln>
+                <a:solidFill>
+                  <a:srgbClr val="37474F"/>
+                </a:solidFill>
+                <a:effectLst/>
+                <a:latin typeface="D2Coding" panose="020B0609020101020101" pitchFamily="49" charset="-127"/>
+                <a:ea typeface="D2Coding" panose="020B0609020101020101" pitchFamily="49" charset="-127"/>
+              </a:rPr>
+            </a:br>
+            <a:r>
+              <a:rPr kumimoji="0" lang="en-US" altLang="en-US" sz="1400" b="0" i="0" u="none" strike="noStrike" cap="none" normalizeH="0" baseline="0" dirty="0">
+                <a:ln>
+                  <a:noFill/>
+                </a:ln>
+                <a:solidFill>
+                  <a:srgbClr val="37474F"/>
+                </a:solidFill>
+                <a:effectLst/>
+                <a:latin typeface="D2Coding" panose="020B0609020101020101" pitchFamily="49" charset="-127"/>
+                <a:ea typeface="D2Coding" panose="020B0609020101020101" pitchFamily="49" charset="-127"/>
+              </a:rPr>
+              <a:t>        }</a:t>
+            </a:r>
+            <a:br>
+              <a:rPr kumimoji="0" lang="en-US" altLang="en-US" sz="1400" b="0" i="0" u="none" strike="noStrike" cap="none" normalizeH="0" baseline="0" dirty="0">
+                <a:ln>
+                  <a:noFill/>
+                </a:ln>
+                <a:solidFill>
+                  <a:srgbClr val="37474F"/>
+                </a:solidFill>
+                <a:effectLst/>
+                <a:latin typeface="D2Coding" panose="020B0609020101020101" pitchFamily="49" charset="-127"/>
+                <a:ea typeface="D2Coding" panose="020B0609020101020101" pitchFamily="49" charset="-127"/>
+              </a:rPr>
+            </a:br>
+            <a:r>
+              <a:rPr kumimoji="0" lang="en-US" altLang="en-US" sz="1400" b="0" i="0" u="none" strike="noStrike" cap="none" normalizeH="0" baseline="0" dirty="0">
+                <a:ln>
+                  <a:noFill/>
+                </a:ln>
+                <a:solidFill>
+                  <a:srgbClr val="37474F"/>
+                </a:solidFill>
+                <a:effectLst/>
+                <a:latin typeface="D2Coding" panose="020B0609020101020101" pitchFamily="49" charset="-127"/>
+                <a:ea typeface="D2Coding" panose="020B0609020101020101" pitchFamily="49" charset="-127"/>
+              </a:rPr>
+              <a:t>    });</a:t>
+            </a:r>
+            <a:r>
+              <a:rPr kumimoji="0" lang="en-US" altLang="en-US" sz="1400" b="0" i="0" u="none" strike="noStrike" cap="none" normalizeH="0" baseline="0" dirty="0">
+                <a:ln>
+                  <a:noFill/>
+                </a:ln>
+                <a:solidFill>
+                  <a:schemeClr val="tx1"/>
+                </a:solidFill>
+                <a:effectLst/>
+                <a:latin typeface="D2Coding" panose="020B0609020101020101" pitchFamily="49" charset="-127"/>
+                <a:ea typeface="D2Coding" panose="020B0609020101020101" pitchFamily="49" charset="-127"/>
+              </a:rPr>
+              <a:t> </a:t>
+            </a:r>
+          </a:p>
+        </p:txBody>
+      </p:sp>
+    </p:spTree>
+    <p:extLst>
+      <p:ext uri="{BB962C8B-B14F-4D97-AF65-F5344CB8AC3E}">
+        <p14:creationId xmlns:p14="http://schemas.microsoft.com/office/powerpoint/2010/main" val="2369951355"/>
+      </p:ext>
+    </p:extLst>
+  </p:cSld>
+  <p:clrMapOvr>
+    <a:masterClrMapping/>
+  </p:clrMapOvr>
+</p:sld>
+</file>
+
+<file path=ppt/slides/slide15.xml><?xml version="1.0" encoding="utf-8"?>
+<p:sld xmlns:a="http://schemas.openxmlformats.org/drawingml/2006/main" xmlns:r="http://schemas.openxmlformats.org/officeDocument/2006/relationships" xmlns:p="http://schemas.openxmlformats.org/presentationml/2006/main">
+  <p:cSld>
+    <p:spTree>
+      <p:nvGrpSpPr>
+        <p:cNvPr id="1" name=""/>
+        <p:cNvGrpSpPr/>
+        <p:nvPr/>
+      </p:nvGrpSpPr>
+      <p:grpSpPr>
+        <a:xfrm>
+          <a:off x="0" y="0"/>
+          <a:ext cx="0" cy="0"/>
+          <a:chOff x="0" y="0"/>
+          <a:chExt cx="0" cy="0"/>
+        </a:xfrm>
+      </p:grpSpPr>
+      <p:sp>
+        <p:nvSpPr>
+          <p:cNvPr id="5" name="제목 4">
+            <a:extLst>
+              <a:ext uri="{FF2B5EF4-FFF2-40B4-BE49-F238E27FC236}">
+                <a16:creationId xmlns:a16="http://schemas.microsoft.com/office/drawing/2014/main" id="{66A88597-CB44-4EB1-80A1-8824DD0A1707}"/>
+              </a:ext>
+            </a:extLst>
+          </p:cNvPr>
+          <p:cNvSpPr>
+            <a:spLocks noGrp="1"/>
+          </p:cNvSpPr>
+          <p:nvPr>
+            <p:ph type="title"/>
+          </p:nvPr>
+        </p:nvSpPr>
+        <p:spPr/>
+        <p:txBody>
+          <a:bodyPr/>
+          <a:lstStyle/>
+          <a:p>
+            <a:r>
+              <a:rPr lang="ko-KR" altLang="en-US" dirty="0"/>
+              <a:t>실습 </a:t>
+            </a:r>
+            <a:r>
+              <a:rPr lang="en-US" altLang="ko-KR" dirty="0"/>
+              <a:t>– Verify App API</a:t>
+            </a:r>
+            <a:endParaRPr lang="en-US" dirty="0"/>
+          </a:p>
+        </p:txBody>
+      </p:sp>
+      <p:sp>
+        <p:nvSpPr>
+          <p:cNvPr id="6" name="내용 개체 틀 5">
+            <a:extLst>
+              <a:ext uri="{FF2B5EF4-FFF2-40B4-BE49-F238E27FC236}">
+                <a16:creationId xmlns:a16="http://schemas.microsoft.com/office/drawing/2014/main" id="{9DDC2BA3-5789-48BF-B295-84300DC525C7}"/>
+              </a:ext>
+            </a:extLst>
+          </p:cNvPr>
+          <p:cNvSpPr>
+            <a:spLocks noGrp="1"/>
+          </p:cNvSpPr>
+          <p:nvPr>
+            <p:ph idx="1"/>
+          </p:nvPr>
+        </p:nvSpPr>
+        <p:spPr/>
+        <p:txBody>
+          <a:bodyPr/>
+          <a:lstStyle/>
+          <a:p>
+            <a:r>
+              <a:rPr lang="ko-KR" altLang="en-US" dirty="0"/>
+              <a:t>디바이스의 설정에서 </a:t>
+            </a:r>
+            <a:r>
+              <a:rPr lang="en-US" altLang="ko-KR" dirty="0"/>
+              <a:t>Security(</a:t>
+            </a:r>
+            <a:r>
+              <a:rPr lang="ko-KR" altLang="en-US" dirty="0"/>
+              <a:t>보안</a:t>
+            </a:r>
+            <a:r>
+              <a:rPr lang="en-US" altLang="ko-KR" dirty="0"/>
+              <a:t>) &gt; Google Play Protect</a:t>
+            </a:r>
+            <a:r>
+              <a:rPr lang="ko-KR" altLang="en-US" dirty="0"/>
+              <a:t>를 끈다</a:t>
+            </a:r>
+            <a:r>
+              <a:rPr lang="en-US" altLang="ko-KR" dirty="0"/>
+              <a:t>.</a:t>
+            </a:r>
+          </a:p>
+          <a:p>
+            <a:r>
+              <a:rPr lang="en-US" dirty="0" err="1"/>
+              <a:t>enableVerifyApps</a:t>
+            </a:r>
+            <a:r>
+              <a:rPr lang="en-US" dirty="0"/>
+              <a:t>()</a:t>
+            </a:r>
+            <a:r>
+              <a:rPr lang="ko-KR" altLang="en-US" dirty="0"/>
+              <a:t>를 호출</a:t>
+            </a:r>
+            <a:endParaRPr lang="en-US" altLang="ko-KR" dirty="0"/>
+          </a:p>
+          <a:p>
+            <a:r>
+              <a:rPr lang="ko-KR" altLang="en-US" dirty="0"/>
+              <a:t>사용자가 </a:t>
+            </a:r>
+            <a:r>
+              <a:rPr lang="en-US" altLang="ko-KR" dirty="0"/>
+              <a:t>Verify App </a:t>
+            </a:r>
+            <a:r>
+              <a:rPr lang="ko-KR" altLang="en-US" dirty="0"/>
+              <a:t>동작을 </a:t>
+            </a:r>
+            <a:r>
+              <a:rPr lang="en-US" altLang="ko-KR" dirty="0"/>
+              <a:t>Decline(</a:t>
+            </a:r>
+            <a:r>
+              <a:rPr lang="ko-KR" altLang="en-US" dirty="0"/>
+              <a:t>거부</a:t>
+            </a:r>
+            <a:r>
+              <a:rPr lang="en-US" altLang="ko-KR" dirty="0"/>
+              <a:t>)</a:t>
+            </a:r>
+            <a:r>
+              <a:rPr lang="ko-KR" altLang="en-US" dirty="0"/>
+              <a:t>할 경우</a:t>
+            </a:r>
+            <a:r>
+              <a:rPr lang="en-US" altLang="ko-KR" dirty="0"/>
+              <a:t>, </a:t>
+            </a:r>
+            <a:r>
+              <a:rPr lang="ko-KR" altLang="en-US" dirty="0"/>
+              <a:t>액티비티를 종료하고</a:t>
+            </a:r>
+            <a:r>
+              <a:rPr lang="en-US" altLang="ko-KR" dirty="0"/>
+              <a:t>,</a:t>
+            </a:r>
+          </a:p>
+          <a:p>
+            <a:r>
+              <a:rPr lang="ko-KR" altLang="en-US" dirty="0"/>
+              <a:t>사용자가 </a:t>
+            </a:r>
+            <a:r>
+              <a:rPr lang="en-US" altLang="ko-KR" dirty="0"/>
+              <a:t>Accept(</a:t>
+            </a:r>
+            <a:r>
+              <a:rPr lang="ko-KR" altLang="en-US" dirty="0"/>
+              <a:t>허가</a:t>
+            </a:r>
+            <a:r>
+              <a:rPr lang="en-US" altLang="ko-KR" dirty="0"/>
+              <a:t>)</a:t>
+            </a:r>
+            <a:r>
+              <a:rPr lang="ko-KR" altLang="en-US" dirty="0"/>
+              <a:t>할 경우 위험한 앱 목록을 확인하고</a:t>
+            </a:r>
+            <a:endParaRPr lang="en-US" altLang="ko-KR" dirty="0"/>
+          </a:p>
+          <a:p>
+            <a:pPr lvl="1"/>
+            <a:r>
+              <a:rPr lang="ko-KR" altLang="en-US" dirty="0"/>
+              <a:t>위험한 앱이 한 개 이상 있으면 액티비티를 종료한다</a:t>
+            </a:r>
+            <a:r>
+              <a:rPr lang="en-US" altLang="ko-KR" dirty="0"/>
+              <a:t>.</a:t>
+            </a:r>
+            <a:endParaRPr lang="en-US" dirty="0"/>
+          </a:p>
+        </p:txBody>
+      </p:sp>
+    </p:spTree>
+    <p:extLst>
+      <p:ext uri="{BB962C8B-B14F-4D97-AF65-F5344CB8AC3E}">
+        <p14:creationId xmlns:p14="http://schemas.microsoft.com/office/powerpoint/2010/main" val="2217750542"/>
       </p:ext>
     </p:extLst>
   </p:cSld>
